--- a/Esercitazione 1.pptx
+++ b/Esercitazione 1.pptx
@@ -11,6 +11,22 @@
     <p:sldId id="268" r:id="rId5"/>
     <p:sldId id="261" r:id="rId6"/>
     <p:sldId id="269" r:id="rId7"/>
+    <p:sldId id="273" r:id="rId8"/>
+    <p:sldId id="274" r:id="rId9"/>
+    <p:sldId id="275" r:id="rId10"/>
+    <p:sldId id="276" r:id="rId11"/>
+    <p:sldId id="277" r:id="rId12"/>
+    <p:sldId id="278" r:id="rId13"/>
+    <p:sldId id="272" r:id="rId14"/>
+    <p:sldId id="265" r:id="rId15"/>
+    <p:sldId id="271" r:id="rId16"/>
+    <p:sldId id="279" r:id="rId17"/>
+    <p:sldId id="280" r:id="rId18"/>
+    <p:sldId id="282" r:id="rId19"/>
+    <p:sldId id="281" r:id="rId20"/>
+    <p:sldId id="283" r:id="rId21"/>
+    <p:sldId id="284" r:id="rId22"/>
+    <p:sldId id="285" r:id="rId23"/>
   </p:sldIdLst>
   <p:sldSz cx="12192000" cy="6858000"/>
   <p:notesSz cx="6858000" cy="9144000"/>
@@ -128,6 +144,22 @@
             <p14:sldId id="268"/>
             <p14:sldId id="261"/>
             <p14:sldId id="269"/>
+            <p14:sldId id="273"/>
+            <p14:sldId id="274"/>
+            <p14:sldId id="275"/>
+            <p14:sldId id="276"/>
+            <p14:sldId id="277"/>
+            <p14:sldId id="278"/>
+            <p14:sldId id="272"/>
+            <p14:sldId id="265"/>
+            <p14:sldId id="271"/>
+            <p14:sldId id="279"/>
+            <p14:sldId id="280"/>
+            <p14:sldId id="282"/>
+            <p14:sldId id="281"/>
+            <p14:sldId id="283"/>
+            <p14:sldId id="284"/>
+            <p14:sldId id="285"/>
           </p14:sldIdLst>
         </p14:section>
       </p14:sectionLst>
@@ -142,203 +174,13 @@
 <file path=ppt/revisionInfo.xml><?xml version="1.0" encoding="utf-8"?>
 <p1510:revInfo xmlns:a="http://schemas.openxmlformats.org/drawingml/2006/main" xmlns:r="http://schemas.openxmlformats.org/officeDocument/2006/relationships" xmlns:p1510="http://schemas.microsoft.com/office/powerpoint/2015/10/main">
   <p1510:revLst>
-    <p1510:client id="{3C119ACF-4D67-494C-AA54-419D592FF9F4}" v="28" dt="2020-10-07T16:00:03.113"/>
-    <p1510:client id="{BB16C01B-8D23-4711-9E49-3A8AA46A2545}" v="214" dt="2020-10-07T15:13:46.974"/>
+    <p1510:client id="{758975F4-9885-4A06-B6C6-4B81D2F536C8}" v="52" dt="2020-10-12T14:57:21.678"/>
   </p1510:revLst>
 </p1510:revInfo>
 </file>
 
 <file path=ppt/changesInfos/changesInfo1.xml><?xml version="1.0" encoding="utf-8"?>
 <pc:chgInfo xmlns:a="http://schemas.openxmlformats.org/drawingml/2006/main" xmlns:r="http://schemas.openxmlformats.org/officeDocument/2006/relationships" xmlns:ac="http://schemas.microsoft.com/office/drawing/2013/main/command" xmlns:pc="http://schemas.microsoft.com/office/powerpoint/2013/main/command">
-  <pc:docChgLst>
-    <pc:chgData name="francesco scavello" userId="88dd6d613a4d9c43" providerId="LiveId" clId="{BB16C01B-8D23-4711-9E49-3A8AA46A2545}"/>
-    <pc:docChg chg="undo custSel modSld">
-      <pc:chgData name="francesco scavello" userId="88dd6d613a4d9c43" providerId="LiveId" clId="{BB16C01B-8D23-4711-9E49-3A8AA46A2545}" dt="2020-10-07T15:13:46.974" v="215" actId="20577"/>
-      <pc:docMkLst>
-        <pc:docMk/>
-      </pc:docMkLst>
-      <pc:sldChg chg="modSp">
-        <pc:chgData name="francesco scavello" userId="88dd6d613a4d9c43" providerId="LiveId" clId="{BB16C01B-8D23-4711-9E49-3A8AA46A2545}" dt="2020-10-07T15:13:46.974" v="215" actId="20577"/>
-        <pc:sldMkLst>
-          <pc:docMk/>
-          <pc:sldMk cId="1765973840" sldId="258"/>
-        </pc:sldMkLst>
-        <pc:graphicFrameChg chg="mod">
-          <ac:chgData name="francesco scavello" userId="88dd6d613a4d9c43" providerId="LiveId" clId="{BB16C01B-8D23-4711-9E49-3A8AA46A2545}" dt="2020-10-07T15:13:46.974" v="215" actId="20577"/>
-          <ac:graphicFrameMkLst>
-            <pc:docMk/>
-            <pc:sldMk cId="1765973840" sldId="258"/>
-            <ac:graphicFrameMk id="15" creationId="{9803AE57-A4A2-4EF9-A189-32D38D886553}"/>
-          </ac:graphicFrameMkLst>
-        </pc:graphicFrameChg>
-      </pc:sldChg>
-      <pc:sldChg chg="addSp delSp modSp mod setBg">
-        <pc:chgData name="francesco scavello" userId="88dd6d613a4d9c43" providerId="LiveId" clId="{BB16C01B-8D23-4711-9E49-3A8AA46A2545}" dt="2020-10-07T14:58:07.772" v="31" actId="22"/>
-        <pc:sldMkLst>
-          <pc:docMk/>
-          <pc:sldMk cId="2297199319" sldId="263"/>
-        </pc:sldMkLst>
-        <pc:spChg chg="mod">
-          <ac:chgData name="francesco scavello" userId="88dd6d613a4d9c43" providerId="LiveId" clId="{BB16C01B-8D23-4711-9E49-3A8AA46A2545}" dt="2020-10-07T14:57:34.898" v="19" actId="26606"/>
-          <ac:spMkLst>
-            <pc:docMk/>
-            <pc:sldMk cId="2297199319" sldId="263"/>
-            <ac:spMk id="2" creationId="{458B4685-22A5-49E3-817B-24701DA4FDAD}"/>
-          </ac:spMkLst>
-        </pc:spChg>
-        <pc:spChg chg="add del">
-          <ac:chgData name="francesco scavello" userId="88dd6d613a4d9c43" providerId="LiveId" clId="{BB16C01B-8D23-4711-9E49-3A8AA46A2545}" dt="2020-10-07T14:56:24.977" v="10" actId="26606"/>
-          <ac:spMkLst>
-            <pc:docMk/>
-            <pc:sldMk cId="2297199319" sldId="263"/>
-            <ac:spMk id="12" creationId="{CE0ED340-F19A-4EE0-A2D8-7559368ADDE6}"/>
-          </ac:spMkLst>
-        </pc:spChg>
-        <pc:spChg chg="add del">
-          <ac:chgData name="francesco scavello" userId="88dd6d613a4d9c43" providerId="LiveId" clId="{BB16C01B-8D23-4711-9E49-3A8AA46A2545}" dt="2020-10-07T14:57:34.898" v="19" actId="26606"/>
-          <ac:spMkLst>
-            <pc:docMk/>
-            <pc:sldMk cId="2297199319" sldId="263"/>
-            <ac:spMk id="16" creationId="{CE0ED340-F19A-4EE0-A2D8-7559368ADDE6}"/>
-          </ac:spMkLst>
-        </pc:spChg>
-        <pc:picChg chg="add del mod ord">
-          <ac:chgData name="francesco scavello" userId="88dd6d613a4d9c43" providerId="LiveId" clId="{BB16C01B-8D23-4711-9E49-3A8AA46A2545}" dt="2020-10-07T14:56:25.821" v="11" actId="22"/>
-          <ac:picMkLst>
-            <pc:docMk/>
-            <pc:sldMk cId="2297199319" sldId="263"/>
-            <ac:picMk id="3" creationId="{8C1A86FC-1948-4B5F-A9E3-6D65C0CBDADF}"/>
-          </ac:picMkLst>
-        </pc:picChg>
-        <pc:picChg chg="add del mod">
-          <ac:chgData name="francesco scavello" userId="88dd6d613a4d9c43" providerId="LiveId" clId="{BB16C01B-8D23-4711-9E49-3A8AA46A2545}" dt="2020-10-07T14:56:25.821" v="11" actId="22"/>
-          <ac:picMkLst>
-            <pc:docMk/>
-            <pc:sldMk cId="2297199319" sldId="263"/>
-            <ac:picMk id="5" creationId="{F7972FAA-61F9-4179-9E74-15EDDE06A9EC}"/>
-          </ac:picMkLst>
-        </pc:picChg>
-        <pc:picChg chg="del mod">
-          <ac:chgData name="francesco scavello" userId="88dd6d613a4d9c43" providerId="LiveId" clId="{BB16C01B-8D23-4711-9E49-3A8AA46A2545}" dt="2020-10-07T14:55:56.219" v="7" actId="478"/>
-          <ac:picMkLst>
-            <pc:docMk/>
-            <pc:sldMk cId="2297199319" sldId="263"/>
-            <ac:picMk id="6" creationId="{5C753B64-3297-4D72-A7A3-9BF68482D33A}"/>
-          </ac:picMkLst>
-        </pc:picChg>
-        <pc:picChg chg="add del mod ord">
-          <ac:chgData name="francesco scavello" userId="88dd6d613a4d9c43" providerId="LiveId" clId="{BB16C01B-8D23-4711-9E49-3A8AA46A2545}" dt="2020-10-07T14:58:07.772" v="31" actId="22"/>
-          <ac:picMkLst>
-            <pc:docMk/>
-            <pc:sldMk cId="2297199319" sldId="263"/>
-            <ac:picMk id="8" creationId="{931D7982-4BD2-488C-BD33-1BC9E28CA28B}"/>
-          </ac:picMkLst>
-        </pc:picChg>
-        <pc:picChg chg="add del mod">
-          <ac:chgData name="francesco scavello" userId="88dd6d613a4d9c43" providerId="LiveId" clId="{BB16C01B-8D23-4711-9E49-3A8AA46A2545}" dt="2020-10-07T14:58:06.913" v="30" actId="22"/>
-          <ac:picMkLst>
-            <pc:docMk/>
-            <pc:sldMk cId="2297199319" sldId="263"/>
-            <ac:picMk id="9" creationId="{A32FB68D-8152-4029-8F92-6BCC15BAB15B}"/>
-          </ac:picMkLst>
-        </pc:picChg>
-        <pc:picChg chg="add del">
-          <ac:chgData name="francesco scavello" userId="88dd6d613a4d9c43" providerId="LiveId" clId="{BB16C01B-8D23-4711-9E49-3A8AA46A2545}" dt="2020-10-07T14:56:24.977" v="10" actId="26606"/>
-          <ac:picMkLst>
-            <pc:docMk/>
-            <pc:sldMk cId="2297199319" sldId="263"/>
-            <ac:picMk id="10" creationId="{8EE47595-753C-4DAE-B57E-20F1CFEDE16A}"/>
-          </ac:picMkLst>
-        </pc:picChg>
-        <pc:picChg chg="add del">
-          <ac:chgData name="francesco scavello" userId="88dd6d613a4d9c43" providerId="LiveId" clId="{BB16C01B-8D23-4711-9E49-3A8AA46A2545}" dt="2020-10-07T14:57:34.898" v="19" actId="26606"/>
-          <ac:picMkLst>
-            <pc:docMk/>
-            <pc:sldMk cId="2297199319" sldId="263"/>
-            <ac:picMk id="14" creationId="{8EE47595-753C-4DAE-B57E-20F1CFEDE16A}"/>
-          </ac:picMkLst>
-        </pc:picChg>
-      </pc:sldChg>
-      <pc:sldChg chg="delSp modSp mod">
-        <pc:chgData name="francesco scavello" userId="88dd6d613a4d9c43" providerId="LiveId" clId="{BB16C01B-8D23-4711-9E49-3A8AA46A2545}" dt="2020-10-07T14:55:28.979" v="5"/>
-        <pc:sldMkLst>
-          <pc:docMk/>
-          <pc:sldMk cId="3799572426" sldId="264"/>
-        </pc:sldMkLst>
-        <pc:spChg chg="del mod">
-          <ac:chgData name="francesco scavello" userId="88dd6d613a4d9c43" providerId="LiveId" clId="{BB16C01B-8D23-4711-9E49-3A8AA46A2545}" dt="2020-10-07T14:55:28.979" v="5"/>
-          <ac:spMkLst>
-            <pc:docMk/>
-            <pc:sldMk cId="3799572426" sldId="264"/>
-            <ac:spMk id="3" creationId="{89D2B2BE-4EAF-4365-9AEF-064C2A2D1852}"/>
-          </ac:spMkLst>
-        </pc:spChg>
-      </pc:sldChg>
-      <pc:sldChg chg="addSp delSp modSp mod setBg modClrScheme delDesignElem chgLayout">
-        <pc:chgData name="francesco scavello" userId="88dd6d613a4d9c43" providerId="LiveId" clId="{BB16C01B-8D23-4711-9E49-3A8AA46A2545}" dt="2020-10-07T15:07:37.347" v="214" actId="255"/>
-        <pc:sldMkLst>
-          <pc:docMk/>
-          <pc:sldMk cId="3020919706" sldId="265"/>
-        </pc:sldMkLst>
-        <pc:spChg chg="mod ord">
-          <ac:chgData name="francesco scavello" userId="88dd6d613a4d9c43" providerId="LiveId" clId="{BB16C01B-8D23-4711-9E49-3A8AA46A2545}" dt="2020-10-07T15:07:23.396" v="212" actId="255"/>
-          <ac:spMkLst>
-            <pc:docMk/>
-            <pc:sldMk cId="3020919706" sldId="265"/>
-            <ac:spMk id="2" creationId="{1DE5DE4C-4E20-43B0-A130-A3878E3637B2}"/>
-          </ac:spMkLst>
-        </pc:spChg>
-        <pc:spChg chg="del mod">
-          <ac:chgData name="francesco scavello" userId="88dd6d613a4d9c43" providerId="LiveId" clId="{BB16C01B-8D23-4711-9E49-3A8AA46A2545}" dt="2020-10-07T14:55:24.004" v="2"/>
-          <ac:spMkLst>
-            <pc:docMk/>
-            <pc:sldMk cId="3020919706" sldId="265"/>
-            <ac:spMk id="3" creationId="{0F44477F-97B4-422A-92E3-0B08132829A0}"/>
-          </ac:spMkLst>
-        </pc:spChg>
-        <pc:spChg chg="add del mod">
-          <ac:chgData name="francesco scavello" userId="88dd6d613a4d9c43" providerId="LiveId" clId="{BB16C01B-8D23-4711-9E49-3A8AA46A2545}" dt="2020-10-07T15:02:53.071" v="32"/>
-          <ac:spMkLst>
-            <pc:docMk/>
-            <pc:sldMk cId="3020919706" sldId="265"/>
-            <ac:spMk id="4" creationId="{2395A513-5979-4CD0-9146-6610F232890D}"/>
-          </ac:spMkLst>
-        </pc:spChg>
-        <pc:spChg chg="add mod ord">
-          <ac:chgData name="francesco scavello" userId="88dd6d613a4d9c43" providerId="LiveId" clId="{BB16C01B-8D23-4711-9E49-3A8AA46A2545}" dt="2020-10-07T15:07:33.444" v="213" actId="255"/>
-          <ac:spMkLst>
-            <pc:docMk/>
-            <pc:sldMk cId="3020919706" sldId="265"/>
-            <ac:spMk id="5" creationId="{710333A3-B884-4960-BB1C-82811B257BF6}"/>
-          </ac:spMkLst>
-        </pc:spChg>
-        <pc:spChg chg="add mod ord">
-          <ac:chgData name="francesco scavello" userId="88dd6d613a4d9c43" providerId="LiveId" clId="{BB16C01B-8D23-4711-9E49-3A8AA46A2545}" dt="2020-10-07T15:07:37.347" v="214" actId="255"/>
-          <ac:spMkLst>
-            <pc:docMk/>
-            <pc:sldMk cId="3020919706" sldId="265"/>
-            <ac:spMk id="6" creationId="{AB260758-ED19-4F3D-A104-38633F39559C}"/>
-          </ac:spMkLst>
-        </pc:spChg>
-        <pc:spChg chg="add del">
-          <ac:chgData name="francesco scavello" userId="88dd6d613a4d9c43" providerId="LiveId" clId="{BB16C01B-8D23-4711-9E49-3A8AA46A2545}" dt="2020-10-07T15:06:42.485" v="205" actId="700"/>
-          <ac:spMkLst>
-            <pc:docMk/>
-            <pc:sldMk cId="3020919706" sldId="265"/>
-            <ac:spMk id="10" creationId="{9A6C2C86-63BF-47D5-AA3F-905111A238E2}"/>
-          </ac:spMkLst>
-        </pc:spChg>
-        <pc:cxnChg chg="add del">
-          <ac:chgData name="francesco scavello" userId="88dd6d613a4d9c43" providerId="LiveId" clId="{BB16C01B-8D23-4711-9E49-3A8AA46A2545}" dt="2020-10-07T15:06:42.485" v="205" actId="700"/>
-          <ac:cxnSpMkLst>
-            <pc:docMk/>
-            <pc:sldMk cId="3020919706" sldId="265"/>
-            <ac:cxnSpMk id="12" creationId="{425A0768-3044-4AA9-A889-D2CAA68C517A}"/>
-          </ac:cxnSpMkLst>
-        </pc:cxnChg>
-      </pc:sldChg>
-    </pc:docChg>
-  </pc:docChgLst>
   <pc:docChgLst>
     <pc:chgData name="francesco scavello" userId="88dd6d613a4d9c43" providerId="LiveId" clId="{3C119ACF-4D67-494C-AA54-419D592FF9F4}"/>
     <pc:docChg chg="undo custSel mod addSld delSld modSld modSection">
@@ -1112,6 +954,1231 @@
       </pc:sldChg>
     </pc:docChg>
   </pc:docChgLst>
+  <pc:docChgLst>
+    <pc:chgData name="francesco scavello" userId="88dd6d613a4d9c43" providerId="LiveId" clId="{BB16C01B-8D23-4711-9E49-3A8AA46A2545}"/>
+    <pc:docChg chg="undo custSel modSld">
+      <pc:chgData name="francesco scavello" userId="88dd6d613a4d9c43" providerId="LiveId" clId="{BB16C01B-8D23-4711-9E49-3A8AA46A2545}" dt="2020-10-07T15:13:46.974" v="215" actId="20577"/>
+      <pc:docMkLst>
+        <pc:docMk/>
+      </pc:docMkLst>
+      <pc:sldChg chg="modSp">
+        <pc:chgData name="francesco scavello" userId="88dd6d613a4d9c43" providerId="LiveId" clId="{BB16C01B-8D23-4711-9E49-3A8AA46A2545}" dt="2020-10-07T15:13:46.974" v="215" actId="20577"/>
+        <pc:sldMkLst>
+          <pc:docMk/>
+          <pc:sldMk cId="1765973840" sldId="258"/>
+        </pc:sldMkLst>
+        <pc:graphicFrameChg chg="mod">
+          <ac:chgData name="francesco scavello" userId="88dd6d613a4d9c43" providerId="LiveId" clId="{BB16C01B-8D23-4711-9E49-3A8AA46A2545}" dt="2020-10-07T15:13:46.974" v="215" actId="20577"/>
+          <ac:graphicFrameMkLst>
+            <pc:docMk/>
+            <pc:sldMk cId="1765973840" sldId="258"/>
+            <ac:graphicFrameMk id="15" creationId="{9803AE57-A4A2-4EF9-A189-32D38D886553}"/>
+          </ac:graphicFrameMkLst>
+        </pc:graphicFrameChg>
+      </pc:sldChg>
+      <pc:sldChg chg="addSp delSp modSp mod setBg">
+        <pc:chgData name="francesco scavello" userId="88dd6d613a4d9c43" providerId="LiveId" clId="{BB16C01B-8D23-4711-9E49-3A8AA46A2545}" dt="2020-10-07T14:58:07.772" v="31" actId="22"/>
+        <pc:sldMkLst>
+          <pc:docMk/>
+          <pc:sldMk cId="2297199319" sldId="263"/>
+        </pc:sldMkLst>
+        <pc:spChg chg="mod">
+          <ac:chgData name="francesco scavello" userId="88dd6d613a4d9c43" providerId="LiveId" clId="{BB16C01B-8D23-4711-9E49-3A8AA46A2545}" dt="2020-10-07T14:57:34.898" v="19" actId="26606"/>
+          <ac:spMkLst>
+            <pc:docMk/>
+            <pc:sldMk cId="2297199319" sldId="263"/>
+            <ac:spMk id="2" creationId="{458B4685-22A5-49E3-817B-24701DA4FDAD}"/>
+          </ac:spMkLst>
+        </pc:spChg>
+        <pc:spChg chg="add del">
+          <ac:chgData name="francesco scavello" userId="88dd6d613a4d9c43" providerId="LiveId" clId="{BB16C01B-8D23-4711-9E49-3A8AA46A2545}" dt="2020-10-07T14:56:24.977" v="10" actId="26606"/>
+          <ac:spMkLst>
+            <pc:docMk/>
+            <pc:sldMk cId="2297199319" sldId="263"/>
+            <ac:spMk id="12" creationId="{CE0ED340-F19A-4EE0-A2D8-7559368ADDE6}"/>
+          </ac:spMkLst>
+        </pc:spChg>
+        <pc:spChg chg="add del">
+          <ac:chgData name="francesco scavello" userId="88dd6d613a4d9c43" providerId="LiveId" clId="{BB16C01B-8D23-4711-9E49-3A8AA46A2545}" dt="2020-10-07T14:57:34.898" v="19" actId="26606"/>
+          <ac:spMkLst>
+            <pc:docMk/>
+            <pc:sldMk cId="2297199319" sldId="263"/>
+            <ac:spMk id="16" creationId="{CE0ED340-F19A-4EE0-A2D8-7559368ADDE6}"/>
+          </ac:spMkLst>
+        </pc:spChg>
+        <pc:picChg chg="add del mod ord">
+          <ac:chgData name="francesco scavello" userId="88dd6d613a4d9c43" providerId="LiveId" clId="{BB16C01B-8D23-4711-9E49-3A8AA46A2545}" dt="2020-10-07T14:56:25.821" v="11" actId="22"/>
+          <ac:picMkLst>
+            <pc:docMk/>
+            <pc:sldMk cId="2297199319" sldId="263"/>
+            <ac:picMk id="3" creationId="{8C1A86FC-1948-4B5F-A9E3-6D65C0CBDADF}"/>
+          </ac:picMkLst>
+        </pc:picChg>
+        <pc:picChg chg="add del mod">
+          <ac:chgData name="francesco scavello" userId="88dd6d613a4d9c43" providerId="LiveId" clId="{BB16C01B-8D23-4711-9E49-3A8AA46A2545}" dt="2020-10-07T14:56:25.821" v="11" actId="22"/>
+          <ac:picMkLst>
+            <pc:docMk/>
+            <pc:sldMk cId="2297199319" sldId="263"/>
+            <ac:picMk id="5" creationId="{F7972FAA-61F9-4179-9E74-15EDDE06A9EC}"/>
+          </ac:picMkLst>
+        </pc:picChg>
+        <pc:picChg chg="del mod">
+          <ac:chgData name="francesco scavello" userId="88dd6d613a4d9c43" providerId="LiveId" clId="{BB16C01B-8D23-4711-9E49-3A8AA46A2545}" dt="2020-10-07T14:55:56.219" v="7" actId="478"/>
+          <ac:picMkLst>
+            <pc:docMk/>
+            <pc:sldMk cId="2297199319" sldId="263"/>
+            <ac:picMk id="6" creationId="{5C753B64-3297-4D72-A7A3-9BF68482D33A}"/>
+          </ac:picMkLst>
+        </pc:picChg>
+        <pc:picChg chg="add del mod ord">
+          <ac:chgData name="francesco scavello" userId="88dd6d613a4d9c43" providerId="LiveId" clId="{BB16C01B-8D23-4711-9E49-3A8AA46A2545}" dt="2020-10-07T14:58:07.772" v="31" actId="22"/>
+          <ac:picMkLst>
+            <pc:docMk/>
+            <pc:sldMk cId="2297199319" sldId="263"/>
+            <ac:picMk id="8" creationId="{931D7982-4BD2-488C-BD33-1BC9E28CA28B}"/>
+          </ac:picMkLst>
+        </pc:picChg>
+        <pc:picChg chg="add del mod">
+          <ac:chgData name="francesco scavello" userId="88dd6d613a4d9c43" providerId="LiveId" clId="{BB16C01B-8D23-4711-9E49-3A8AA46A2545}" dt="2020-10-07T14:58:06.913" v="30" actId="22"/>
+          <ac:picMkLst>
+            <pc:docMk/>
+            <pc:sldMk cId="2297199319" sldId="263"/>
+            <ac:picMk id="9" creationId="{A32FB68D-8152-4029-8F92-6BCC15BAB15B}"/>
+          </ac:picMkLst>
+        </pc:picChg>
+        <pc:picChg chg="add del">
+          <ac:chgData name="francesco scavello" userId="88dd6d613a4d9c43" providerId="LiveId" clId="{BB16C01B-8D23-4711-9E49-3A8AA46A2545}" dt="2020-10-07T14:56:24.977" v="10" actId="26606"/>
+          <ac:picMkLst>
+            <pc:docMk/>
+            <pc:sldMk cId="2297199319" sldId="263"/>
+            <ac:picMk id="10" creationId="{8EE47595-753C-4DAE-B57E-20F1CFEDE16A}"/>
+          </ac:picMkLst>
+        </pc:picChg>
+        <pc:picChg chg="add del">
+          <ac:chgData name="francesco scavello" userId="88dd6d613a4d9c43" providerId="LiveId" clId="{BB16C01B-8D23-4711-9E49-3A8AA46A2545}" dt="2020-10-07T14:57:34.898" v="19" actId="26606"/>
+          <ac:picMkLst>
+            <pc:docMk/>
+            <pc:sldMk cId="2297199319" sldId="263"/>
+            <ac:picMk id="14" creationId="{8EE47595-753C-4DAE-B57E-20F1CFEDE16A}"/>
+          </ac:picMkLst>
+        </pc:picChg>
+      </pc:sldChg>
+      <pc:sldChg chg="delSp modSp mod">
+        <pc:chgData name="francesco scavello" userId="88dd6d613a4d9c43" providerId="LiveId" clId="{BB16C01B-8D23-4711-9E49-3A8AA46A2545}" dt="2020-10-07T14:55:28.979" v="5"/>
+        <pc:sldMkLst>
+          <pc:docMk/>
+          <pc:sldMk cId="3799572426" sldId="264"/>
+        </pc:sldMkLst>
+        <pc:spChg chg="del mod">
+          <ac:chgData name="francesco scavello" userId="88dd6d613a4d9c43" providerId="LiveId" clId="{BB16C01B-8D23-4711-9E49-3A8AA46A2545}" dt="2020-10-07T14:55:28.979" v="5"/>
+          <ac:spMkLst>
+            <pc:docMk/>
+            <pc:sldMk cId="3799572426" sldId="264"/>
+            <ac:spMk id="3" creationId="{89D2B2BE-4EAF-4365-9AEF-064C2A2D1852}"/>
+          </ac:spMkLst>
+        </pc:spChg>
+      </pc:sldChg>
+      <pc:sldChg chg="addSp delSp modSp mod setBg modClrScheme delDesignElem chgLayout">
+        <pc:chgData name="francesco scavello" userId="88dd6d613a4d9c43" providerId="LiveId" clId="{BB16C01B-8D23-4711-9E49-3A8AA46A2545}" dt="2020-10-07T15:07:37.347" v="214" actId="255"/>
+        <pc:sldMkLst>
+          <pc:docMk/>
+          <pc:sldMk cId="3020919706" sldId="265"/>
+        </pc:sldMkLst>
+        <pc:spChg chg="mod ord">
+          <ac:chgData name="francesco scavello" userId="88dd6d613a4d9c43" providerId="LiveId" clId="{BB16C01B-8D23-4711-9E49-3A8AA46A2545}" dt="2020-10-07T15:07:23.396" v="212" actId="255"/>
+          <ac:spMkLst>
+            <pc:docMk/>
+            <pc:sldMk cId="3020919706" sldId="265"/>
+            <ac:spMk id="2" creationId="{1DE5DE4C-4E20-43B0-A130-A3878E3637B2}"/>
+          </ac:spMkLst>
+        </pc:spChg>
+        <pc:spChg chg="del mod">
+          <ac:chgData name="francesco scavello" userId="88dd6d613a4d9c43" providerId="LiveId" clId="{BB16C01B-8D23-4711-9E49-3A8AA46A2545}" dt="2020-10-07T14:55:24.004" v="2"/>
+          <ac:spMkLst>
+            <pc:docMk/>
+            <pc:sldMk cId="3020919706" sldId="265"/>
+            <ac:spMk id="3" creationId="{0F44477F-97B4-422A-92E3-0B08132829A0}"/>
+          </ac:spMkLst>
+        </pc:spChg>
+        <pc:spChg chg="add del mod">
+          <ac:chgData name="francesco scavello" userId="88dd6d613a4d9c43" providerId="LiveId" clId="{BB16C01B-8D23-4711-9E49-3A8AA46A2545}" dt="2020-10-07T15:02:53.071" v="32"/>
+          <ac:spMkLst>
+            <pc:docMk/>
+            <pc:sldMk cId="3020919706" sldId="265"/>
+            <ac:spMk id="4" creationId="{2395A513-5979-4CD0-9146-6610F232890D}"/>
+          </ac:spMkLst>
+        </pc:spChg>
+        <pc:spChg chg="add mod ord">
+          <ac:chgData name="francesco scavello" userId="88dd6d613a4d9c43" providerId="LiveId" clId="{BB16C01B-8D23-4711-9E49-3A8AA46A2545}" dt="2020-10-07T15:07:33.444" v="213" actId="255"/>
+          <ac:spMkLst>
+            <pc:docMk/>
+            <pc:sldMk cId="3020919706" sldId="265"/>
+            <ac:spMk id="5" creationId="{710333A3-B884-4960-BB1C-82811B257BF6}"/>
+          </ac:spMkLst>
+        </pc:spChg>
+        <pc:spChg chg="add mod ord">
+          <ac:chgData name="francesco scavello" userId="88dd6d613a4d9c43" providerId="LiveId" clId="{BB16C01B-8D23-4711-9E49-3A8AA46A2545}" dt="2020-10-07T15:07:37.347" v="214" actId="255"/>
+          <ac:spMkLst>
+            <pc:docMk/>
+            <pc:sldMk cId="3020919706" sldId="265"/>
+            <ac:spMk id="6" creationId="{AB260758-ED19-4F3D-A104-38633F39559C}"/>
+          </ac:spMkLst>
+        </pc:spChg>
+        <pc:spChg chg="add del">
+          <ac:chgData name="francesco scavello" userId="88dd6d613a4d9c43" providerId="LiveId" clId="{BB16C01B-8D23-4711-9E49-3A8AA46A2545}" dt="2020-10-07T15:06:42.485" v="205" actId="700"/>
+          <ac:spMkLst>
+            <pc:docMk/>
+            <pc:sldMk cId="3020919706" sldId="265"/>
+            <ac:spMk id="10" creationId="{9A6C2C86-63BF-47D5-AA3F-905111A238E2}"/>
+          </ac:spMkLst>
+        </pc:spChg>
+        <pc:cxnChg chg="add del">
+          <ac:chgData name="francesco scavello" userId="88dd6d613a4d9c43" providerId="LiveId" clId="{BB16C01B-8D23-4711-9E49-3A8AA46A2545}" dt="2020-10-07T15:06:42.485" v="205" actId="700"/>
+          <ac:cxnSpMkLst>
+            <pc:docMk/>
+            <pc:sldMk cId="3020919706" sldId="265"/>
+            <ac:cxnSpMk id="12" creationId="{425A0768-3044-4AA9-A889-D2CAA68C517A}"/>
+          </ac:cxnSpMkLst>
+        </pc:cxnChg>
+      </pc:sldChg>
+    </pc:docChg>
+  </pc:docChgLst>
+  <pc:docChgLst>
+    <pc:chgData name="francesco scavello" userId="88dd6d613a4d9c43" providerId="LiveId" clId="{758975F4-9885-4A06-B6C6-4B81D2F536C8}"/>
+    <pc:docChg chg="undo custSel mod addSld delSld modSld sldOrd modSection">
+      <pc:chgData name="francesco scavello" userId="88dd6d613a4d9c43" providerId="LiveId" clId="{758975F4-9885-4A06-B6C6-4B81D2F536C8}" dt="2020-10-12T14:58:49.425" v="1729" actId="20577"/>
+      <pc:docMkLst>
+        <pc:docMk/>
+      </pc:docMkLst>
+      <pc:sldChg chg="ord">
+        <pc:chgData name="francesco scavello" userId="88dd6d613a4d9c43" providerId="LiveId" clId="{758975F4-9885-4A06-B6C6-4B81D2F536C8}" dt="2020-10-12T13:52:16.361" v="219"/>
+        <pc:sldMkLst>
+          <pc:docMk/>
+          <pc:sldMk cId="3823335093" sldId="261"/>
+        </pc:sldMkLst>
+      </pc:sldChg>
+      <pc:sldChg chg="addSp modSp add mod setBg">
+        <pc:chgData name="francesco scavello" userId="88dd6d613a4d9c43" providerId="LiveId" clId="{758975F4-9885-4A06-B6C6-4B81D2F536C8}" dt="2020-10-12T14:58:08.223" v="1723" actId="1076"/>
+        <pc:sldMkLst>
+          <pc:docMk/>
+          <pc:sldMk cId="3020919706" sldId="265"/>
+        </pc:sldMkLst>
+        <pc:spChg chg="add mod">
+          <ac:chgData name="francesco scavello" userId="88dd6d613a4d9c43" providerId="LiveId" clId="{758975F4-9885-4A06-B6C6-4B81D2F536C8}" dt="2020-10-12T14:58:08.223" v="1723" actId="1076"/>
+          <ac:spMkLst>
+            <pc:docMk/>
+            <pc:sldMk cId="3020919706" sldId="265"/>
+            <ac:spMk id="3" creationId="{405EB24F-3CDB-4580-9E05-B0F95A543820}"/>
+          </ac:spMkLst>
+        </pc:spChg>
+        <pc:spChg chg="mod">
+          <ac:chgData name="francesco scavello" userId="88dd6d613a4d9c43" providerId="LiveId" clId="{758975F4-9885-4A06-B6C6-4B81D2F536C8}" dt="2020-10-12T14:57:17.426" v="1667" actId="20577"/>
+          <ac:spMkLst>
+            <pc:docMk/>
+            <pc:sldMk cId="3020919706" sldId="265"/>
+            <ac:spMk id="5" creationId="{710333A3-B884-4960-BB1C-82811B257BF6}"/>
+          </ac:spMkLst>
+        </pc:spChg>
+      </pc:sldChg>
+      <pc:sldChg chg="ord">
+        <pc:chgData name="francesco scavello" userId="88dd6d613a4d9c43" providerId="LiveId" clId="{758975F4-9885-4A06-B6C6-4B81D2F536C8}" dt="2020-10-12T13:52:16.361" v="219"/>
+        <pc:sldMkLst>
+          <pc:docMk/>
+          <pc:sldMk cId="1105163265" sldId="269"/>
+        </pc:sldMkLst>
+      </pc:sldChg>
+      <pc:sldChg chg="modSp new del mod">
+        <pc:chgData name="francesco scavello" userId="88dd6d613a4d9c43" providerId="LiveId" clId="{758975F4-9885-4A06-B6C6-4B81D2F536C8}" dt="2020-10-12T14:57:08.461" v="1656" actId="47"/>
+        <pc:sldMkLst>
+          <pc:docMk/>
+          <pc:sldMk cId="3197080961" sldId="270"/>
+        </pc:sldMkLst>
+        <pc:spChg chg="mod">
+          <ac:chgData name="francesco scavello" userId="88dd6d613a4d9c43" providerId="LiveId" clId="{758975F4-9885-4A06-B6C6-4B81D2F536C8}" dt="2020-10-12T13:47:33.661" v="8" actId="20577"/>
+          <ac:spMkLst>
+            <pc:docMk/>
+            <pc:sldMk cId="3197080961" sldId="270"/>
+            <ac:spMk id="2" creationId="{C31D0DCC-8ABA-41CC-99FB-3570C19838EB}"/>
+          </ac:spMkLst>
+        </pc:spChg>
+      </pc:sldChg>
+      <pc:sldChg chg="addSp delSp modSp new mod setBg modClrScheme chgLayout">
+        <pc:chgData name="francesco scavello" userId="88dd6d613a4d9c43" providerId="LiveId" clId="{758975F4-9885-4A06-B6C6-4B81D2F536C8}" dt="2020-10-12T14:56:30.634" v="1653" actId="20577"/>
+        <pc:sldMkLst>
+          <pc:docMk/>
+          <pc:sldMk cId="1112498012" sldId="271"/>
+        </pc:sldMkLst>
+        <pc:spChg chg="mod ord">
+          <ac:chgData name="francesco scavello" userId="88dd6d613a4d9c43" providerId="LiveId" clId="{758975F4-9885-4A06-B6C6-4B81D2F536C8}" dt="2020-10-12T14:56:11.556" v="1633" actId="26606"/>
+          <ac:spMkLst>
+            <pc:docMk/>
+            <pc:sldMk cId="1112498012" sldId="271"/>
+            <ac:spMk id="2" creationId="{C8D0834A-63B9-42ED-878D-FB4E22C7A061}"/>
+          </ac:spMkLst>
+        </pc:spChg>
+        <pc:spChg chg="add del mod ord">
+          <ac:chgData name="francesco scavello" userId="88dd6d613a4d9c43" providerId="LiveId" clId="{758975F4-9885-4A06-B6C6-4B81D2F536C8}" dt="2020-10-12T14:56:11.556" v="1633" actId="26606"/>
+          <ac:spMkLst>
+            <pc:docMk/>
+            <pc:sldMk cId="1112498012" sldId="271"/>
+            <ac:spMk id="3" creationId="{C4CF7473-BADD-44F9-9602-9C533F0C24E7}"/>
+          </ac:spMkLst>
+        </pc:spChg>
+        <pc:graphicFrameChg chg="add mod">
+          <ac:chgData name="francesco scavello" userId="88dd6d613a4d9c43" providerId="LiveId" clId="{758975F4-9885-4A06-B6C6-4B81D2F536C8}" dt="2020-10-12T14:56:30.634" v="1653" actId="20577"/>
+          <ac:graphicFrameMkLst>
+            <pc:docMk/>
+            <pc:sldMk cId="1112498012" sldId="271"/>
+            <ac:graphicFrameMk id="5" creationId="{B560FC20-0547-4CDE-B045-97C29CA36D14}"/>
+          </ac:graphicFrameMkLst>
+        </pc:graphicFrameChg>
+        <pc:picChg chg="add">
+          <ac:chgData name="francesco scavello" userId="88dd6d613a4d9c43" providerId="LiveId" clId="{758975F4-9885-4A06-B6C6-4B81D2F536C8}" dt="2020-10-12T14:56:11.556" v="1633" actId="26606"/>
+          <ac:picMkLst>
+            <pc:docMk/>
+            <pc:sldMk cId="1112498012" sldId="271"/>
+            <ac:picMk id="9" creationId="{346433CB-2CDB-406F-B6CD-FA054F603FD1}"/>
+          </ac:picMkLst>
+        </pc:picChg>
+      </pc:sldChg>
+      <pc:sldChg chg="addSp delSp modSp new mod modClrScheme chgLayout">
+        <pc:chgData name="francesco scavello" userId="88dd6d613a4d9c43" providerId="LiveId" clId="{758975F4-9885-4A06-B6C6-4B81D2F536C8}" dt="2020-10-12T14:58:49.425" v="1729" actId="20577"/>
+        <pc:sldMkLst>
+          <pc:docMk/>
+          <pc:sldMk cId="2078458315" sldId="272"/>
+        </pc:sldMkLst>
+        <pc:spChg chg="mod ord">
+          <ac:chgData name="francesco scavello" userId="88dd6d613a4d9c43" providerId="LiveId" clId="{758975F4-9885-4A06-B6C6-4B81D2F536C8}" dt="2020-10-12T14:58:47.363" v="1725" actId="700"/>
+          <ac:spMkLst>
+            <pc:docMk/>
+            <pc:sldMk cId="2078458315" sldId="272"/>
+            <ac:spMk id="2" creationId="{08ED1C32-1217-46B7-A501-82EA71107918}"/>
+          </ac:spMkLst>
+        </pc:spChg>
+        <pc:spChg chg="add del mod ord">
+          <ac:chgData name="francesco scavello" userId="88dd6d613a4d9c43" providerId="LiveId" clId="{758975F4-9885-4A06-B6C6-4B81D2F536C8}" dt="2020-10-12T14:58:47.363" v="1725" actId="700"/>
+          <ac:spMkLst>
+            <pc:docMk/>
+            <pc:sldMk cId="2078458315" sldId="272"/>
+            <ac:spMk id="3" creationId="{232B76CF-2D51-4369-9C38-BF87FD166D91}"/>
+          </ac:spMkLst>
+        </pc:spChg>
+        <pc:spChg chg="add mod ord">
+          <ac:chgData name="francesco scavello" userId="88dd6d613a4d9c43" providerId="LiveId" clId="{758975F4-9885-4A06-B6C6-4B81D2F536C8}" dt="2020-10-12T14:58:49.425" v="1729" actId="20577"/>
+          <ac:spMkLst>
+            <pc:docMk/>
+            <pc:sldMk cId="2078458315" sldId="272"/>
+            <ac:spMk id="4" creationId="{ABC0E298-BC9F-441C-8E80-1F4D1868F2D5}"/>
+          </ac:spMkLst>
+        </pc:spChg>
+      </pc:sldChg>
+      <pc:sldChg chg="addSp modSp new mod modClrScheme chgLayout">
+        <pc:chgData name="francesco scavello" userId="88dd6d613a4d9c43" providerId="LiveId" clId="{758975F4-9885-4A06-B6C6-4B81D2F536C8}" dt="2020-10-12T13:54:14.741" v="449" actId="20577"/>
+        <pc:sldMkLst>
+          <pc:docMk/>
+          <pc:sldMk cId="554526383" sldId="273"/>
+        </pc:sldMkLst>
+        <pc:spChg chg="mod ord">
+          <ac:chgData name="francesco scavello" userId="88dd6d613a4d9c43" providerId="LiveId" clId="{758975F4-9885-4A06-B6C6-4B81D2F536C8}" dt="2020-10-12T13:48:50.605" v="100" actId="700"/>
+          <ac:spMkLst>
+            <pc:docMk/>
+            <pc:sldMk cId="554526383" sldId="273"/>
+            <ac:spMk id="2" creationId="{7DD32C14-5207-40DE-B058-F0AA20B876AC}"/>
+          </ac:spMkLst>
+        </pc:spChg>
+        <pc:spChg chg="add mod ord">
+          <ac:chgData name="francesco scavello" userId="88dd6d613a4d9c43" providerId="LiveId" clId="{758975F4-9885-4A06-B6C6-4B81D2F536C8}" dt="2020-10-12T13:54:14.741" v="449" actId="20577"/>
+          <ac:spMkLst>
+            <pc:docMk/>
+            <pc:sldMk cId="554526383" sldId="273"/>
+            <ac:spMk id="3" creationId="{B30822F1-D0A9-4EBC-AC4F-7741805E7D73}"/>
+          </ac:spMkLst>
+        </pc:spChg>
+      </pc:sldChg>
+      <pc:sldChg chg="modSp new mod">
+        <pc:chgData name="francesco scavello" userId="88dd6d613a4d9c43" providerId="LiveId" clId="{758975F4-9885-4A06-B6C6-4B81D2F536C8}" dt="2020-10-12T13:55:59.390" v="604" actId="20577"/>
+        <pc:sldMkLst>
+          <pc:docMk/>
+          <pc:sldMk cId="1762420673" sldId="274"/>
+        </pc:sldMkLst>
+        <pc:spChg chg="mod">
+          <ac:chgData name="francesco scavello" userId="88dd6d613a4d9c43" providerId="LiveId" clId="{758975F4-9885-4A06-B6C6-4B81D2F536C8}" dt="2020-10-12T13:53:09.381" v="311" actId="20577"/>
+          <ac:spMkLst>
+            <pc:docMk/>
+            <pc:sldMk cId="1762420673" sldId="274"/>
+            <ac:spMk id="2" creationId="{AD2FA0A0-D703-4FB0-ACD6-B66148002477}"/>
+          </ac:spMkLst>
+        </pc:spChg>
+        <pc:spChg chg="mod">
+          <ac:chgData name="francesco scavello" userId="88dd6d613a4d9c43" providerId="LiveId" clId="{758975F4-9885-4A06-B6C6-4B81D2F536C8}" dt="2020-10-12T13:55:59.390" v="604" actId="20577"/>
+          <ac:spMkLst>
+            <pc:docMk/>
+            <pc:sldMk cId="1762420673" sldId="274"/>
+            <ac:spMk id="3" creationId="{773B13A0-AD3C-4E5A-B36D-CE398F25BF29}"/>
+          </ac:spMkLst>
+        </pc:spChg>
+      </pc:sldChg>
+      <pc:sldChg chg="addSp modSp new mod">
+        <pc:chgData name="francesco scavello" userId="88dd6d613a4d9c43" providerId="LiveId" clId="{758975F4-9885-4A06-B6C6-4B81D2F536C8}" dt="2020-10-12T14:04:20.103" v="858" actId="122"/>
+        <pc:sldMkLst>
+          <pc:docMk/>
+          <pc:sldMk cId="2744282747" sldId="275"/>
+        </pc:sldMkLst>
+        <pc:spChg chg="mod">
+          <ac:chgData name="francesco scavello" userId="88dd6d613a4d9c43" providerId="LiveId" clId="{758975F4-9885-4A06-B6C6-4B81D2F536C8}" dt="2020-10-12T13:58:15.753" v="644" actId="27636"/>
+          <ac:spMkLst>
+            <pc:docMk/>
+            <pc:sldMk cId="2744282747" sldId="275"/>
+            <ac:spMk id="2" creationId="{6039CC0C-53DC-4C6C-BEC6-A026955E2CA4}"/>
+          </ac:spMkLst>
+        </pc:spChg>
+        <pc:spChg chg="mod">
+          <ac:chgData name="francesco scavello" userId="88dd6d613a4d9c43" providerId="LiveId" clId="{758975F4-9885-4A06-B6C6-4B81D2F536C8}" dt="2020-10-12T14:04:20.103" v="858" actId="122"/>
+          <ac:spMkLst>
+            <pc:docMk/>
+            <pc:sldMk cId="2744282747" sldId="275"/>
+            <ac:spMk id="3" creationId="{3589AEBD-8EFB-4BF2-A3A3-EDF2308D4351}"/>
+          </ac:spMkLst>
+        </pc:spChg>
+        <pc:picChg chg="add mod">
+          <ac:chgData name="francesco scavello" userId="88dd6d613a4d9c43" providerId="LiveId" clId="{758975F4-9885-4A06-B6C6-4B81D2F536C8}" dt="2020-10-12T14:00:56.576" v="682" actId="1076"/>
+          <ac:picMkLst>
+            <pc:docMk/>
+            <pc:sldMk cId="2744282747" sldId="275"/>
+            <ac:picMk id="5" creationId="{BCBA5076-325F-4ABD-85A1-4889ECD9387A}"/>
+          </ac:picMkLst>
+        </pc:picChg>
+      </pc:sldChg>
+      <pc:sldChg chg="addSp delSp modSp new mod">
+        <pc:chgData name="francesco scavello" userId="88dd6d613a4d9c43" providerId="LiveId" clId="{758975F4-9885-4A06-B6C6-4B81D2F536C8}" dt="2020-10-12T14:04:08.174" v="852" actId="20577"/>
+        <pc:sldMkLst>
+          <pc:docMk/>
+          <pc:sldMk cId="615137944" sldId="276"/>
+        </pc:sldMkLst>
+        <pc:spChg chg="mod">
+          <ac:chgData name="francesco scavello" userId="88dd6d613a4d9c43" providerId="LiveId" clId="{758975F4-9885-4A06-B6C6-4B81D2F536C8}" dt="2020-10-12T14:01:08.134" v="691" actId="20577"/>
+          <ac:spMkLst>
+            <pc:docMk/>
+            <pc:sldMk cId="615137944" sldId="276"/>
+            <ac:spMk id="2" creationId="{BDDE050F-FFF2-4B09-8DE1-70CA9D9B58C7}"/>
+          </ac:spMkLst>
+        </pc:spChg>
+        <pc:spChg chg="add del mod">
+          <ac:chgData name="francesco scavello" userId="88dd6d613a4d9c43" providerId="LiveId" clId="{758975F4-9885-4A06-B6C6-4B81D2F536C8}" dt="2020-10-12T14:04:08.174" v="852" actId="20577"/>
+          <ac:spMkLst>
+            <pc:docMk/>
+            <pc:sldMk cId="615137944" sldId="276"/>
+            <ac:spMk id="3" creationId="{A8C9DEBD-92ED-44B2-939A-3301DC86EC17}"/>
+          </ac:spMkLst>
+        </pc:spChg>
+        <pc:picChg chg="add del mod">
+          <ac:chgData name="francesco scavello" userId="88dd6d613a4d9c43" providerId="LiveId" clId="{758975F4-9885-4A06-B6C6-4B81D2F536C8}" dt="2020-10-12T14:03:06.611" v="771"/>
+          <ac:picMkLst>
+            <pc:docMk/>
+            <pc:sldMk cId="615137944" sldId="276"/>
+            <ac:picMk id="5" creationId="{BA47098B-35B7-4506-B745-3651B7FEB893}"/>
+          </ac:picMkLst>
+        </pc:picChg>
+        <pc:picChg chg="add mod">
+          <ac:chgData name="francesco scavello" userId="88dd6d613a4d9c43" providerId="LiveId" clId="{758975F4-9885-4A06-B6C6-4B81D2F536C8}" dt="2020-10-12T14:03:20.725" v="781" actId="1076"/>
+          <ac:picMkLst>
+            <pc:docMk/>
+            <pc:sldMk cId="615137944" sldId="276"/>
+            <ac:picMk id="7" creationId="{3133E17D-0655-40B1-9894-D52618605EF0}"/>
+          </ac:picMkLst>
+        </pc:picChg>
+      </pc:sldChg>
+      <pc:sldChg chg="addSp modSp new mod">
+        <pc:chgData name="francesco scavello" userId="88dd6d613a4d9c43" providerId="LiveId" clId="{758975F4-9885-4A06-B6C6-4B81D2F536C8}" dt="2020-10-12T14:06:05.455" v="898" actId="20577"/>
+        <pc:sldMkLst>
+          <pc:docMk/>
+          <pc:sldMk cId="4009013068" sldId="277"/>
+        </pc:sldMkLst>
+        <pc:spChg chg="mod">
+          <ac:chgData name="francesco scavello" userId="88dd6d613a4d9c43" providerId="LiveId" clId="{758975F4-9885-4A06-B6C6-4B81D2F536C8}" dt="2020-10-12T14:04:00.977" v="851" actId="27636"/>
+          <ac:spMkLst>
+            <pc:docMk/>
+            <pc:sldMk cId="4009013068" sldId="277"/>
+            <ac:spMk id="2" creationId="{276F4A84-0007-4D2A-98D6-BFF6D9799C9F}"/>
+          </ac:spMkLst>
+        </pc:spChg>
+        <pc:spChg chg="mod">
+          <ac:chgData name="francesco scavello" userId="88dd6d613a4d9c43" providerId="LiveId" clId="{758975F4-9885-4A06-B6C6-4B81D2F536C8}" dt="2020-10-12T14:06:05.455" v="898" actId="20577"/>
+          <ac:spMkLst>
+            <pc:docMk/>
+            <pc:sldMk cId="4009013068" sldId="277"/>
+            <ac:spMk id="3" creationId="{44443409-8CBB-44AF-B8DA-FD39757A97FC}"/>
+          </ac:spMkLst>
+        </pc:spChg>
+        <pc:picChg chg="add mod">
+          <ac:chgData name="francesco scavello" userId="88dd6d613a4d9c43" providerId="LiveId" clId="{758975F4-9885-4A06-B6C6-4B81D2F536C8}" dt="2020-10-12T14:05:57.306" v="895" actId="1076"/>
+          <ac:picMkLst>
+            <pc:docMk/>
+            <pc:sldMk cId="4009013068" sldId="277"/>
+            <ac:picMk id="5" creationId="{1107C4BE-2AD4-4479-938C-135E2C60C12F}"/>
+          </ac:picMkLst>
+        </pc:picChg>
+      </pc:sldChg>
+      <pc:sldChg chg="addSp modSp new mod">
+        <pc:chgData name="francesco scavello" userId="88dd6d613a4d9c43" providerId="LiveId" clId="{758975F4-9885-4A06-B6C6-4B81D2F536C8}" dt="2020-10-12T14:08:17.943" v="961" actId="20577"/>
+        <pc:sldMkLst>
+          <pc:docMk/>
+          <pc:sldMk cId="1038082106" sldId="278"/>
+        </pc:sldMkLst>
+        <pc:spChg chg="mod">
+          <ac:chgData name="francesco scavello" userId="88dd6d613a4d9c43" providerId="LiveId" clId="{758975F4-9885-4A06-B6C6-4B81D2F536C8}" dt="2020-10-12T14:06:21.153" v="900"/>
+          <ac:spMkLst>
+            <pc:docMk/>
+            <pc:sldMk cId="1038082106" sldId="278"/>
+            <ac:spMk id="2" creationId="{43A2A3B2-0356-46D1-A602-FDFBEC6793AC}"/>
+          </ac:spMkLst>
+        </pc:spChg>
+        <pc:spChg chg="mod">
+          <ac:chgData name="francesco scavello" userId="88dd6d613a4d9c43" providerId="LiveId" clId="{758975F4-9885-4A06-B6C6-4B81D2F536C8}" dt="2020-10-12T14:08:17.943" v="961" actId="20577"/>
+          <ac:spMkLst>
+            <pc:docMk/>
+            <pc:sldMk cId="1038082106" sldId="278"/>
+            <ac:spMk id="3" creationId="{6B3B829A-0C6B-4586-BBA7-2A469D1C9FD8}"/>
+          </ac:spMkLst>
+        </pc:spChg>
+        <pc:picChg chg="add mod">
+          <ac:chgData name="francesco scavello" userId="88dd6d613a4d9c43" providerId="LiveId" clId="{758975F4-9885-4A06-B6C6-4B81D2F536C8}" dt="2020-10-12T14:07:54.938" v="944" actId="1076"/>
+          <ac:picMkLst>
+            <pc:docMk/>
+            <pc:sldMk cId="1038082106" sldId="278"/>
+            <ac:picMk id="5" creationId="{13C3A49F-4788-4217-8DF2-E6E9974C14C8}"/>
+          </ac:picMkLst>
+        </pc:picChg>
+      </pc:sldChg>
+      <pc:sldChg chg="addSp delSp modSp new mod setBg">
+        <pc:chgData name="francesco scavello" userId="88dd6d613a4d9c43" providerId="LiveId" clId="{758975F4-9885-4A06-B6C6-4B81D2F536C8}" dt="2020-10-12T14:25:12.541" v="1261" actId="14100"/>
+        <pc:sldMkLst>
+          <pc:docMk/>
+          <pc:sldMk cId="277326895" sldId="279"/>
+        </pc:sldMkLst>
+        <pc:spChg chg="mod">
+          <ac:chgData name="francesco scavello" userId="88dd6d613a4d9c43" providerId="LiveId" clId="{758975F4-9885-4A06-B6C6-4B81D2F536C8}" dt="2020-10-12T14:11:41.876" v="1184" actId="1076"/>
+          <ac:spMkLst>
+            <pc:docMk/>
+            <pc:sldMk cId="277326895" sldId="279"/>
+            <ac:spMk id="2" creationId="{037ADEC7-96B5-4639-BFBC-D447892BB18C}"/>
+          </ac:spMkLst>
+        </pc:spChg>
+        <pc:spChg chg="del">
+          <ac:chgData name="francesco scavello" userId="88dd6d613a4d9c43" providerId="LiveId" clId="{758975F4-9885-4A06-B6C6-4B81D2F536C8}" dt="2020-10-12T14:11:09.899" v="1173"/>
+          <ac:spMkLst>
+            <pc:docMk/>
+            <pc:sldMk cId="277326895" sldId="279"/>
+            <ac:spMk id="3" creationId="{5A5BE32D-A50D-42DF-94D9-78418E893AA0}"/>
+          </ac:spMkLst>
+        </pc:spChg>
+        <pc:spChg chg="add mod">
+          <ac:chgData name="francesco scavello" userId="88dd6d613a4d9c43" providerId="LiveId" clId="{758975F4-9885-4A06-B6C6-4B81D2F536C8}" dt="2020-10-12T14:14:33.927" v="1207" actId="1076"/>
+          <ac:spMkLst>
+            <pc:docMk/>
+            <pc:sldMk cId="277326895" sldId="279"/>
+            <ac:spMk id="8" creationId="{F7FF325B-A778-436B-A1BC-489FC8518A59}"/>
+          </ac:spMkLst>
+        </pc:spChg>
+        <pc:spChg chg="add mod">
+          <ac:chgData name="francesco scavello" userId="88dd6d613a4d9c43" providerId="LiveId" clId="{758975F4-9885-4A06-B6C6-4B81D2F536C8}" dt="2020-10-12T14:14:42.864" v="1217" actId="20577"/>
+          <ac:spMkLst>
+            <pc:docMk/>
+            <pc:sldMk cId="277326895" sldId="279"/>
+            <ac:spMk id="9" creationId="{FB7FB3A3-21AD-4CC8-B3D4-F6C7D0DE5587}"/>
+          </ac:spMkLst>
+        </pc:spChg>
+        <pc:spChg chg="add del">
+          <ac:chgData name="francesco scavello" userId="88dd6d613a4d9c43" providerId="LiveId" clId="{758975F4-9885-4A06-B6C6-4B81D2F536C8}" dt="2020-10-12T14:11:38.643" v="1183" actId="26606"/>
+          <ac:spMkLst>
+            <pc:docMk/>
+            <pc:sldMk cId="277326895" sldId="279"/>
+            <ac:spMk id="11" creationId="{69636F5E-4FED-428E-B9AC-1919C746C082}"/>
+          </ac:spMkLst>
+        </pc:spChg>
+        <pc:spChg chg="add del">
+          <ac:chgData name="francesco scavello" userId="88dd6d613a4d9c43" providerId="LiveId" clId="{758975F4-9885-4A06-B6C6-4B81D2F536C8}" dt="2020-10-12T14:11:38.643" v="1183" actId="26606"/>
+          <ac:spMkLst>
+            <pc:docMk/>
+            <pc:sldMk cId="277326895" sldId="279"/>
+            <ac:spMk id="14" creationId="{5EDD5869-F291-4A11-AC85-A49BE4BF8F1A}"/>
+          </ac:spMkLst>
+        </pc:spChg>
+        <pc:picChg chg="add mod ord">
+          <ac:chgData name="francesco scavello" userId="88dd6d613a4d9c43" providerId="LiveId" clId="{758975F4-9885-4A06-B6C6-4B81D2F536C8}" dt="2020-10-12T14:25:12.541" v="1261" actId="14100"/>
+          <ac:picMkLst>
+            <pc:docMk/>
+            <pc:sldMk cId="277326895" sldId="279"/>
+            <ac:picMk id="5" creationId="{B811D567-429C-4C56-AD89-2071E2ECA0C1}"/>
+          </ac:picMkLst>
+        </pc:picChg>
+        <pc:picChg chg="add mod">
+          <ac:chgData name="francesco scavello" userId="88dd6d613a4d9c43" providerId="LiveId" clId="{758975F4-9885-4A06-B6C6-4B81D2F536C8}" dt="2020-10-12T14:11:49.326" v="1187" actId="1076"/>
+          <ac:picMkLst>
+            <pc:docMk/>
+            <pc:sldMk cId="277326895" sldId="279"/>
+            <ac:picMk id="7" creationId="{5FB32CC0-BD31-44AD-8F66-1DA5CF3E3284}"/>
+          </ac:picMkLst>
+        </pc:picChg>
+      </pc:sldChg>
+      <pc:sldChg chg="addSp delSp modSp add mod">
+        <pc:chgData name="francesco scavello" userId="88dd6d613a4d9c43" providerId="LiveId" clId="{758975F4-9885-4A06-B6C6-4B81D2F536C8}" dt="2020-10-12T14:25:21.154" v="1263" actId="14100"/>
+        <pc:sldMkLst>
+          <pc:docMk/>
+          <pc:sldMk cId="2783368502" sldId="280"/>
+        </pc:sldMkLst>
+        <pc:spChg chg="add del mod">
+          <ac:chgData name="francesco scavello" userId="88dd6d613a4d9c43" providerId="LiveId" clId="{758975F4-9885-4A06-B6C6-4B81D2F536C8}" dt="2020-10-12T14:23:35.749" v="1221"/>
+          <ac:spMkLst>
+            <pc:docMk/>
+            <pc:sldMk cId="2783368502" sldId="280"/>
+            <ac:spMk id="4" creationId="{1CB44790-A712-4196-9062-EC3D85770E01}"/>
+          </ac:spMkLst>
+        </pc:spChg>
+        <pc:spChg chg="mod ord">
+          <ac:chgData name="francesco scavello" userId="88dd6d613a4d9c43" providerId="LiveId" clId="{758975F4-9885-4A06-B6C6-4B81D2F536C8}" dt="2020-10-12T14:25:00.896" v="1259" actId="20577"/>
+          <ac:spMkLst>
+            <pc:docMk/>
+            <pc:sldMk cId="2783368502" sldId="280"/>
+            <ac:spMk id="8" creationId="{F7FF325B-A778-436B-A1BC-489FC8518A59}"/>
+          </ac:spMkLst>
+        </pc:spChg>
+        <pc:spChg chg="mod ord">
+          <ac:chgData name="francesco scavello" userId="88dd6d613a4d9c43" providerId="LiveId" clId="{758975F4-9885-4A06-B6C6-4B81D2F536C8}" dt="2020-10-12T14:24:48.521" v="1247" actId="20577"/>
+          <ac:spMkLst>
+            <pc:docMk/>
+            <pc:sldMk cId="2783368502" sldId="280"/>
+            <ac:spMk id="9" creationId="{FB7FB3A3-21AD-4CC8-B3D4-F6C7D0DE5587}"/>
+          </ac:spMkLst>
+        </pc:spChg>
+        <pc:picChg chg="del">
+          <ac:chgData name="francesco scavello" userId="88dd6d613a4d9c43" providerId="LiveId" clId="{758975F4-9885-4A06-B6C6-4B81D2F536C8}" dt="2020-10-12T14:23:28.514" v="1220" actId="478"/>
+          <ac:picMkLst>
+            <pc:docMk/>
+            <pc:sldMk cId="2783368502" sldId="280"/>
+            <ac:picMk id="5" creationId="{B811D567-429C-4C56-AD89-2071E2ECA0C1}"/>
+          </ac:picMkLst>
+        </pc:picChg>
+        <pc:picChg chg="del">
+          <ac:chgData name="francesco scavello" userId="88dd6d613a4d9c43" providerId="LiveId" clId="{758975F4-9885-4A06-B6C6-4B81D2F536C8}" dt="2020-10-12T14:23:27.351" v="1219" actId="478"/>
+          <ac:picMkLst>
+            <pc:docMk/>
+            <pc:sldMk cId="2783368502" sldId="280"/>
+            <ac:picMk id="7" creationId="{5FB32CC0-BD31-44AD-8F66-1DA5CF3E3284}"/>
+          </ac:picMkLst>
+        </pc:picChg>
+        <pc:picChg chg="add mod">
+          <ac:chgData name="francesco scavello" userId="88dd6d613a4d9c43" providerId="LiveId" clId="{758975F4-9885-4A06-B6C6-4B81D2F536C8}" dt="2020-10-12T14:25:21.154" v="1263" actId="14100"/>
+          <ac:picMkLst>
+            <pc:docMk/>
+            <pc:sldMk cId="2783368502" sldId="280"/>
+            <ac:picMk id="10" creationId="{A80813FA-4241-4AA2-89B2-342D0AEF08F2}"/>
+          </ac:picMkLst>
+        </pc:picChg>
+        <pc:picChg chg="add mod">
+          <ac:chgData name="francesco scavello" userId="88dd6d613a4d9c43" providerId="LiveId" clId="{758975F4-9885-4A06-B6C6-4B81D2F536C8}" dt="2020-10-12T14:24:02.625" v="1233" actId="1076"/>
+          <ac:picMkLst>
+            <pc:docMk/>
+            <pc:sldMk cId="2783368502" sldId="280"/>
+            <ac:picMk id="12" creationId="{80BD2E74-346F-42D3-99C6-204A74EE733F}"/>
+          </ac:picMkLst>
+        </pc:picChg>
+      </pc:sldChg>
+      <pc:sldChg chg="addSp delSp modSp new del mod">
+        <pc:chgData name="francesco scavello" userId="88dd6d613a4d9c43" providerId="LiveId" clId="{758975F4-9885-4A06-B6C6-4B81D2F536C8}" dt="2020-10-12T14:33:44.111" v="1269" actId="47"/>
+        <pc:sldMkLst>
+          <pc:docMk/>
+          <pc:sldMk cId="1508381718" sldId="281"/>
+        </pc:sldMkLst>
+        <pc:spChg chg="del">
+          <ac:chgData name="francesco scavello" userId="88dd6d613a4d9c43" providerId="LiveId" clId="{758975F4-9885-4A06-B6C6-4B81D2F536C8}" dt="2020-10-12T14:33:21.510" v="1265"/>
+          <ac:spMkLst>
+            <pc:docMk/>
+            <pc:sldMk cId="1508381718" sldId="281"/>
+            <ac:spMk id="3" creationId="{C69E143B-F829-487C-B09F-DE7F66584454}"/>
+          </ac:spMkLst>
+        </pc:spChg>
+        <pc:spChg chg="add mod">
+          <ac:chgData name="francesco scavello" userId="88dd6d613a4d9c43" providerId="LiveId" clId="{758975F4-9885-4A06-B6C6-4B81D2F536C8}" dt="2020-10-12T14:33:30.562" v="1268" actId="478"/>
+          <ac:spMkLst>
+            <pc:docMk/>
+            <pc:sldMk cId="1508381718" sldId="281"/>
+            <ac:spMk id="7" creationId="{B67E71B6-D50C-4F79-8B7A-350E67C5FEB3}"/>
+          </ac:spMkLst>
+        </pc:spChg>
+        <pc:picChg chg="add del mod">
+          <ac:chgData name="francesco scavello" userId="88dd6d613a4d9c43" providerId="LiveId" clId="{758975F4-9885-4A06-B6C6-4B81D2F536C8}" dt="2020-10-12T14:33:30.562" v="1268" actId="478"/>
+          <ac:picMkLst>
+            <pc:docMk/>
+            <pc:sldMk cId="1508381718" sldId="281"/>
+            <ac:picMk id="5" creationId="{152964C8-86F6-4EDE-949D-1A750BAAACC4}"/>
+          </ac:picMkLst>
+        </pc:picChg>
+      </pc:sldChg>
+      <pc:sldChg chg="addSp delSp modSp add mod">
+        <pc:chgData name="francesco scavello" userId="88dd6d613a4d9c43" providerId="LiveId" clId="{758975F4-9885-4A06-B6C6-4B81D2F536C8}" dt="2020-10-12T14:51:21.849" v="1556" actId="20577"/>
+        <pc:sldMkLst>
+          <pc:docMk/>
+          <pc:sldMk cId="2544107809" sldId="281"/>
+        </pc:sldMkLst>
+        <pc:spChg chg="mod">
+          <ac:chgData name="francesco scavello" userId="88dd6d613a4d9c43" providerId="LiveId" clId="{758975F4-9885-4A06-B6C6-4B81D2F536C8}" dt="2020-10-12T14:33:46.998" v="1271" actId="20577"/>
+          <ac:spMkLst>
+            <pc:docMk/>
+            <pc:sldMk cId="2544107809" sldId="281"/>
+            <ac:spMk id="2" creationId="{037ADEC7-96B5-4639-BFBC-D447892BB18C}"/>
+          </ac:spMkLst>
+        </pc:spChg>
+        <pc:spChg chg="add del mod">
+          <ac:chgData name="francesco scavello" userId="88dd6d613a4d9c43" providerId="LiveId" clId="{758975F4-9885-4A06-B6C6-4B81D2F536C8}" dt="2020-10-12T14:50:15.480" v="1511"/>
+          <ac:spMkLst>
+            <pc:docMk/>
+            <pc:sldMk cId="2544107809" sldId="281"/>
+            <ac:spMk id="4" creationId="{DED58E72-23D1-4F6A-9873-103AF0041989}"/>
+          </ac:spMkLst>
+        </pc:spChg>
+        <pc:spChg chg="mod ord">
+          <ac:chgData name="francesco scavello" userId="88dd6d613a4d9c43" providerId="LiveId" clId="{758975F4-9885-4A06-B6C6-4B81D2F536C8}" dt="2020-10-12T14:51:21.849" v="1556" actId="20577"/>
+          <ac:spMkLst>
+            <pc:docMk/>
+            <pc:sldMk cId="2544107809" sldId="281"/>
+            <ac:spMk id="8" creationId="{F7FF325B-A778-436B-A1BC-489FC8518A59}"/>
+          </ac:spMkLst>
+        </pc:spChg>
+        <pc:spChg chg="mod ord">
+          <ac:chgData name="francesco scavello" userId="88dd6d613a4d9c43" providerId="LiveId" clId="{758975F4-9885-4A06-B6C6-4B81D2F536C8}" dt="2020-10-12T14:51:06.576" v="1546" actId="20577"/>
+          <ac:spMkLst>
+            <pc:docMk/>
+            <pc:sldMk cId="2544107809" sldId="281"/>
+            <ac:spMk id="9" creationId="{FB7FB3A3-21AD-4CC8-B3D4-F6C7D0DE5587}"/>
+          </ac:spMkLst>
+        </pc:spChg>
+        <pc:picChg chg="del">
+          <ac:chgData name="francesco scavello" userId="88dd6d613a4d9c43" providerId="LiveId" clId="{758975F4-9885-4A06-B6C6-4B81D2F536C8}" dt="2020-10-12T14:47:09.426" v="1401" actId="478"/>
+          <ac:picMkLst>
+            <pc:docMk/>
+            <pc:sldMk cId="2544107809" sldId="281"/>
+            <ac:picMk id="5" creationId="{B811D567-429C-4C56-AD89-2071E2ECA0C1}"/>
+          </ac:picMkLst>
+        </pc:picChg>
+        <pc:picChg chg="del">
+          <ac:chgData name="francesco scavello" userId="88dd6d613a4d9c43" providerId="LiveId" clId="{758975F4-9885-4A06-B6C6-4B81D2F536C8}" dt="2020-10-12T14:47:11.353" v="1402" actId="478"/>
+          <ac:picMkLst>
+            <pc:docMk/>
+            <pc:sldMk cId="2544107809" sldId="281"/>
+            <ac:picMk id="7" creationId="{5FB32CC0-BD31-44AD-8F66-1DA5CF3E3284}"/>
+          </ac:picMkLst>
+        </pc:picChg>
+        <pc:picChg chg="add mod">
+          <ac:chgData name="francesco scavello" userId="88dd6d613a4d9c43" providerId="LiveId" clId="{758975F4-9885-4A06-B6C6-4B81D2F536C8}" dt="2020-10-12T14:50:41.199" v="1521" actId="14100"/>
+          <ac:picMkLst>
+            <pc:docMk/>
+            <pc:sldMk cId="2544107809" sldId="281"/>
+            <ac:picMk id="10" creationId="{DF7B715A-439C-4067-8E01-E02D9A98F7F2}"/>
+          </ac:picMkLst>
+        </pc:picChg>
+        <pc:picChg chg="add mod ord">
+          <ac:chgData name="francesco scavello" userId="88dd6d613a4d9c43" providerId="LiveId" clId="{758975F4-9885-4A06-B6C6-4B81D2F536C8}" dt="2020-10-12T14:50:49.444" v="1525" actId="166"/>
+          <ac:picMkLst>
+            <pc:docMk/>
+            <pc:sldMk cId="2544107809" sldId="281"/>
+            <ac:picMk id="12" creationId="{458363F6-B6F2-4404-9FC5-3BA1FCA26E37}"/>
+          </ac:picMkLst>
+        </pc:picChg>
+      </pc:sldChg>
+      <pc:sldChg chg="addSp delSp modSp add mod ord">
+        <pc:chgData name="francesco scavello" userId="88dd6d613a4d9c43" providerId="LiveId" clId="{758975F4-9885-4A06-B6C6-4B81D2F536C8}" dt="2020-10-12T14:53:15.139" v="1595" actId="1076"/>
+        <pc:sldMkLst>
+          <pc:docMk/>
+          <pc:sldMk cId="1048748258" sldId="282"/>
+        </pc:sldMkLst>
+        <pc:spChg chg="mod">
+          <ac:chgData name="francesco scavello" userId="88dd6d613a4d9c43" providerId="LiveId" clId="{758975F4-9885-4A06-B6C6-4B81D2F536C8}" dt="2020-10-12T14:33:48.956" v="1272" actId="20577"/>
+          <ac:spMkLst>
+            <pc:docMk/>
+            <pc:sldMk cId="1048748258" sldId="282"/>
+            <ac:spMk id="2" creationId="{037ADEC7-96B5-4639-BFBC-D447892BB18C}"/>
+          </ac:spMkLst>
+        </pc:spChg>
+        <pc:spChg chg="add del mod">
+          <ac:chgData name="francesco scavello" userId="88dd6d613a4d9c43" providerId="LiveId" clId="{758975F4-9885-4A06-B6C6-4B81D2F536C8}" dt="2020-10-12T14:47:29.995" v="1405"/>
+          <ac:spMkLst>
+            <pc:docMk/>
+            <pc:sldMk cId="1048748258" sldId="282"/>
+            <ac:spMk id="4" creationId="{748ECE7B-42E1-47F4-803D-7C666E40F496}"/>
+          </ac:spMkLst>
+        </pc:spChg>
+        <pc:spChg chg="mod ord">
+          <ac:chgData name="francesco scavello" userId="88dd6d613a4d9c43" providerId="LiveId" clId="{758975F4-9885-4A06-B6C6-4B81D2F536C8}" dt="2020-10-12T14:49:36.289" v="1495" actId="20577"/>
+          <ac:spMkLst>
+            <pc:docMk/>
+            <pc:sldMk cId="1048748258" sldId="282"/>
+            <ac:spMk id="8" creationId="{F7FF325B-A778-436B-A1BC-489FC8518A59}"/>
+          </ac:spMkLst>
+        </pc:spChg>
+        <pc:spChg chg="mod ord">
+          <ac:chgData name="francesco scavello" userId="88dd6d613a4d9c43" providerId="LiveId" clId="{758975F4-9885-4A06-B6C6-4B81D2F536C8}" dt="2020-10-12T14:53:15.139" v="1595" actId="1076"/>
+          <ac:spMkLst>
+            <pc:docMk/>
+            <pc:sldMk cId="1048748258" sldId="282"/>
+            <ac:spMk id="9" creationId="{FB7FB3A3-21AD-4CC8-B3D4-F6C7D0DE5587}"/>
+          </ac:spMkLst>
+        </pc:spChg>
+        <pc:picChg chg="add mod ord">
+          <ac:chgData name="francesco scavello" userId="88dd6d613a4d9c43" providerId="LiveId" clId="{758975F4-9885-4A06-B6C6-4B81D2F536C8}" dt="2020-10-12T14:49:16.836" v="1473" actId="14100"/>
+          <ac:picMkLst>
+            <pc:docMk/>
+            <pc:sldMk cId="1048748258" sldId="282"/>
+            <ac:picMk id="6" creationId="{4546134F-02EC-47F1-901B-0ABE6EFBFEFC}"/>
+          </ac:picMkLst>
+        </pc:picChg>
+        <pc:picChg chg="del">
+          <ac:chgData name="francesco scavello" userId="88dd6d613a4d9c43" providerId="LiveId" clId="{758975F4-9885-4A06-B6C6-4B81D2F536C8}" dt="2020-10-12T14:47:14.124" v="1403" actId="478"/>
+          <ac:picMkLst>
+            <pc:docMk/>
+            <pc:sldMk cId="1048748258" sldId="282"/>
+            <ac:picMk id="10" creationId="{A80813FA-4241-4AA2-89B2-342D0AEF08F2}"/>
+          </ac:picMkLst>
+        </pc:picChg>
+        <pc:picChg chg="add mod">
+          <ac:chgData name="francesco scavello" userId="88dd6d613a4d9c43" providerId="LiveId" clId="{758975F4-9885-4A06-B6C6-4B81D2F536C8}" dt="2020-10-12T14:49:19.036" v="1474" actId="14100"/>
+          <ac:picMkLst>
+            <pc:docMk/>
+            <pc:sldMk cId="1048748258" sldId="282"/>
+            <ac:picMk id="11" creationId="{FB497347-51CA-4354-9DA1-B007E7EBBE50}"/>
+          </ac:picMkLst>
+        </pc:picChg>
+        <pc:picChg chg="del">
+          <ac:chgData name="francesco scavello" userId="88dd6d613a4d9c43" providerId="LiveId" clId="{758975F4-9885-4A06-B6C6-4B81D2F536C8}" dt="2020-10-12T14:47:15.208" v="1404" actId="478"/>
+          <ac:picMkLst>
+            <pc:docMk/>
+            <pc:sldMk cId="1048748258" sldId="282"/>
+            <ac:picMk id="12" creationId="{80BD2E74-346F-42D3-99C6-204A74EE733F}"/>
+          </ac:picMkLst>
+        </pc:picChg>
+      </pc:sldChg>
+      <pc:sldChg chg="addSp delSp modSp add mod">
+        <pc:chgData name="francesco scavello" userId="88dd6d613a4d9c43" providerId="LiveId" clId="{758975F4-9885-4A06-B6C6-4B81D2F536C8}" dt="2020-10-12T14:56:41.747" v="1654" actId="1076"/>
+        <pc:sldMkLst>
+          <pc:docMk/>
+          <pc:sldMk cId="3275782638" sldId="283"/>
+        </pc:sldMkLst>
+        <pc:spChg chg="mod">
+          <ac:chgData name="francesco scavello" userId="88dd6d613a4d9c43" providerId="LiveId" clId="{758975F4-9885-4A06-B6C6-4B81D2F536C8}" dt="2020-10-12T14:51:28.473" v="1560" actId="20577"/>
+          <ac:spMkLst>
+            <pc:docMk/>
+            <pc:sldMk cId="3275782638" sldId="283"/>
+            <ac:spMk id="2" creationId="{037ADEC7-96B5-4639-BFBC-D447892BB18C}"/>
+          </ac:spMkLst>
+        </pc:spChg>
+        <pc:spChg chg="add del mod">
+          <ac:chgData name="francesco scavello" userId="88dd6d613a4d9c43" providerId="LiveId" clId="{758975F4-9885-4A06-B6C6-4B81D2F536C8}" dt="2020-10-12T14:52:34.433" v="1575"/>
+          <ac:spMkLst>
+            <pc:docMk/>
+            <pc:sldMk cId="3275782638" sldId="283"/>
+            <ac:spMk id="4" creationId="{164DD4E8-275A-4D10-B43C-9E3AD1F14A04}"/>
+          </ac:spMkLst>
+        </pc:spChg>
+        <pc:spChg chg="mod ord">
+          <ac:chgData name="francesco scavello" userId="88dd6d613a4d9c43" providerId="LiveId" clId="{758975F4-9885-4A06-B6C6-4B81D2F536C8}" dt="2020-10-12T14:56:41.747" v="1654" actId="1076"/>
+          <ac:spMkLst>
+            <pc:docMk/>
+            <pc:sldMk cId="3275782638" sldId="283"/>
+            <ac:spMk id="8" creationId="{F7FF325B-A778-436B-A1BC-489FC8518A59}"/>
+          </ac:spMkLst>
+        </pc:spChg>
+        <pc:spChg chg="mod ord">
+          <ac:chgData name="francesco scavello" userId="88dd6d613a4d9c43" providerId="LiveId" clId="{758975F4-9885-4A06-B6C6-4B81D2F536C8}" dt="2020-10-12T14:53:25.866" v="1603" actId="20577"/>
+          <ac:spMkLst>
+            <pc:docMk/>
+            <pc:sldMk cId="3275782638" sldId="283"/>
+            <ac:spMk id="9" creationId="{FB7FB3A3-21AD-4CC8-B3D4-F6C7D0DE5587}"/>
+          </ac:spMkLst>
+        </pc:spChg>
+        <pc:picChg chg="del">
+          <ac:chgData name="francesco scavello" userId="88dd6d613a4d9c43" providerId="LiveId" clId="{758975F4-9885-4A06-B6C6-4B81D2F536C8}" dt="2020-10-12T14:52:13.778" v="1571" actId="478"/>
+          <ac:picMkLst>
+            <pc:docMk/>
+            <pc:sldMk cId="3275782638" sldId="283"/>
+            <ac:picMk id="5" creationId="{B811D567-429C-4C56-AD89-2071E2ECA0C1}"/>
+          </ac:picMkLst>
+        </pc:picChg>
+        <pc:picChg chg="del">
+          <ac:chgData name="francesco scavello" userId="88dd6d613a4d9c43" providerId="LiveId" clId="{758975F4-9885-4A06-B6C6-4B81D2F536C8}" dt="2020-10-12T14:52:13.489" v="1570" actId="478"/>
+          <ac:picMkLst>
+            <pc:docMk/>
+            <pc:sldMk cId="3275782638" sldId="283"/>
+            <ac:picMk id="7" creationId="{5FB32CC0-BD31-44AD-8F66-1DA5CF3E3284}"/>
+          </ac:picMkLst>
+        </pc:picChg>
+        <pc:picChg chg="add mod">
+          <ac:chgData name="francesco scavello" userId="88dd6d613a4d9c43" providerId="LiveId" clId="{758975F4-9885-4A06-B6C6-4B81D2F536C8}" dt="2020-10-12T14:52:51.907" v="1587" actId="1076"/>
+          <ac:picMkLst>
+            <pc:docMk/>
+            <pc:sldMk cId="3275782638" sldId="283"/>
+            <ac:picMk id="10" creationId="{0B616DFF-F645-4CC1-9475-3F9089B6352E}"/>
+          </ac:picMkLst>
+        </pc:picChg>
+        <pc:picChg chg="add mod">
+          <ac:chgData name="francesco scavello" userId="88dd6d613a4d9c43" providerId="LiveId" clId="{758975F4-9885-4A06-B6C6-4B81D2F536C8}" dt="2020-10-12T14:52:50.189" v="1586" actId="14100"/>
+          <ac:picMkLst>
+            <pc:docMk/>
+            <pc:sldMk cId="3275782638" sldId="283"/>
+            <ac:picMk id="12" creationId="{9E710A9D-B1EB-4A78-B1E8-BC49933B49C6}"/>
+          </ac:picMkLst>
+        </pc:picChg>
+      </pc:sldChg>
+      <pc:sldChg chg="addSp delSp modSp add mod">
+        <pc:chgData name="francesco scavello" userId="88dd6d613a4d9c43" providerId="LiveId" clId="{758975F4-9885-4A06-B6C6-4B81D2F536C8}" dt="2020-10-12T14:54:31.128" v="1632" actId="1076"/>
+        <pc:sldMkLst>
+          <pc:docMk/>
+          <pc:sldMk cId="3452012913" sldId="284"/>
+        </pc:sldMkLst>
+        <pc:spChg chg="mod">
+          <ac:chgData name="francesco scavello" userId="88dd6d613a4d9c43" providerId="LiveId" clId="{758975F4-9885-4A06-B6C6-4B81D2F536C8}" dt="2020-10-12T14:51:31.490" v="1562" actId="20577"/>
+          <ac:spMkLst>
+            <pc:docMk/>
+            <pc:sldMk cId="3452012913" sldId="284"/>
+            <ac:spMk id="2" creationId="{037ADEC7-96B5-4639-BFBC-D447892BB18C}"/>
+          </ac:spMkLst>
+        </pc:spChg>
+        <pc:spChg chg="add del mod">
+          <ac:chgData name="francesco scavello" userId="88dd6d613a4d9c43" providerId="LiveId" clId="{758975F4-9885-4A06-B6C6-4B81D2F536C8}" dt="2020-10-12T14:53:35.488" v="1605"/>
+          <ac:spMkLst>
+            <pc:docMk/>
+            <pc:sldMk cId="3452012913" sldId="284"/>
+            <ac:spMk id="4" creationId="{27AA2454-CDB5-43C2-BCF9-7A723AFC9AFF}"/>
+          </ac:spMkLst>
+        </pc:spChg>
+        <pc:spChg chg="mod ord">
+          <ac:chgData name="francesco scavello" userId="88dd6d613a4d9c43" providerId="LiveId" clId="{758975F4-9885-4A06-B6C6-4B81D2F536C8}" dt="2020-10-12T14:54:31.128" v="1632" actId="1076"/>
+          <ac:spMkLst>
+            <pc:docMk/>
+            <pc:sldMk cId="3452012913" sldId="284"/>
+            <ac:spMk id="8" creationId="{F7FF325B-A778-436B-A1BC-489FC8518A59}"/>
+          </ac:spMkLst>
+        </pc:spChg>
+        <pc:spChg chg="mod ord">
+          <ac:chgData name="francesco scavello" userId="88dd6d613a4d9c43" providerId="LiveId" clId="{758975F4-9885-4A06-B6C6-4B81D2F536C8}" dt="2020-10-12T14:54:22.384" v="1628" actId="1076"/>
+          <ac:spMkLst>
+            <pc:docMk/>
+            <pc:sldMk cId="3452012913" sldId="284"/>
+            <ac:spMk id="9" creationId="{FB7FB3A3-21AD-4CC8-B3D4-F6C7D0DE5587}"/>
+          </ac:spMkLst>
+        </pc:spChg>
+        <pc:picChg chg="add mod">
+          <ac:chgData name="francesco scavello" userId="88dd6d613a4d9c43" providerId="LiveId" clId="{758975F4-9885-4A06-B6C6-4B81D2F536C8}" dt="2020-10-12T14:54:27.735" v="1631" actId="14100"/>
+          <ac:picMkLst>
+            <pc:docMk/>
+            <pc:sldMk cId="3452012913" sldId="284"/>
+            <ac:picMk id="6" creationId="{A0F86BBE-1CAE-446A-AABB-235C90600C69}"/>
+          </ac:picMkLst>
+        </pc:picChg>
+        <pc:picChg chg="del">
+          <ac:chgData name="francesco scavello" userId="88dd6d613a4d9c43" providerId="LiveId" clId="{758975F4-9885-4A06-B6C6-4B81D2F536C8}" dt="2020-10-12T14:52:03.781" v="1566" actId="478"/>
+          <ac:picMkLst>
+            <pc:docMk/>
+            <pc:sldMk cId="3452012913" sldId="284"/>
+            <ac:picMk id="10" creationId="{A80813FA-4241-4AA2-89B2-342D0AEF08F2}"/>
+          </ac:picMkLst>
+        </pc:picChg>
+        <pc:picChg chg="add mod">
+          <ac:chgData name="francesco scavello" userId="88dd6d613a4d9c43" providerId="LiveId" clId="{758975F4-9885-4A06-B6C6-4B81D2F536C8}" dt="2020-10-12T14:54:25.978" v="1630" actId="14100"/>
+          <ac:picMkLst>
+            <pc:docMk/>
+            <pc:sldMk cId="3452012913" sldId="284"/>
+            <ac:picMk id="11" creationId="{2B7244BB-F033-43D5-936A-B41FCCF46568}"/>
+          </ac:picMkLst>
+        </pc:picChg>
+        <pc:picChg chg="del">
+          <ac:chgData name="francesco scavello" userId="88dd6d613a4d9c43" providerId="LiveId" clId="{758975F4-9885-4A06-B6C6-4B81D2F536C8}" dt="2020-10-12T14:52:03.424" v="1565" actId="478"/>
+          <ac:picMkLst>
+            <pc:docMk/>
+            <pc:sldMk cId="3452012913" sldId="284"/>
+            <ac:picMk id="12" creationId="{80BD2E74-346F-42D3-99C6-204A74EE733F}"/>
+          </ac:picMkLst>
+        </pc:picChg>
+      </pc:sldChg>
+      <pc:sldChg chg="addSp delSp modSp add mod setBg modClrScheme chgLayout">
+        <pc:chgData name="francesco scavello" userId="88dd6d613a4d9c43" providerId="LiveId" clId="{758975F4-9885-4A06-B6C6-4B81D2F536C8}" dt="2020-10-12T14:46:56.859" v="1400" actId="1076"/>
+        <pc:sldMkLst>
+          <pc:docMk/>
+          <pc:sldMk cId="2337905595" sldId="285"/>
+        </pc:sldMkLst>
+        <pc:spChg chg="del mod ord">
+          <ac:chgData name="francesco scavello" userId="88dd6d613a4d9c43" providerId="LiveId" clId="{758975F4-9885-4A06-B6C6-4B81D2F536C8}" dt="2020-10-12T14:43:43.728" v="1317" actId="478"/>
+          <ac:spMkLst>
+            <pc:docMk/>
+            <pc:sldMk cId="2337905595" sldId="285"/>
+            <ac:spMk id="2" creationId="{037ADEC7-96B5-4639-BFBC-D447892BB18C}"/>
+          </ac:spMkLst>
+        </pc:spChg>
+        <pc:spChg chg="add del mod">
+          <ac:chgData name="francesco scavello" userId="88dd6d613a4d9c43" providerId="LiveId" clId="{758975F4-9885-4A06-B6C6-4B81D2F536C8}" dt="2020-10-12T14:43:10.246" v="1301"/>
+          <ac:spMkLst>
+            <pc:docMk/>
+            <pc:sldMk cId="2337905595" sldId="285"/>
+            <ac:spMk id="4" creationId="{7D4F29AA-D741-42DB-8571-699C2A4D070F}"/>
+          </ac:spMkLst>
+        </pc:spChg>
+        <pc:spChg chg="del mod">
+          <ac:chgData name="francesco scavello" userId="88dd6d613a4d9c43" providerId="LiveId" clId="{758975F4-9885-4A06-B6C6-4B81D2F536C8}" dt="2020-10-12T14:42:52.633" v="1295" actId="478"/>
+          <ac:spMkLst>
+            <pc:docMk/>
+            <pc:sldMk cId="2337905595" sldId="285"/>
+            <ac:spMk id="8" creationId="{F7FF325B-A778-436B-A1BC-489FC8518A59}"/>
+          </ac:spMkLst>
+        </pc:spChg>
+        <pc:spChg chg="del mod">
+          <ac:chgData name="francesco scavello" userId="88dd6d613a4d9c43" providerId="LiveId" clId="{758975F4-9885-4A06-B6C6-4B81D2F536C8}" dt="2020-10-12T14:43:04.304" v="1299" actId="478"/>
+          <ac:spMkLst>
+            <pc:docMk/>
+            <pc:sldMk cId="2337905595" sldId="285"/>
+            <ac:spMk id="9" creationId="{FB7FB3A3-21AD-4CC8-B3D4-F6C7D0DE5587}"/>
+          </ac:spMkLst>
+        </pc:spChg>
+        <pc:spChg chg="add del mod">
+          <ac:chgData name="francesco scavello" userId="88dd6d613a4d9c43" providerId="LiveId" clId="{758975F4-9885-4A06-B6C6-4B81D2F536C8}" dt="2020-10-12T14:43:40.054" v="1313" actId="700"/>
+          <ac:spMkLst>
+            <pc:docMk/>
+            <pc:sldMk cId="2337905595" sldId="285"/>
+            <ac:spMk id="20" creationId="{CCED5347-B7BC-42C4-8A1D-EC6ACC64A695}"/>
+          </ac:spMkLst>
+        </pc:spChg>
+        <pc:spChg chg="add mod">
+          <ac:chgData name="francesco scavello" userId="88dd6d613a4d9c43" providerId="LiveId" clId="{758975F4-9885-4A06-B6C6-4B81D2F536C8}" dt="2020-10-12T14:46:19.776" v="1382" actId="20577"/>
+          <ac:spMkLst>
+            <pc:docMk/>
+            <pc:sldMk cId="2337905595" sldId="285"/>
+            <ac:spMk id="27" creationId="{1482715A-27F5-4BB6-AB78-F6B678E97B9E}"/>
+          </ac:spMkLst>
+        </pc:spChg>
+        <pc:spChg chg="add del">
+          <ac:chgData name="francesco scavello" userId="88dd6d613a4d9c43" providerId="LiveId" clId="{758975F4-9885-4A06-B6C6-4B81D2F536C8}" dt="2020-10-12T14:44:19.933" v="1330" actId="26606"/>
+          <ac:spMkLst>
+            <pc:docMk/>
+            <pc:sldMk cId="2337905595" sldId="285"/>
+            <ac:spMk id="31" creationId="{9527FCEA-6143-4C5E-8C45-8AC9237ADE89}"/>
+          </ac:spMkLst>
+        </pc:spChg>
+        <pc:spChg chg="add del">
+          <ac:chgData name="francesco scavello" userId="88dd6d613a4d9c43" providerId="LiveId" clId="{758975F4-9885-4A06-B6C6-4B81D2F536C8}" dt="2020-10-12T14:44:19.933" v="1330" actId="26606"/>
+          <ac:spMkLst>
+            <pc:docMk/>
+            <pc:sldMk cId="2337905595" sldId="285"/>
+            <ac:spMk id="33" creationId="{1A9F23AD-7A55-49F3-A3EC-743F47F36B0E}"/>
+          </ac:spMkLst>
+        </pc:spChg>
+        <pc:spChg chg="add del">
+          <ac:chgData name="francesco scavello" userId="88dd6d613a4d9c43" providerId="LiveId" clId="{758975F4-9885-4A06-B6C6-4B81D2F536C8}" dt="2020-10-12T14:44:19.933" v="1330" actId="26606"/>
+          <ac:spMkLst>
+            <pc:docMk/>
+            <pc:sldMk cId="2337905595" sldId="285"/>
+            <ac:spMk id="35" creationId="{D7D9F91F-72C9-4DB9-ABD0-A8180D8262D5}"/>
+          </ac:spMkLst>
+        </pc:spChg>
+        <pc:spChg chg="add del">
+          <ac:chgData name="francesco scavello" userId="88dd6d613a4d9c43" providerId="LiveId" clId="{758975F4-9885-4A06-B6C6-4B81D2F536C8}" dt="2020-10-12T14:44:19.933" v="1330" actId="26606"/>
+          <ac:spMkLst>
+            <pc:docMk/>
+            <pc:sldMk cId="2337905595" sldId="285"/>
+            <ac:spMk id="37" creationId="{BE016956-CE9F-4946-8834-A8BC3529D0F6}"/>
+          </ac:spMkLst>
+        </pc:spChg>
+        <pc:spChg chg="add del">
+          <ac:chgData name="francesco scavello" userId="88dd6d613a4d9c43" providerId="LiveId" clId="{758975F4-9885-4A06-B6C6-4B81D2F536C8}" dt="2020-10-12T14:44:35.503" v="1337" actId="26606"/>
+          <ac:spMkLst>
+            <pc:docMk/>
+            <pc:sldMk cId="2337905595" sldId="285"/>
+            <ac:spMk id="42" creationId="{9527FCEA-6143-4C5E-8C45-8AC9237ADE89}"/>
+          </ac:spMkLst>
+        </pc:spChg>
+        <pc:spChg chg="add del">
+          <ac:chgData name="francesco scavello" userId="88dd6d613a4d9c43" providerId="LiveId" clId="{758975F4-9885-4A06-B6C6-4B81D2F536C8}" dt="2020-10-12T14:44:35.503" v="1337" actId="26606"/>
+          <ac:spMkLst>
+            <pc:docMk/>
+            <pc:sldMk cId="2337905595" sldId="285"/>
+            <ac:spMk id="43" creationId="{1A9F23AD-7A55-49F3-A3EC-743F47F36B0E}"/>
+          </ac:spMkLst>
+        </pc:spChg>
+        <pc:spChg chg="add del">
+          <ac:chgData name="francesco scavello" userId="88dd6d613a4d9c43" providerId="LiveId" clId="{758975F4-9885-4A06-B6C6-4B81D2F536C8}" dt="2020-10-12T14:44:35.503" v="1337" actId="26606"/>
+          <ac:spMkLst>
+            <pc:docMk/>
+            <pc:sldMk cId="2337905595" sldId="285"/>
+            <ac:spMk id="44" creationId="{D7D9F91F-72C9-4DB9-ABD0-A8180D8262D5}"/>
+          </ac:spMkLst>
+        </pc:spChg>
+        <pc:spChg chg="add del">
+          <ac:chgData name="francesco scavello" userId="88dd6d613a4d9c43" providerId="LiveId" clId="{758975F4-9885-4A06-B6C6-4B81D2F536C8}" dt="2020-10-12T14:44:35.503" v="1337" actId="26606"/>
+          <ac:spMkLst>
+            <pc:docMk/>
+            <pc:sldMk cId="2337905595" sldId="285"/>
+            <ac:spMk id="45" creationId="{BE016956-CE9F-4946-8834-A8BC3529D0F6}"/>
+          </ac:spMkLst>
+        </pc:spChg>
+        <pc:spChg chg="add mod">
+          <ac:chgData name="francesco scavello" userId="88dd6d613a4d9c43" providerId="LiveId" clId="{758975F4-9885-4A06-B6C6-4B81D2F536C8}" dt="2020-10-12T14:46:56.859" v="1400" actId="1076"/>
+          <ac:spMkLst>
+            <pc:docMk/>
+            <pc:sldMk cId="2337905595" sldId="285"/>
+            <ac:spMk id="47" creationId="{05D2768F-4094-4DF8-9850-E56EEBD98994}"/>
+          </ac:spMkLst>
+        </pc:spChg>
+        <pc:spChg chg="add mod">
+          <ac:chgData name="francesco scavello" userId="88dd6d613a4d9c43" providerId="LiveId" clId="{758975F4-9885-4A06-B6C6-4B81D2F536C8}" dt="2020-10-12T14:46:27.296" v="1396" actId="20577"/>
+          <ac:spMkLst>
+            <pc:docMk/>
+            <pc:sldMk cId="2337905595" sldId="285"/>
+            <ac:spMk id="49" creationId="{8D7735A6-7973-4C10-B5BB-E016CD591FCE}"/>
+          </ac:spMkLst>
+        </pc:spChg>
+        <pc:spChg chg="add del">
+          <ac:chgData name="francesco scavello" userId="88dd6d613a4d9c43" providerId="LiveId" clId="{758975F4-9885-4A06-B6C6-4B81D2F536C8}" dt="2020-10-12T14:44:39.940" v="1339" actId="26606"/>
+          <ac:spMkLst>
+            <pc:docMk/>
+            <pc:sldMk cId="2337905595" sldId="285"/>
+            <ac:spMk id="50" creationId="{9527FCEA-6143-4C5E-8C45-8AC9237ADE89}"/>
+          </ac:spMkLst>
+        </pc:spChg>
+        <pc:spChg chg="add del">
+          <ac:chgData name="francesco scavello" userId="88dd6d613a4d9c43" providerId="LiveId" clId="{758975F4-9885-4A06-B6C6-4B81D2F536C8}" dt="2020-10-12T14:44:39.940" v="1339" actId="26606"/>
+          <ac:spMkLst>
+            <pc:docMk/>
+            <pc:sldMk cId="2337905595" sldId="285"/>
+            <ac:spMk id="52" creationId="{1A9F23AD-7A55-49F3-A3EC-743F47F36B0E}"/>
+          </ac:spMkLst>
+        </pc:spChg>
+        <pc:spChg chg="add del">
+          <ac:chgData name="francesco scavello" userId="88dd6d613a4d9c43" providerId="LiveId" clId="{758975F4-9885-4A06-B6C6-4B81D2F536C8}" dt="2020-10-12T14:44:39.940" v="1339" actId="26606"/>
+          <ac:spMkLst>
+            <pc:docMk/>
+            <pc:sldMk cId="2337905595" sldId="285"/>
+            <ac:spMk id="54" creationId="{D7D9F91F-72C9-4DB9-ABD0-A8180D8262D5}"/>
+          </ac:spMkLst>
+        </pc:spChg>
+        <pc:spChg chg="add del">
+          <ac:chgData name="francesco scavello" userId="88dd6d613a4d9c43" providerId="LiveId" clId="{758975F4-9885-4A06-B6C6-4B81D2F536C8}" dt="2020-10-12T14:44:39.940" v="1339" actId="26606"/>
+          <ac:spMkLst>
+            <pc:docMk/>
+            <pc:sldMk cId="2337905595" sldId="285"/>
+            <ac:spMk id="56" creationId="{BE016956-CE9F-4946-8834-A8BC3529D0F6}"/>
+          </ac:spMkLst>
+        </pc:spChg>
+        <pc:spChg chg="add">
+          <ac:chgData name="francesco scavello" userId="88dd6d613a4d9c43" providerId="LiveId" clId="{758975F4-9885-4A06-B6C6-4B81D2F536C8}" dt="2020-10-12T14:44:39.940" v="1339" actId="26606"/>
+          <ac:spMkLst>
+            <pc:docMk/>
+            <pc:sldMk cId="2337905595" sldId="285"/>
+            <ac:spMk id="61" creationId="{9527FCEA-6143-4C5E-8C45-8AC9237ADE89}"/>
+          </ac:spMkLst>
+        </pc:spChg>
+        <pc:spChg chg="add">
+          <ac:chgData name="francesco scavello" userId="88dd6d613a4d9c43" providerId="LiveId" clId="{758975F4-9885-4A06-B6C6-4B81D2F536C8}" dt="2020-10-12T14:44:39.940" v="1339" actId="26606"/>
+          <ac:spMkLst>
+            <pc:docMk/>
+            <pc:sldMk cId="2337905595" sldId="285"/>
+            <ac:spMk id="63" creationId="{1A9F23AD-7A55-49F3-A3EC-743F47F36B0E}"/>
+          </ac:spMkLst>
+        </pc:spChg>
+        <pc:spChg chg="add">
+          <ac:chgData name="francesco scavello" userId="88dd6d613a4d9c43" providerId="LiveId" clId="{758975F4-9885-4A06-B6C6-4B81D2F536C8}" dt="2020-10-12T14:44:39.940" v="1339" actId="26606"/>
+          <ac:spMkLst>
+            <pc:docMk/>
+            <pc:sldMk cId="2337905595" sldId="285"/>
+            <ac:spMk id="65" creationId="{D7D9F91F-72C9-4DB9-ABD0-A8180D8262D5}"/>
+          </ac:spMkLst>
+        </pc:spChg>
+        <pc:spChg chg="add">
+          <ac:chgData name="francesco scavello" userId="88dd6d613a4d9c43" providerId="LiveId" clId="{758975F4-9885-4A06-B6C6-4B81D2F536C8}" dt="2020-10-12T14:44:39.940" v="1339" actId="26606"/>
+          <ac:spMkLst>
+            <pc:docMk/>
+            <pc:sldMk cId="2337905595" sldId="285"/>
+            <ac:spMk id="67" creationId="{BE016956-CE9F-4946-8834-A8BC3529D0F6}"/>
+          </ac:spMkLst>
+        </pc:spChg>
+        <pc:picChg chg="del">
+          <ac:chgData name="francesco scavello" userId="88dd6d613a4d9c43" providerId="LiveId" clId="{758975F4-9885-4A06-B6C6-4B81D2F536C8}" dt="2020-10-12T14:42:48.843" v="1293" actId="478"/>
+          <ac:picMkLst>
+            <pc:docMk/>
+            <pc:sldMk cId="2337905595" sldId="285"/>
+            <ac:picMk id="5" creationId="{B811D567-429C-4C56-AD89-2071E2ECA0C1}"/>
+          </ac:picMkLst>
+        </pc:picChg>
+        <pc:picChg chg="del">
+          <ac:chgData name="francesco scavello" userId="88dd6d613a4d9c43" providerId="LiveId" clId="{758975F4-9885-4A06-B6C6-4B81D2F536C8}" dt="2020-10-12T14:42:54.879" v="1296" actId="478"/>
+          <ac:picMkLst>
+            <pc:docMk/>
+            <pc:sldMk cId="2337905595" sldId="285"/>
+            <ac:picMk id="7" creationId="{5FB32CC0-BD31-44AD-8F66-1DA5CF3E3284}"/>
+          </ac:picMkLst>
+        </pc:picChg>
+        <pc:picChg chg="add del mod">
+          <ac:chgData name="francesco scavello" userId="88dd6d613a4d9c43" providerId="LiveId" clId="{758975F4-9885-4A06-B6C6-4B81D2F536C8}" dt="2020-10-12T14:43:32.410" v="1311" actId="478"/>
+          <ac:picMkLst>
+            <pc:docMk/>
+            <pc:sldMk cId="2337905595" sldId="285"/>
+            <ac:picMk id="10" creationId="{FB8BC814-8462-4D1D-854B-5243CABDEA0F}"/>
+          </ac:picMkLst>
+        </pc:picChg>
+        <pc:picChg chg="add del mod">
+          <ac:chgData name="francesco scavello" userId="88dd6d613a4d9c43" providerId="LiveId" clId="{758975F4-9885-4A06-B6C6-4B81D2F536C8}" dt="2020-10-12T14:43:33.600" v="1312" actId="478"/>
+          <ac:picMkLst>
+            <pc:docMk/>
+            <pc:sldMk cId="2337905595" sldId="285"/>
+            <ac:picMk id="12" creationId="{1D0A0BB9-12FA-47F1-8115-E5C24D515FD9}"/>
+          </ac:picMkLst>
+        </pc:picChg>
+        <pc:picChg chg="add mod ord">
+          <ac:chgData name="francesco scavello" userId="88dd6d613a4d9c43" providerId="LiveId" clId="{758975F4-9885-4A06-B6C6-4B81D2F536C8}" dt="2020-10-12T14:45:41.967" v="1361" actId="1076"/>
+          <ac:picMkLst>
+            <pc:docMk/>
+            <pc:sldMk cId="2337905595" sldId="285"/>
+            <ac:picMk id="22" creationId="{80AA6E08-4B45-4EBE-8AB1-9B8248FFC508}"/>
+          </ac:picMkLst>
+        </pc:picChg>
+        <pc:picChg chg="add mod ord">
+          <ac:chgData name="francesco scavello" userId="88dd6d613a4d9c43" providerId="LiveId" clId="{758975F4-9885-4A06-B6C6-4B81D2F536C8}" dt="2020-10-12T14:46:54.652" v="1399" actId="1076"/>
+          <ac:picMkLst>
+            <pc:docMk/>
+            <pc:sldMk cId="2337905595" sldId="285"/>
+            <ac:picMk id="24" creationId="{51C5CD83-A07B-4FC6-96EB-AD1F3282DB3E}"/>
+          </ac:picMkLst>
+        </pc:picChg>
+        <pc:picChg chg="add mod">
+          <ac:chgData name="francesco scavello" userId="88dd6d613a4d9c43" providerId="LiveId" clId="{758975F4-9885-4A06-B6C6-4B81D2F536C8}" dt="2020-10-12T14:45:11.328" v="1353" actId="14100"/>
+          <ac:picMkLst>
+            <pc:docMk/>
+            <pc:sldMk cId="2337905595" sldId="285"/>
+            <ac:picMk id="26" creationId="{2A553743-074D-4226-BBAE-DFCDE08ABDAB}"/>
+          </ac:picMkLst>
+        </pc:picChg>
+        <pc:cxnChg chg="add del">
+          <ac:chgData name="francesco scavello" userId="88dd6d613a4d9c43" providerId="LiveId" clId="{758975F4-9885-4A06-B6C6-4B81D2F536C8}" dt="2020-10-12T14:44:22.320" v="1332" actId="26606"/>
+          <ac:cxnSpMkLst>
+            <pc:docMk/>
+            <pc:sldMk cId="2337905595" sldId="285"/>
+            <ac:cxnSpMk id="39" creationId="{DCD67800-37AC-4E14-89B0-F79DCB3FB86D}"/>
+          </ac:cxnSpMkLst>
+        </pc:cxnChg>
+        <pc:cxnChg chg="add del">
+          <ac:chgData name="francesco scavello" userId="88dd6d613a4d9c43" providerId="LiveId" clId="{758975F4-9885-4A06-B6C6-4B81D2F536C8}" dt="2020-10-12T14:44:22.320" v="1332" actId="26606"/>
+          <ac:cxnSpMkLst>
+            <pc:docMk/>
+            <pc:sldMk cId="2337905595" sldId="285"/>
+            <ac:cxnSpMk id="40" creationId="{20F1788F-A5AE-4188-8274-F7F2E3833ECD}"/>
+          </ac:cxnSpMkLst>
+        </pc:cxnChg>
+      </pc:sldChg>
+      <pc:sldChg chg="add del">
+        <pc:chgData name="francesco scavello" userId="88dd6d613a4d9c43" providerId="LiveId" clId="{758975F4-9885-4A06-B6C6-4B81D2F536C8}" dt="2020-10-12T14:42:42.103" v="1275" actId="47"/>
+        <pc:sldMkLst>
+          <pc:docMk/>
+          <pc:sldMk cId="1129242977" sldId="286"/>
+        </pc:sldMkLst>
+      </pc:sldChg>
+    </pc:docChg>
+  </pc:docChgLst>
 </pc:chgInfo>
 </file>
 
@@ -3323,6 +4390,927 @@
     <dgm:fillClrLst meth="repeat">
       <a:schemeClr val="accent1">
         <a:tint val="60000"/>
+      </a:schemeClr>
+    </dgm:fillClrLst>
+    <dgm:linClrLst meth="repeat">
+      <a:schemeClr val="lt1"/>
+    </dgm:linClrLst>
+    <dgm:effectClrLst/>
+    <dgm:txLinClrLst/>
+    <dgm:txFillClrLst meth="repeat">
+      <a:schemeClr val="dk1"/>
+    </dgm:txFillClrLst>
+    <dgm:txEffectClrLst/>
+  </dgm:styleLbl>
+  <dgm:styleLbl name="revTx">
+    <dgm:fillClrLst meth="repeat">
+      <a:schemeClr val="lt1">
+        <a:alpha val="0"/>
+      </a:schemeClr>
+    </dgm:fillClrLst>
+    <dgm:linClrLst meth="repeat">
+      <a:schemeClr val="dk1">
+        <a:alpha val="0"/>
+      </a:schemeClr>
+    </dgm:linClrLst>
+    <dgm:effectClrLst/>
+    <dgm:txLinClrLst/>
+    <dgm:txFillClrLst meth="repeat">
+      <a:schemeClr val="tx1"/>
+    </dgm:txFillClrLst>
+    <dgm:txEffectClrLst/>
+  </dgm:styleLbl>
+</dgm:colorsDef>
+</file>
+
+<file path=ppt/diagrams/colors4.xml><?xml version="1.0" encoding="utf-8"?>
+<dgm:colorsDef xmlns:dgm="http://schemas.openxmlformats.org/drawingml/2006/diagram" xmlns:a="http://schemas.openxmlformats.org/drawingml/2006/main" uniqueId="urn:microsoft.com/office/officeart/2018/5/colors/Iconchunking_neutralbg_colorful1">
+  <dgm:title val=""/>
+  <dgm:desc val=""/>
+  <dgm:catLst>
+    <dgm:cat type="colorful" pri="10100"/>
+  </dgm:catLst>
+  <dgm:styleLbl name="node0">
+    <dgm:fillClrLst meth="repeat">
+      <a:schemeClr val="accent1"/>
+    </dgm:fillClrLst>
+    <dgm:linClrLst meth="repeat">
+      <a:schemeClr val="lt1"/>
+    </dgm:linClrLst>
+    <dgm:effectClrLst/>
+    <dgm:txLinClrLst/>
+    <dgm:txFillClrLst/>
+    <dgm:txEffectClrLst/>
+  </dgm:styleLbl>
+  <dgm:styleLbl name="node1">
+    <dgm:fillClrLst meth="repeat">
+      <a:schemeClr val="accent2"/>
+      <a:schemeClr val="accent3"/>
+      <a:schemeClr val="accent4"/>
+      <a:schemeClr val="accent5"/>
+      <a:schemeClr val="accent6"/>
+    </dgm:fillClrLst>
+    <dgm:linClrLst meth="repeat">
+      <a:schemeClr val="lt1">
+        <a:alpha val="0"/>
+      </a:schemeClr>
+    </dgm:linClrLst>
+    <dgm:effectClrLst/>
+    <dgm:txLinClrLst/>
+    <dgm:txFillClrLst/>
+    <dgm:txEffectClrLst/>
+  </dgm:styleLbl>
+  <dgm:styleLbl name="alignNode1">
+    <dgm:fillClrLst meth="repeat">
+      <a:schemeClr val="accent2"/>
+      <a:schemeClr val="accent3"/>
+      <a:schemeClr val="accent4"/>
+      <a:schemeClr val="accent5"/>
+      <a:schemeClr val="accent6"/>
+    </dgm:fillClrLst>
+    <dgm:linClrLst meth="repeat">
+      <a:schemeClr val="accent2"/>
+      <a:schemeClr val="accent3"/>
+      <a:schemeClr val="accent4"/>
+      <a:schemeClr val="accent5"/>
+      <a:schemeClr val="accent6"/>
+    </dgm:linClrLst>
+    <dgm:effectClrLst/>
+    <dgm:txLinClrLst/>
+    <dgm:txFillClrLst/>
+    <dgm:txEffectClrLst/>
+  </dgm:styleLbl>
+  <dgm:styleLbl name="lnNode1">
+    <dgm:fillClrLst meth="repeat">
+      <a:schemeClr val="accent2"/>
+      <a:schemeClr val="accent3"/>
+      <a:schemeClr val="accent4"/>
+      <a:schemeClr val="accent5"/>
+      <a:schemeClr val="accent6"/>
+    </dgm:fillClrLst>
+    <dgm:linClrLst meth="repeat">
+      <a:schemeClr val="lt1"/>
+    </dgm:linClrLst>
+    <dgm:effectClrLst/>
+    <dgm:txLinClrLst/>
+    <dgm:txFillClrLst/>
+    <dgm:txEffectClrLst/>
+  </dgm:styleLbl>
+  <dgm:styleLbl name="vennNode1">
+    <dgm:fillClrLst meth="repeat">
+      <a:schemeClr val="accent2">
+        <a:alpha val="50000"/>
+      </a:schemeClr>
+      <a:schemeClr val="accent3">
+        <a:alpha val="50000"/>
+      </a:schemeClr>
+      <a:schemeClr val="accent4">
+        <a:alpha val="50000"/>
+      </a:schemeClr>
+      <a:schemeClr val="accent5">
+        <a:alpha val="50000"/>
+      </a:schemeClr>
+      <a:schemeClr val="accent6">
+        <a:alpha val="50000"/>
+      </a:schemeClr>
+    </dgm:fillClrLst>
+    <dgm:linClrLst meth="repeat">
+      <a:schemeClr val="lt1"/>
+    </dgm:linClrLst>
+    <dgm:effectClrLst/>
+    <dgm:txLinClrLst/>
+    <dgm:txFillClrLst/>
+    <dgm:txEffectClrLst/>
+  </dgm:styleLbl>
+  <dgm:styleLbl name="node2">
+    <dgm:fillClrLst>
+      <a:schemeClr val="accent2"/>
+    </dgm:fillClrLst>
+    <dgm:linClrLst meth="repeat">
+      <a:schemeClr val="lt1"/>
+    </dgm:linClrLst>
+    <dgm:effectClrLst/>
+    <dgm:txLinClrLst/>
+    <dgm:txFillClrLst/>
+    <dgm:txEffectClrLst/>
+  </dgm:styleLbl>
+  <dgm:styleLbl name="node3">
+    <dgm:fillClrLst>
+      <a:schemeClr val="accent3"/>
+    </dgm:fillClrLst>
+    <dgm:linClrLst meth="repeat">
+      <a:schemeClr val="lt1"/>
+    </dgm:linClrLst>
+    <dgm:effectClrLst/>
+    <dgm:txLinClrLst/>
+    <dgm:txFillClrLst/>
+    <dgm:txEffectClrLst/>
+  </dgm:styleLbl>
+  <dgm:styleLbl name="node4">
+    <dgm:fillClrLst>
+      <a:schemeClr val="accent4"/>
+    </dgm:fillClrLst>
+    <dgm:linClrLst meth="repeat">
+      <a:schemeClr val="lt1"/>
+    </dgm:linClrLst>
+    <dgm:effectClrLst/>
+    <dgm:txLinClrLst/>
+    <dgm:txFillClrLst/>
+    <dgm:txEffectClrLst/>
+  </dgm:styleLbl>
+  <dgm:styleLbl name="fgImgPlace1">
+    <dgm:fillClrLst meth="repeat">
+      <a:schemeClr val="accent2">
+        <a:tint val="50000"/>
+      </a:schemeClr>
+      <a:schemeClr val="accent3">
+        <a:tint val="50000"/>
+      </a:schemeClr>
+      <a:schemeClr val="accent4">
+        <a:tint val="50000"/>
+      </a:schemeClr>
+      <a:schemeClr val="accent5">
+        <a:tint val="50000"/>
+      </a:schemeClr>
+      <a:schemeClr val="accent6">
+        <a:tint val="50000"/>
+      </a:schemeClr>
+    </dgm:fillClrLst>
+    <dgm:linClrLst meth="repeat">
+      <a:schemeClr val="lt1"/>
+    </dgm:linClrLst>
+    <dgm:effectClrLst/>
+    <dgm:txLinClrLst/>
+    <dgm:txFillClrLst meth="repeat">
+      <a:schemeClr val="lt1"/>
+    </dgm:txFillClrLst>
+    <dgm:txEffectClrLst/>
+  </dgm:styleLbl>
+  <dgm:styleLbl name="alignImgPlace1">
+    <dgm:fillClrLst>
+      <a:schemeClr val="accent1">
+        <a:tint val="50000"/>
+      </a:schemeClr>
+      <a:schemeClr val="accent2">
+        <a:tint val="20000"/>
+      </a:schemeClr>
+    </dgm:fillClrLst>
+    <dgm:linClrLst meth="repeat">
+      <a:schemeClr val="lt1"/>
+    </dgm:linClrLst>
+    <dgm:effectClrLst/>
+    <dgm:txLinClrLst/>
+    <dgm:txFillClrLst meth="repeat">
+      <a:schemeClr val="lt1"/>
+    </dgm:txFillClrLst>
+    <dgm:txEffectClrLst/>
+  </dgm:styleLbl>
+  <dgm:styleLbl name="bgImgPlace1">
+    <dgm:fillClrLst>
+      <a:schemeClr val="accent1">
+        <a:tint val="50000"/>
+      </a:schemeClr>
+      <a:schemeClr val="accent2">
+        <a:tint val="20000"/>
+      </a:schemeClr>
+    </dgm:fillClrLst>
+    <dgm:linClrLst meth="repeat">
+      <a:schemeClr val="lt1"/>
+    </dgm:linClrLst>
+    <dgm:effectClrLst/>
+    <dgm:txLinClrLst/>
+    <dgm:txFillClrLst meth="repeat">
+      <a:schemeClr val="lt1"/>
+    </dgm:txFillClrLst>
+    <dgm:txEffectClrLst/>
+  </dgm:styleLbl>
+  <dgm:styleLbl name="sibTrans2D1">
+    <dgm:fillClrLst meth="repeat">
+      <a:schemeClr val="accent2"/>
+      <a:schemeClr val="accent3"/>
+      <a:schemeClr val="accent4"/>
+      <a:schemeClr val="accent5"/>
+      <a:schemeClr val="accent6"/>
+    </dgm:fillClrLst>
+    <dgm:linClrLst meth="cycle">
+      <a:schemeClr val="lt1"/>
+    </dgm:linClrLst>
+    <dgm:effectClrLst/>
+    <dgm:txLinClrLst/>
+    <dgm:txFillClrLst/>
+    <dgm:txEffectClrLst/>
+  </dgm:styleLbl>
+  <dgm:styleLbl name="fgSibTrans2D1">
+    <dgm:fillClrLst meth="repeat">
+      <a:schemeClr val="accent2"/>
+      <a:schemeClr val="accent3"/>
+      <a:schemeClr val="accent4"/>
+      <a:schemeClr val="accent5"/>
+      <a:schemeClr val="accent6"/>
+    </dgm:fillClrLst>
+    <dgm:linClrLst meth="cycle">
+      <a:schemeClr val="lt1"/>
+    </dgm:linClrLst>
+    <dgm:effectClrLst/>
+    <dgm:txLinClrLst/>
+    <dgm:txFillClrLst meth="repeat">
+      <a:schemeClr val="lt1"/>
+    </dgm:txFillClrLst>
+    <dgm:txEffectClrLst/>
+  </dgm:styleLbl>
+  <dgm:styleLbl name="bgSibTrans2D1">
+    <dgm:fillClrLst meth="repeat">
+      <a:schemeClr val="accent2"/>
+      <a:schemeClr val="accent3"/>
+      <a:schemeClr val="accent4"/>
+      <a:schemeClr val="accent5"/>
+      <a:schemeClr val="accent6"/>
+    </dgm:fillClrLst>
+    <dgm:linClrLst meth="cycle">
+      <a:schemeClr val="lt1"/>
+    </dgm:linClrLst>
+    <dgm:effectClrLst/>
+    <dgm:txLinClrLst/>
+    <dgm:txFillClrLst meth="repeat">
+      <a:schemeClr val="lt1"/>
+    </dgm:txFillClrLst>
+    <dgm:txEffectClrLst/>
+  </dgm:styleLbl>
+  <dgm:styleLbl name="sibTrans1D1">
+    <dgm:fillClrLst meth="repeat">
+      <a:schemeClr val="accent2"/>
+      <a:schemeClr val="accent3"/>
+      <a:schemeClr val="accent4"/>
+      <a:schemeClr val="accent5"/>
+      <a:schemeClr val="accent6"/>
+    </dgm:fillClrLst>
+    <dgm:linClrLst meth="repeat">
+      <a:schemeClr val="accent2"/>
+      <a:schemeClr val="accent3"/>
+      <a:schemeClr val="accent4"/>
+      <a:schemeClr val="accent5"/>
+      <a:schemeClr val="accent6"/>
+    </dgm:linClrLst>
+    <dgm:effectClrLst/>
+    <dgm:txLinClrLst/>
+    <dgm:txFillClrLst meth="repeat">
+      <a:schemeClr val="tx1"/>
+    </dgm:txFillClrLst>
+    <dgm:txEffectClrLst/>
+  </dgm:styleLbl>
+  <dgm:styleLbl name="callout">
+    <dgm:fillClrLst meth="repeat">
+      <a:schemeClr val="accent2"/>
+    </dgm:fillClrLst>
+    <dgm:linClrLst meth="repeat">
+      <a:schemeClr val="accent2">
+        <a:tint val="50000"/>
+      </a:schemeClr>
+    </dgm:linClrLst>
+    <dgm:effectClrLst/>
+    <dgm:txLinClrLst/>
+    <dgm:txFillClrLst meth="repeat">
+      <a:schemeClr val="tx1"/>
+    </dgm:txFillClrLst>
+    <dgm:txEffectClrLst/>
+  </dgm:styleLbl>
+  <dgm:styleLbl name="asst0">
+    <dgm:fillClrLst meth="repeat">
+      <a:schemeClr val="accent1"/>
+    </dgm:fillClrLst>
+    <dgm:linClrLst meth="repeat">
+      <a:schemeClr val="lt1"/>
+    </dgm:linClrLst>
+    <dgm:effectClrLst/>
+    <dgm:txLinClrLst/>
+    <dgm:txFillClrLst/>
+    <dgm:txEffectClrLst/>
+  </dgm:styleLbl>
+  <dgm:styleLbl name="asst1">
+    <dgm:fillClrLst meth="repeat">
+      <a:schemeClr val="accent2"/>
+    </dgm:fillClrLst>
+    <dgm:linClrLst meth="repeat">
+      <a:schemeClr val="lt1"/>
+    </dgm:linClrLst>
+    <dgm:effectClrLst/>
+    <dgm:txLinClrLst/>
+    <dgm:txFillClrLst/>
+    <dgm:txEffectClrLst/>
+  </dgm:styleLbl>
+  <dgm:styleLbl name="asst2">
+    <dgm:fillClrLst>
+      <a:schemeClr val="accent3"/>
+    </dgm:fillClrLst>
+    <dgm:linClrLst meth="repeat">
+      <a:schemeClr val="lt1"/>
+    </dgm:linClrLst>
+    <dgm:effectClrLst/>
+    <dgm:txLinClrLst/>
+    <dgm:txFillClrLst/>
+    <dgm:txEffectClrLst/>
+  </dgm:styleLbl>
+  <dgm:styleLbl name="asst3">
+    <dgm:fillClrLst>
+      <a:schemeClr val="accent4"/>
+    </dgm:fillClrLst>
+    <dgm:linClrLst meth="repeat">
+      <a:schemeClr val="lt1"/>
+    </dgm:linClrLst>
+    <dgm:effectClrLst/>
+    <dgm:txLinClrLst/>
+    <dgm:txFillClrLst/>
+    <dgm:txEffectClrLst/>
+  </dgm:styleLbl>
+  <dgm:styleLbl name="asst4">
+    <dgm:fillClrLst>
+      <a:schemeClr val="accent5"/>
+    </dgm:fillClrLst>
+    <dgm:linClrLst meth="repeat">
+      <a:schemeClr val="lt1"/>
+    </dgm:linClrLst>
+    <dgm:effectClrLst/>
+    <dgm:txLinClrLst/>
+    <dgm:txFillClrLst/>
+    <dgm:txEffectClrLst/>
+  </dgm:styleLbl>
+  <dgm:styleLbl name="parChTrans2D1">
+    <dgm:fillClrLst meth="repeat">
+      <a:schemeClr val="accent2"/>
+    </dgm:fillClrLst>
+    <dgm:linClrLst meth="repeat">
+      <a:schemeClr val="lt1"/>
+    </dgm:linClrLst>
+    <dgm:effectClrLst/>
+    <dgm:txLinClrLst/>
+    <dgm:txFillClrLst meth="repeat">
+      <a:schemeClr val="lt1"/>
+    </dgm:txFillClrLst>
+    <dgm:txEffectClrLst/>
+  </dgm:styleLbl>
+  <dgm:styleLbl name="parChTrans2D2">
+    <dgm:fillClrLst meth="repeat">
+      <a:schemeClr val="accent3"/>
+    </dgm:fillClrLst>
+    <dgm:linClrLst meth="repeat">
+      <a:schemeClr val="lt1"/>
+    </dgm:linClrLst>
+    <dgm:effectClrLst/>
+    <dgm:txLinClrLst/>
+    <dgm:txFillClrLst/>
+    <dgm:txEffectClrLst/>
+  </dgm:styleLbl>
+  <dgm:styleLbl name="parChTrans2D3">
+    <dgm:fillClrLst meth="repeat">
+      <a:schemeClr val="accent4"/>
+    </dgm:fillClrLst>
+    <dgm:linClrLst meth="repeat">
+      <a:schemeClr val="lt1"/>
+    </dgm:linClrLst>
+    <dgm:effectClrLst/>
+    <dgm:txLinClrLst/>
+    <dgm:txFillClrLst/>
+    <dgm:txEffectClrLst/>
+  </dgm:styleLbl>
+  <dgm:styleLbl name="parChTrans2D4">
+    <dgm:fillClrLst meth="repeat">
+      <a:schemeClr val="accent5"/>
+    </dgm:fillClrLst>
+    <dgm:linClrLst meth="repeat">
+      <a:schemeClr val="lt1"/>
+    </dgm:linClrLst>
+    <dgm:effectClrLst/>
+    <dgm:txLinClrLst/>
+    <dgm:txFillClrLst meth="repeat">
+      <a:schemeClr val="lt1"/>
+    </dgm:txFillClrLst>
+    <dgm:txEffectClrLst/>
+  </dgm:styleLbl>
+  <dgm:styleLbl name="parChTrans1D1">
+    <dgm:fillClrLst meth="repeat">
+      <a:schemeClr val="accent2"/>
+    </dgm:fillClrLst>
+    <dgm:linClrLst meth="repeat">
+      <a:schemeClr val="accent1"/>
+    </dgm:linClrLst>
+    <dgm:effectClrLst/>
+    <dgm:txLinClrLst/>
+    <dgm:txFillClrLst meth="repeat">
+      <a:schemeClr val="tx1"/>
+    </dgm:txFillClrLst>
+    <dgm:txEffectClrLst/>
+  </dgm:styleLbl>
+  <dgm:styleLbl name="parChTrans1D2">
+    <dgm:fillClrLst meth="repeat">
+      <a:schemeClr val="accent3">
+        <a:tint val="90000"/>
+      </a:schemeClr>
+    </dgm:fillClrLst>
+    <dgm:linClrLst meth="repeat">
+      <a:schemeClr val="accent2"/>
+    </dgm:linClrLst>
+    <dgm:effectClrLst/>
+    <dgm:txLinClrLst/>
+    <dgm:txFillClrLst meth="repeat">
+      <a:schemeClr val="tx1"/>
+    </dgm:txFillClrLst>
+    <dgm:txEffectClrLst/>
+  </dgm:styleLbl>
+  <dgm:styleLbl name="parChTrans1D3">
+    <dgm:fillClrLst meth="repeat">
+      <a:schemeClr val="accent4">
+        <a:tint val="70000"/>
+      </a:schemeClr>
+    </dgm:fillClrLst>
+    <dgm:linClrLst meth="repeat">
+      <a:schemeClr val="accent3"/>
+    </dgm:linClrLst>
+    <dgm:effectClrLst/>
+    <dgm:txLinClrLst/>
+    <dgm:txFillClrLst meth="repeat">
+      <a:schemeClr val="tx1"/>
+    </dgm:txFillClrLst>
+    <dgm:txEffectClrLst/>
+  </dgm:styleLbl>
+  <dgm:styleLbl name="parChTrans1D4">
+    <dgm:fillClrLst meth="repeat">
+      <a:schemeClr val="accent5">
+        <a:tint val="50000"/>
+      </a:schemeClr>
+    </dgm:fillClrLst>
+    <dgm:linClrLst meth="repeat">
+      <a:schemeClr val="accent4"/>
+    </dgm:linClrLst>
+    <dgm:effectClrLst/>
+    <dgm:txLinClrLst/>
+    <dgm:txFillClrLst meth="repeat">
+      <a:schemeClr val="tx1"/>
+    </dgm:txFillClrLst>
+    <dgm:txEffectClrLst/>
+  </dgm:styleLbl>
+  <dgm:styleLbl name="fgAcc1">
+    <dgm:fillClrLst meth="repeat">
+      <a:schemeClr val="lt1">
+        <a:alpha val="90000"/>
+      </a:schemeClr>
+    </dgm:fillClrLst>
+    <dgm:linClrLst meth="repeat">
+      <a:schemeClr val="accent2"/>
+      <a:schemeClr val="accent3"/>
+      <a:schemeClr val="accent4"/>
+      <a:schemeClr val="accent5"/>
+      <a:schemeClr val="accent6"/>
+    </dgm:linClrLst>
+    <dgm:effectClrLst/>
+    <dgm:txLinClrLst/>
+    <dgm:txFillClrLst meth="repeat">
+      <a:schemeClr val="dk1"/>
+    </dgm:txFillClrLst>
+    <dgm:txEffectClrLst/>
+  </dgm:styleLbl>
+  <dgm:styleLbl name="conFgAcc1">
+    <dgm:fillClrLst meth="repeat">
+      <a:schemeClr val="lt1">
+        <a:alpha val="90000"/>
+      </a:schemeClr>
+    </dgm:fillClrLst>
+    <dgm:linClrLst meth="repeat">
+      <a:schemeClr val="accent2"/>
+      <a:schemeClr val="accent3"/>
+      <a:schemeClr val="accent4"/>
+      <a:schemeClr val="accent5"/>
+      <a:schemeClr val="accent6"/>
+    </dgm:linClrLst>
+    <dgm:effectClrLst/>
+    <dgm:txLinClrLst/>
+    <dgm:txFillClrLst meth="repeat">
+      <a:schemeClr val="dk1"/>
+    </dgm:txFillClrLst>
+    <dgm:txEffectClrLst/>
+  </dgm:styleLbl>
+  <dgm:styleLbl name="alignAcc1">
+    <dgm:fillClrLst meth="repeat">
+      <a:schemeClr val="lt1">
+        <a:alpha val="90000"/>
+      </a:schemeClr>
+    </dgm:fillClrLst>
+    <dgm:linClrLst meth="repeat">
+      <a:schemeClr val="accent2"/>
+      <a:schemeClr val="accent3"/>
+      <a:schemeClr val="accent4"/>
+      <a:schemeClr val="accent5"/>
+      <a:schemeClr val="accent6"/>
+    </dgm:linClrLst>
+    <dgm:effectClrLst/>
+    <dgm:txLinClrLst/>
+    <dgm:txFillClrLst meth="repeat">
+      <a:schemeClr val="dk1"/>
+    </dgm:txFillClrLst>
+    <dgm:txEffectClrLst/>
+  </dgm:styleLbl>
+  <dgm:styleLbl name="trAlignAcc1">
+    <dgm:fillClrLst meth="repeat">
+      <a:schemeClr val="lt1">
+        <a:alpha val="40000"/>
+      </a:schemeClr>
+    </dgm:fillClrLst>
+    <dgm:linClrLst meth="repeat">
+      <a:schemeClr val="accent1"/>
+    </dgm:linClrLst>
+    <dgm:effectClrLst/>
+    <dgm:txLinClrLst/>
+    <dgm:txFillClrLst meth="repeat">
+      <a:schemeClr val="dk1"/>
+    </dgm:txFillClrLst>
+    <dgm:txEffectClrLst/>
+  </dgm:styleLbl>
+  <dgm:styleLbl name="bgAcc1">
+    <dgm:fillClrLst meth="repeat">
+      <a:schemeClr val="lt1">
+        <a:alpha val="90000"/>
+      </a:schemeClr>
+    </dgm:fillClrLst>
+    <dgm:linClrLst meth="repeat">
+      <a:schemeClr val="accent2"/>
+      <a:schemeClr val="accent3"/>
+      <a:schemeClr val="accent4"/>
+      <a:schemeClr val="accent5"/>
+      <a:schemeClr val="accent6"/>
+    </dgm:linClrLst>
+    <dgm:effectClrLst/>
+    <dgm:txLinClrLst/>
+    <dgm:txFillClrLst meth="repeat">
+      <a:schemeClr val="dk1"/>
+    </dgm:txFillClrLst>
+    <dgm:txEffectClrLst/>
+  </dgm:styleLbl>
+  <dgm:styleLbl name="solidFgAcc1">
+    <dgm:fillClrLst meth="repeat">
+      <a:schemeClr val="lt1"/>
+    </dgm:fillClrLst>
+    <dgm:linClrLst meth="repeat">
+      <a:schemeClr val="accent2"/>
+      <a:schemeClr val="accent3"/>
+      <a:schemeClr val="accent4"/>
+      <a:schemeClr val="accent5"/>
+      <a:schemeClr val="accent6"/>
+    </dgm:linClrLst>
+    <dgm:effectClrLst/>
+    <dgm:txLinClrLst/>
+    <dgm:txFillClrLst meth="repeat">
+      <a:schemeClr val="dk1"/>
+    </dgm:txFillClrLst>
+    <dgm:txEffectClrLst/>
+  </dgm:styleLbl>
+  <dgm:styleLbl name="solidAlignAcc1">
+    <dgm:fillClrLst meth="repeat">
+      <a:schemeClr val="lt1"/>
+    </dgm:fillClrLst>
+    <dgm:linClrLst meth="repeat">
+      <a:schemeClr val="accent2"/>
+      <a:schemeClr val="accent3"/>
+      <a:schemeClr val="accent4"/>
+      <a:schemeClr val="accent5"/>
+      <a:schemeClr val="accent6"/>
+    </dgm:linClrLst>
+    <dgm:effectClrLst/>
+    <dgm:txLinClrLst/>
+    <dgm:txFillClrLst meth="repeat">
+      <a:schemeClr val="dk1"/>
+    </dgm:txFillClrLst>
+    <dgm:txEffectClrLst/>
+  </dgm:styleLbl>
+  <dgm:styleLbl name="solidBgAcc1">
+    <dgm:fillClrLst meth="repeat">
+      <a:schemeClr val="lt1"/>
+    </dgm:fillClrLst>
+    <dgm:linClrLst meth="repeat">
+      <a:schemeClr val="accent2"/>
+      <a:schemeClr val="accent3"/>
+      <a:schemeClr val="accent4"/>
+      <a:schemeClr val="accent5"/>
+      <a:schemeClr val="accent6"/>
+    </dgm:linClrLst>
+    <dgm:effectClrLst/>
+    <dgm:txLinClrLst/>
+    <dgm:txFillClrLst meth="repeat">
+      <a:schemeClr val="dk1"/>
+    </dgm:txFillClrLst>
+    <dgm:txEffectClrLst/>
+  </dgm:styleLbl>
+  <dgm:styleLbl name="fgAccFollowNode1">
+    <dgm:fillClrLst meth="repeat">
+      <a:schemeClr val="accent2">
+        <a:tint val="40000"/>
+        <a:alpha val="90000"/>
+      </a:schemeClr>
+      <a:schemeClr val="accent3">
+        <a:tint val="40000"/>
+        <a:alpha val="90000"/>
+      </a:schemeClr>
+      <a:schemeClr val="accent4">
+        <a:tint val="40000"/>
+        <a:alpha val="90000"/>
+      </a:schemeClr>
+      <a:schemeClr val="accent5">
+        <a:tint val="40000"/>
+        <a:alpha val="90000"/>
+      </a:schemeClr>
+      <a:schemeClr val="accent6">
+        <a:tint val="40000"/>
+        <a:alpha val="90000"/>
+      </a:schemeClr>
+    </dgm:fillClrLst>
+    <dgm:linClrLst meth="repeat">
+      <a:schemeClr val="accent2">
+        <a:tint val="40000"/>
+        <a:alpha val="90000"/>
+      </a:schemeClr>
+      <a:schemeClr val="accent3">
+        <a:tint val="40000"/>
+        <a:alpha val="90000"/>
+      </a:schemeClr>
+      <a:schemeClr val="accent4">
+        <a:tint val="40000"/>
+        <a:alpha val="90000"/>
+      </a:schemeClr>
+      <a:schemeClr val="accent5">
+        <a:tint val="40000"/>
+        <a:alpha val="90000"/>
+      </a:schemeClr>
+      <a:schemeClr val="accent6">
+        <a:tint val="40000"/>
+        <a:alpha val="90000"/>
+      </a:schemeClr>
+    </dgm:linClrLst>
+    <dgm:effectClrLst/>
+    <dgm:txLinClrLst/>
+    <dgm:txFillClrLst meth="repeat">
+      <a:schemeClr val="dk1"/>
+    </dgm:txFillClrLst>
+    <dgm:txEffectClrLst/>
+  </dgm:styleLbl>
+  <dgm:styleLbl name="alignAccFollowNode1">
+    <dgm:fillClrLst meth="repeat">
+      <a:schemeClr val="accent2">
+        <a:tint val="40000"/>
+        <a:alpha val="90000"/>
+      </a:schemeClr>
+      <a:schemeClr val="accent3">
+        <a:tint val="40000"/>
+        <a:alpha val="90000"/>
+      </a:schemeClr>
+      <a:schemeClr val="accent4">
+        <a:tint val="40000"/>
+        <a:alpha val="90000"/>
+      </a:schemeClr>
+      <a:schemeClr val="accent5">
+        <a:tint val="40000"/>
+        <a:alpha val="90000"/>
+      </a:schemeClr>
+      <a:schemeClr val="accent6">
+        <a:tint val="40000"/>
+        <a:alpha val="90000"/>
+      </a:schemeClr>
+    </dgm:fillClrLst>
+    <dgm:linClrLst meth="repeat">
+      <a:schemeClr val="accent2">
+        <a:tint val="40000"/>
+        <a:alpha val="90000"/>
+      </a:schemeClr>
+      <a:schemeClr val="accent3">
+        <a:tint val="40000"/>
+        <a:alpha val="90000"/>
+      </a:schemeClr>
+      <a:schemeClr val="accent4">
+        <a:tint val="40000"/>
+        <a:alpha val="90000"/>
+      </a:schemeClr>
+      <a:schemeClr val="accent5">
+        <a:tint val="40000"/>
+        <a:alpha val="90000"/>
+      </a:schemeClr>
+      <a:schemeClr val="accent6">
+        <a:tint val="40000"/>
+        <a:alpha val="90000"/>
+      </a:schemeClr>
+    </dgm:linClrLst>
+    <dgm:effectClrLst/>
+    <dgm:txLinClrLst/>
+    <dgm:txFillClrLst meth="repeat">
+      <a:schemeClr val="dk1"/>
+    </dgm:txFillClrLst>
+    <dgm:txEffectClrLst/>
+  </dgm:styleLbl>
+  <dgm:styleLbl name="bgAccFollowNode1">
+    <dgm:fillClrLst meth="repeat">
+      <a:schemeClr val="accent2">
+        <a:tint val="40000"/>
+        <a:alpha val="90000"/>
+      </a:schemeClr>
+      <a:schemeClr val="accent3">
+        <a:tint val="40000"/>
+        <a:alpha val="90000"/>
+      </a:schemeClr>
+      <a:schemeClr val="accent4">
+        <a:tint val="40000"/>
+        <a:alpha val="90000"/>
+      </a:schemeClr>
+      <a:schemeClr val="accent5">
+        <a:tint val="40000"/>
+        <a:alpha val="90000"/>
+      </a:schemeClr>
+      <a:schemeClr val="accent6">
+        <a:tint val="40000"/>
+        <a:alpha val="90000"/>
+      </a:schemeClr>
+    </dgm:fillClrLst>
+    <dgm:linClrLst meth="repeat">
+      <a:schemeClr val="accent2">
+        <a:tint val="40000"/>
+        <a:alpha val="90000"/>
+      </a:schemeClr>
+      <a:schemeClr val="accent3">
+        <a:tint val="40000"/>
+        <a:alpha val="90000"/>
+      </a:schemeClr>
+      <a:schemeClr val="accent4">
+        <a:tint val="40000"/>
+        <a:alpha val="90000"/>
+      </a:schemeClr>
+      <a:schemeClr val="accent5">
+        <a:tint val="40000"/>
+        <a:alpha val="90000"/>
+      </a:schemeClr>
+      <a:schemeClr val="accent6">
+        <a:tint val="40000"/>
+        <a:alpha val="90000"/>
+      </a:schemeClr>
+    </dgm:linClrLst>
+    <dgm:effectClrLst/>
+    <dgm:txLinClrLst/>
+    <dgm:txFillClrLst meth="repeat">
+      <a:schemeClr val="dk1"/>
+    </dgm:txFillClrLst>
+    <dgm:txEffectClrLst/>
+  </dgm:styleLbl>
+  <dgm:styleLbl name="fgAcc0">
+    <dgm:fillClrLst meth="repeat">
+      <a:schemeClr val="lt1">
+        <a:alpha val="90000"/>
+      </a:schemeClr>
+    </dgm:fillClrLst>
+    <dgm:linClrLst>
+      <a:schemeClr val="accent1"/>
+    </dgm:linClrLst>
+    <dgm:effectClrLst/>
+    <dgm:txLinClrLst/>
+    <dgm:txFillClrLst meth="repeat">
+      <a:schemeClr val="dk1"/>
+    </dgm:txFillClrLst>
+    <dgm:txEffectClrLst/>
+  </dgm:styleLbl>
+  <dgm:styleLbl name="fgAcc2">
+    <dgm:fillClrLst meth="repeat">
+      <a:schemeClr val="lt1">
+        <a:alpha val="90000"/>
+      </a:schemeClr>
+    </dgm:fillClrLst>
+    <dgm:linClrLst>
+      <a:schemeClr val="accent2"/>
+    </dgm:linClrLst>
+    <dgm:effectClrLst/>
+    <dgm:txLinClrLst/>
+    <dgm:txFillClrLst meth="repeat">
+      <a:schemeClr val="dk1"/>
+    </dgm:txFillClrLst>
+    <dgm:txEffectClrLst/>
+  </dgm:styleLbl>
+  <dgm:styleLbl name="fgAcc3">
+    <dgm:fillClrLst meth="repeat">
+      <a:schemeClr val="lt1">
+        <a:alpha val="90000"/>
+      </a:schemeClr>
+    </dgm:fillClrLst>
+    <dgm:linClrLst>
+      <a:schemeClr val="accent3"/>
+    </dgm:linClrLst>
+    <dgm:effectClrLst/>
+    <dgm:txLinClrLst/>
+    <dgm:txFillClrLst meth="repeat">
+      <a:schemeClr val="dk1"/>
+    </dgm:txFillClrLst>
+    <dgm:txEffectClrLst/>
+  </dgm:styleLbl>
+  <dgm:styleLbl name="fgAcc4">
+    <dgm:fillClrLst meth="repeat">
+      <a:schemeClr val="lt1">
+        <a:alpha val="90000"/>
+      </a:schemeClr>
+    </dgm:fillClrLst>
+    <dgm:linClrLst>
+      <a:schemeClr val="accent4"/>
+    </dgm:linClrLst>
+    <dgm:effectClrLst/>
+    <dgm:txLinClrLst/>
+    <dgm:txFillClrLst meth="repeat">
+      <a:schemeClr val="dk1"/>
+    </dgm:txFillClrLst>
+    <dgm:txEffectClrLst/>
+  </dgm:styleLbl>
+  <dgm:styleLbl name="bgShp">
+    <dgm:fillClrLst meth="repeat">
+      <a:schemeClr val="bg1">
+        <a:lumMod val="95000"/>
+      </a:schemeClr>
+    </dgm:fillClrLst>
+    <dgm:linClrLst meth="repeat">
+      <a:schemeClr val="dk1"/>
+    </dgm:linClrLst>
+    <dgm:effectClrLst/>
+    <dgm:txLinClrLst/>
+    <dgm:txFillClrLst meth="repeat">
+      <a:schemeClr val="dk1"/>
+    </dgm:txFillClrLst>
+    <dgm:txEffectClrLst/>
+  </dgm:styleLbl>
+  <dgm:styleLbl name="dkBgShp">
+    <dgm:fillClrLst meth="repeat">
+      <a:schemeClr val="accent2">
+        <a:shade val="90000"/>
+      </a:schemeClr>
+    </dgm:fillClrLst>
+    <dgm:linClrLst meth="repeat">
+      <a:schemeClr val="dk1"/>
+    </dgm:linClrLst>
+    <dgm:effectClrLst/>
+    <dgm:txLinClrLst/>
+    <dgm:txFillClrLst meth="repeat">
+      <a:schemeClr val="lt1"/>
+    </dgm:txFillClrLst>
+    <dgm:txEffectClrLst/>
+  </dgm:styleLbl>
+  <dgm:styleLbl name="trBgShp">
+    <dgm:fillClrLst meth="repeat">
+      <a:schemeClr val="accent1">
+        <a:tint val="50000"/>
+        <a:alpha val="40000"/>
+      </a:schemeClr>
+    </dgm:fillClrLst>
+    <dgm:linClrLst meth="repeat">
+      <a:schemeClr val="accent2"/>
+    </dgm:linClrLst>
+    <dgm:effectClrLst/>
+    <dgm:txLinClrLst/>
+    <dgm:txFillClrLst meth="repeat">
+      <a:schemeClr val="lt1"/>
+    </dgm:txFillClrLst>
+    <dgm:txEffectClrLst/>
+  </dgm:styleLbl>
+  <dgm:styleLbl name="fgShp">
+    <dgm:fillClrLst meth="repeat">
+      <a:schemeClr val="accent2">
+        <a:tint val="40000"/>
       </a:schemeClr>
     </dgm:fillClrLst>
     <dgm:linClrLst meth="repeat">
@@ -4343,6 +6331,319 @@
   <dgm:extLst>
     <a:ext uri="http://schemas.microsoft.com/office/drawing/2008/diagram">
       <dsp:dataModelExt xmlns:dsp="http://schemas.microsoft.com/office/drawing/2008/diagram" relId="rId6" minVer="http://schemas.openxmlformats.org/drawingml/2006/diagram"/>
+    </a:ext>
+  </dgm:extLst>
+</dgm:dataModel>
+</file>
+
+<file path=ppt/diagrams/data4.xml><?xml version="1.0" encoding="utf-8"?>
+<dgm:dataModel xmlns:dgm="http://schemas.openxmlformats.org/drawingml/2006/diagram" xmlns:a="http://schemas.openxmlformats.org/drawingml/2006/main">
+  <dgm:ptLst>
+    <dgm:pt modelId="{AC16E00A-1125-4115-B630-7444E24EBA72}" type="doc">
+      <dgm:prSet loTypeId="urn:microsoft.com/office/officeart/2018/2/layout/IconVerticalSolidList" loCatId="icon" qsTypeId="urn:microsoft.com/office/officeart/2005/8/quickstyle/simple1" qsCatId="simple" csTypeId="urn:microsoft.com/office/officeart/2018/5/colors/Iconchunking_neutralbg_colorful1" csCatId="colorful" phldr="1"/>
+      <dgm:spPr/>
+      <dgm:t>
+        <a:bodyPr/>
+        <a:lstStyle/>
+        <a:p>
+          <a:endParaRPr lang="en-US"/>
+        </a:p>
+      </dgm:t>
+    </dgm:pt>
+    <dgm:pt modelId="{F0FAC75A-8955-4E76-AB73-C469DC382790}">
+      <dgm:prSet/>
+      <dgm:spPr/>
+      <dgm:t>
+        <a:bodyPr/>
+        <a:lstStyle/>
+        <a:p>
+          <a:r>
+            <a:rPr lang="it-IT"/>
+            <a:t>Strumenti utilizzati:</a:t>
+          </a:r>
+          <a:endParaRPr lang="en-US"/>
+        </a:p>
+      </dgm:t>
+    </dgm:pt>
+    <dgm:pt modelId="{FC326B24-18AA-4FCA-BB5C-DF167F096D6D}" type="parTrans" cxnId="{306E610C-EA7E-4C01-AA9A-AEB3E96F685C}">
+      <dgm:prSet/>
+      <dgm:spPr/>
+      <dgm:t>
+        <a:bodyPr/>
+        <a:lstStyle/>
+        <a:p>
+          <a:endParaRPr lang="en-US"/>
+        </a:p>
+      </dgm:t>
+    </dgm:pt>
+    <dgm:pt modelId="{CAA57AAD-D612-4335-8E18-C02D969BDA8F}" type="sibTrans" cxnId="{306E610C-EA7E-4C01-AA9A-AEB3E96F685C}">
+      <dgm:prSet/>
+      <dgm:spPr/>
+      <dgm:t>
+        <a:bodyPr/>
+        <a:lstStyle/>
+        <a:p>
+          <a:endParaRPr lang="en-US"/>
+        </a:p>
+      </dgm:t>
+    </dgm:pt>
+    <dgm:pt modelId="{F08586BD-6A22-4E07-AB23-6360B510452A}">
+      <dgm:prSet/>
+      <dgm:spPr/>
+      <dgm:t>
+        <a:bodyPr/>
+        <a:lstStyle/>
+        <a:p>
+          <a:r>
+            <a:rPr lang="it-IT" dirty="0"/>
+            <a:t>Python per l’exec dei Client</a:t>
+          </a:r>
+          <a:endParaRPr lang="en-US" dirty="0"/>
+        </a:p>
+      </dgm:t>
+    </dgm:pt>
+    <dgm:pt modelId="{7DFCBFEA-C817-4083-8854-C04D0A87FAE1}" type="parTrans" cxnId="{C8946D04-906D-4DAE-9CAB-368C4C105BD3}">
+      <dgm:prSet/>
+      <dgm:spPr/>
+      <dgm:t>
+        <a:bodyPr/>
+        <a:lstStyle/>
+        <a:p>
+          <a:endParaRPr lang="en-US"/>
+        </a:p>
+      </dgm:t>
+    </dgm:pt>
+    <dgm:pt modelId="{921FFFCC-7D86-441F-B0A8-B939AE45FB85}" type="sibTrans" cxnId="{C8946D04-906D-4DAE-9CAB-368C4C105BD3}">
+      <dgm:prSet/>
+      <dgm:spPr/>
+      <dgm:t>
+        <a:bodyPr/>
+        <a:lstStyle/>
+        <a:p>
+          <a:endParaRPr lang="en-US"/>
+        </a:p>
+      </dgm:t>
+    </dgm:pt>
+    <dgm:pt modelId="{387F162E-BEB2-4645-8A14-E1CDFC1FC7D3}">
+      <dgm:prSet/>
+      <dgm:spPr/>
+      <dgm:t>
+        <a:bodyPr/>
+        <a:lstStyle/>
+        <a:p>
+          <a:r>
+            <a:rPr lang="it-IT" dirty="0"/>
+            <a:t>Matplotlib per il plot dei grafici</a:t>
+          </a:r>
+          <a:endParaRPr lang="en-US" dirty="0"/>
+        </a:p>
+      </dgm:t>
+    </dgm:pt>
+    <dgm:pt modelId="{85EF7F95-A236-4CDA-9145-1226A3561C9B}" type="parTrans" cxnId="{290E6CED-B014-4F6B-A155-C20C500EBD56}">
+      <dgm:prSet/>
+      <dgm:spPr/>
+      <dgm:t>
+        <a:bodyPr/>
+        <a:lstStyle/>
+        <a:p>
+          <a:endParaRPr lang="en-US"/>
+        </a:p>
+      </dgm:t>
+    </dgm:pt>
+    <dgm:pt modelId="{B61CA01E-D320-4F4B-A28E-194C8E5A1275}" type="sibTrans" cxnId="{290E6CED-B014-4F6B-A155-C20C500EBD56}">
+      <dgm:prSet/>
+      <dgm:spPr/>
+      <dgm:t>
+        <a:bodyPr/>
+        <a:lstStyle/>
+        <a:p>
+          <a:endParaRPr lang="en-US"/>
+        </a:p>
+      </dgm:t>
+    </dgm:pt>
+    <dgm:pt modelId="{F618EED3-6B85-479D-B137-F7B65926BE9B}">
+      <dgm:prSet/>
+      <dgm:spPr/>
+      <dgm:t>
+        <a:bodyPr/>
+        <a:lstStyle/>
+        <a:p>
+          <a:r>
+            <a:rPr lang="it-IT" dirty="0"/>
+            <a:t>Test con 1,2 e 10 client, 500 files gestiti dal server e 1000 richieste per ogni Client</a:t>
+          </a:r>
+          <a:endParaRPr lang="en-US" dirty="0"/>
+        </a:p>
+      </dgm:t>
+    </dgm:pt>
+    <dgm:pt modelId="{CFE84B4A-F9D5-444C-9849-4DDA6E8E12A6}" type="parTrans" cxnId="{EDE43DB1-5314-42BD-AEE5-5C814B368990}">
+      <dgm:prSet/>
+      <dgm:spPr/>
+      <dgm:t>
+        <a:bodyPr/>
+        <a:lstStyle/>
+        <a:p>
+          <a:endParaRPr lang="en-US"/>
+        </a:p>
+      </dgm:t>
+    </dgm:pt>
+    <dgm:pt modelId="{FF723FF5-9692-44F3-A281-FABD30A0BF6D}" type="sibTrans" cxnId="{EDE43DB1-5314-42BD-AEE5-5C814B368990}">
+      <dgm:prSet/>
+      <dgm:spPr/>
+      <dgm:t>
+        <a:bodyPr/>
+        <a:lstStyle/>
+        <a:p>
+          <a:endParaRPr lang="en-US"/>
+        </a:p>
+      </dgm:t>
+    </dgm:pt>
+    <dgm:pt modelId="{B48C6CB8-895F-4214-9825-0805859DF4E0}" type="pres">
+      <dgm:prSet presAssocID="{AC16E00A-1125-4115-B630-7444E24EBA72}" presName="root" presStyleCnt="0">
+        <dgm:presLayoutVars>
+          <dgm:dir/>
+          <dgm:resizeHandles val="exact"/>
+        </dgm:presLayoutVars>
+      </dgm:prSet>
+      <dgm:spPr/>
+    </dgm:pt>
+    <dgm:pt modelId="{D15A9653-AEA3-425D-AEE8-12DD7959CC57}" type="pres">
+      <dgm:prSet presAssocID="{F0FAC75A-8955-4E76-AB73-C469DC382790}" presName="compNode" presStyleCnt="0"/>
+      <dgm:spPr/>
+    </dgm:pt>
+    <dgm:pt modelId="{0094B644-C9CC-41C0-B1AB-C212BF9F517B}" type="pres">
+      <dgm:prSet presAssocID="{F0FAC75A-8955-4E76-AB73-C469DC382790}" presName="bgRect" presStyleLbl="bgShp" presStyleIdx="0" presStyleCnt="2"/>
+      <dgm:spPr/>
+    </dgm:pt>
+    <dgm:pt modelId="{953B1719-FDAC-4AAE-927F-9E1A67FD3F0A}" type="pres">
+      <dgm:prSet presAssocID="{F0FAC75A-8955-4E76-AB73-C469DC382790}" presName="iconRect" presStyleLbl="node1" presStyleIdx="0" presStyleCnt="2"/>
+      <dgm:spPr>
+        <a:blipFill>
+          <a:blip xmlns:r="http://schemas.openxmlformats.org/officeDocument/2006/relationships" r:embed="rId1">
+            <a:extLst>
+              <a:ext uri="{28A0092B-C50C-407E-A947-70E740481C1C}">
+                <a14:useLocalDpi xmlns:a14="http://schemas.microsoft.com/office/drawing/2010/main" val="0"/>
+              </a:ext>
+              <a:ext uri="{96DAC541-7B7A-43D3-8B79-37D633B846F1}">
+                <asvg:svgBlip xmlns:asvg="http://schemas.microsoft.com/office/drawing/2016/SVG/main" r:embed="rId2"/>
+              </a:ext>
+            </a:extLst>
+          </a:blip>
+          <a:stretch>
+            <a:fillRect/>
+          </a:stretch>
+        </a:blipFill>
+        <a:ln>
+          <a:noFill/>
+        </a:ln>
+      </dgm:spPr>
+      <dgm:extLst>
+        <a:ext uri="{E40237B7-FDA0-4F09-8148-C483321AD2D9}">
+          <dgm14:cNvPr xmlns:dgm14="http://schemas.microsoft.com/office/drawing/2010/diagram" id="0" name="" descr="Single gear"/>
+        </a:ext>
+      </dgm:extLst>
+    </dgm:pt>
+    <dgm:pt modelId="{25001F1B-E163-4C75-B9C2-858198331543}" type="pres">
+      <dgm:prSet presAssocID="{F0FAC75A-8955-4E76-AB73-C469DC382790}" presName="spaceRect" presStyleCnt="0"/>
+      <dgm:spPr/>
+    </dgm:pt>
+    <dgm:pt modelId="{7C61FBCC-536D-4314-8B27-12F908B1F420}" type="pres">
+      <dgm:prSet presAssocID="{F0FAC75A-8955-4E76-AB73-C469DC382790}" presName="parTx" presStyleLbl="revTx" presStyleIdx="0" presStyleCnt="3">
+        <dgm:presLayoutVars>
+          <dgm:chMax val="0"/>
+          <dgm:chPref val="0"/>
+        </dgm:presLayoutVars>
+      </dgm:prSet>
+      <dgm:spPr/>
+    </dgm:pt>
+    <dgm:pt modelId="{C83DD818-D9FF-46FC-A074-294D4361DDDF}" type="pres">
+      <dgm:prSet presAssocID="{F0FAC75A-8955-4E76-AB73-C469DC382790}" presName="desTx" presStyleLbl="revTx" presStyleIdx="1" presStyleCnt="3">
+        <dgm:presLayoutVars/>
+      </dgm:prSet>
+      <dgm:spPr/>
+    </dgm:pt>
+    <dgm:pt modelId="{9A6FB30B-8879-4EEF-8655-4474B3125CF0}" type="pres">
+      <dgm:prSet presAssocID="{CAA57AAD-D612-4335-8E18-C02D969BDA8F}" presName="sibTrans" presStyleCnt="0"/>
+      <dgm:spPr/>
+    </dgm:pt>
+    <dgm:pt modelId="{BDCA2CD9-6D9F-4E05-AA4C-013CAA4C6B70}" type="pres">
+      <dgm:prSet presAssocID="{F618EED3-6B85-479D-B137-F7B65926BE9B}" presName="compNode" presStyleCnt="0"/>
+      <dgm:spPr/>
+    </dgm:pt>
+    <dgm:pt modelId="{71B70731-ECE8-4079-9C0A-BDC11A47DA24}" type="pres">
+      <dgm:prSet presAssocID="{F618EED3-6B85-479D-B137-F7B65926BE9B}" presName="bgRect" presStyleLbl="bgShp" presStyleIdx="1" presStyleCnt="2"/>
+      <dgm:spPr/>
+    </dgm:pt>
+    <dgm:pt modelId="{1BC32F81-FF4C-4206-B449-6D6F7B1484E5}" type="pres">
+      <dgm:prSet presAssocID="{F618EED3-6B85-479D-B137-F7B65926BE9B}" presName="iconRect" presStyleLbl="node1" presStyleIdx="1" presStyleCnt="2"/>
+      <dgm:spPr>
+        <a:blipFill>
+          <a:blip xmlns:r="http://schemas.openxmlformats.org/officeDocument/2006/relationships" r:embed="rId3">
+            <a:extLst>
+              <a:ext uri="{28A0092B-C50C-407E-A947-70E740481C1C}">
+                <a14:useLocalDpi xmlns:a14="http://schemas.microsoft.com/office/drawing/2010/main" val="0"/>
+              </a:ext>
+              <a:ext uri="{96DAC541-7B7A-43D3-8B79-37D633B846F1}">
+                <asvg:svgBlip xmlns:asvg="http://schemas.microsoft.com/office/drawing/2016/SVG/main" r:embed="rId4"/>
+              </a:ext>
+            </a:extLst>
+          </a:blip>
+          <a:stretch>
+            <a:fillRect/>
+          </a:stretch>
+        </a:blipFill>
+        <a:ln>
+          <a:noFill/>
+        </a:ln>
+      </dgm:spPr>
+      <dgm:extLst>
+        <a:ext uri="{E40237B7-FDA0-4F09-8148-C483321AD2D9}">
+          <dgm14:cNvPr xmlns:dgm14="http://schemas.microsoft.com/office/drawing/2010/diagram" id="0" name="" descr="Computer"/>
+        </a:ext>
+      </dgm:extLst>
+    </dgm:pt>
+    <dgm:pt modelId="{FA829566-0A8E-4DA1-A701-E8FE65679C92}" type="pres">
+      <dgm:prSet presAssocID="{F618EED3-6B85-479D-B137-F7B65926BE9B}" presName="spaceRect" presStyleCnt="0"/>
+      <dgm:spPr/>
+    </dgm:pt>
+    <dgm:pt modelId="{E2D47E35-15C0-4B9B-B0DD-D95F94007B3C}" type="pres">
+      <dgm:prSet presAssocID="{F618EED3-6B85-479D-B137-F7B65926BE9B}" presName="parTx" presStyleLbl="revTx" presStyleIdx="2" presStyleCnt="3">
+        <dgm:presLayoutVars>
+          <dgm:chMax val="0"/>
+          <dgm:chPref val="0"/>
+        </dgm:presLayoutVars>
+      </dgm:prSet>
+      <dgm:spPr/>
+    </dgm:pt>
+  </dgm:ptLst>
+  <dgm:cxnLst>
+    <dgm:cxn modelId="{81BCF200-93F7-4BA9-9E86-B2A8A0EF10F4}" type="presOf" srcId="{F0FAC75A-8955-4E76-AB73-C469DC382790}" destId="{7C61FBCC-536D-4314-8B27-12F908B1F420}" srcOrd="0" destOrd="0" presId="urn:microsoft.com/office/officeart/2018/2/layout/IconVerticalSolidList"/>
+    <dgm:cxn modelId="{C8946D04-906D-4DAE-9CAB-368C4C105BD3}" srcId="{F0FAC75A-8955-4E76-AB73-C469DC382790}" destId="{F08586BD-6A22-4E07-AB23-6360B510452A}" srcOrd="0" destOrd="0" parTransId="{7DFCBFEA-C817-4083-8854-C04D0A87FAE1}" sibTransId="{921FFFCC-7D86-441F-B0A8-B939AE45FB85}"/>
+    <dgm:cxn modelId="{306E610C-EA7E-4C01-AA9A-AEB3E96F685C}" srcId="{AC16E00A-1125-4115-B630-7444E24EBA72}" destId="{F0FAC75A-8955-4E76-AB73-C469DC382790}" srcOrd="0" destOrd="0" parTransId="{FC326B24-18AA-4FCA-BB5C-DF167F096D6D}" sibTransId="{CAA57AAD-D612-4335-8E18-C02D969BDA8F}"/>
+    <dgm:cxn modelId="{FDE42849-2B9E-4C4E-B5A4-57BA65CBA9BF}" type="presOf" srcId="{F08586BD-6A22-4E07-AB23-6360B510452A}" destId="{C83DD818-D9FF-46FC-A074-294D4361DDDF}" srcOrd="0" destOrd="0" presId="urn:microsoft.com/office/officeart/2018/2/layout/IconVerticalSolidList"/>
+    <dgm:cxn modelId="{73737550-BF85-4545-AA85-69B0E97C69C9}" type="presOf" srcId="{AC16E00A-1125-4115-B630-7444E24EBA72}" destId="{B48C6CB8-895F-4214-9825-0805859DF4E0}" srcOrd="0" destOrd="0" presId="urn:microsoft.com/office/officeart/2018/2/layout/IconVerticalSolidList"/>
+    <dgm:cxn modelId="{A44BA09C-F149-47A9-B0B6-A5F78804BC04}" type="presOf" srcId="{387F162E-BEB2-4645-8A14-E1CDFC1FC7D3}" destId="{C83DD818-D9FF-46FC-A074-294D4361DDDF}" srcOrd="0" destOrd="1" presId="urn:microsoft.com/office/officeart/2018/2/layout/IconVerticalSolidList"/>
+    <dgm:cxn modelId="{EDE43DB1-5314-42BD-AEE5-5C814B368990}" srcId="{AC16E00A-1125-4115-B630-7444E24EBA72}" destId="{F618EED3-6B85-479D-B137-F7B65926BE9B}" srcOrd="1" destOrd="0" parTransId="{CFE84B4A-F9D5-444C-9849-4DDA6E8E12A6}" sibTransId="{FF723FF5-9692-44F3-A281-FABD30A0BF6D}"/>
+    <dgm:cxn modelId="{E51428E4-B899-4D6E-8104-8E75F439B86B}" type="presOf" srcId="{F618EED3-6B85-479D-B137-F7B65926BE9B}" destId="{E2D47E35-15C0-4B9B-B0DD-D95F94007B3C}" srcOrd="0" destOrd="0" presId="urn:microsoft.com/office/officeart/2018/2/layout/IconVerticalSolidList"/>
+    <dgm:cxn modelId="{290E6CED-B014-4F6B-A155-C20C500EBD56}" srcId="{F0FAC75A-8955-4E76-AB73-C469DC382790}" destId="{387F162E-BEB2-4645-8A14-E1CDFC1FC7D3}" srcOrd="1" destOrd="0" parTransId="{85EF7F95-A236-4CDA-9145-1226A3561C9B}" sibTransId="{B61CA01E-D320-4F4B-A28E-194C8E5A1275}"/>
+    <dgm:cxn modelId="{24B45E09-CF92-4AE5-8736-738AB37DFB55}" type="presParOf" srcId="{B48C6CB8-895F-4214-9825-0805859DF4E0}" destId="{D15A9653-AEA3-425D-AEE8-12DD7959CC57}" srcOrd="0" destOrd="0" presId="urn:microsoft.com/office/officeart/2018/2/layout/IconVerticalSolidList"/>
+    <dgm:cxn modelId="{E8DCBBAF-8FDB-402A-8541-171C555E0E8F}" type="presParOf" srcId="{D15A9653-AEA3-425D-AEE8-12DD7959CC57}" destId="{0094B644-C9CC-41C0-B1AB-C212BF9F517B}" srcOrd="0" destOrd="0" presId="urn:microsoft.com/office/officeart/2018/2/layout/IconVerticalSolidList"/>
+    <dgm:cxn modelId="{6740A7E6-CB8A-40B6-AE92-66CFB0AF3B87}" type="presParOf" srcId="{D15A9653-AEA3-425D-AEE8-12DD7959CC57}" destId="{953B1719-FDAC-4AAE-927F-9E1A67FD3F0A}" srcOrd="1" destOrd="0" presId="urn:microsoft.com/office/officeart/2018/2/layout/IconVerticalSolidList"/>
+    <dgm:cxn modelId="{2DBDADBC-B072-4C11-928C-45194337F70B}" type="presParOf" srcId="{D15A9653-AEA3-425D-AEE8-12DD7959CC57}" destId="{25001F1B-E163-4C75-B9C2-858198331543}" srcOrd="2" destOrd="0" presId="urn:microsoft.com/office/officeart/2018/2/layout/IconVerticalSolidList"/>
+    <dgm:cxn modelId="{6A644984-9562-4592-994E-47369CC57268}" type="presParOf" srcId="{D15A9653-AEA3-425D-AEE8-12DD7959CC57}" destId="{7C61FBCC-536D-4314-8B27-12F908B1F420}" srcOrd="3" destOrd="0" presId="urn:microsoft.com/office/officeart/2018/2/layout/IconVerticalSolidList"/>
+    <dgm:cxn modelId="{D5C76FB6-7083-442A-8B80-06EB99F83614}" type="presParOf" srcId="{D15A9653-AEA3-425D-AEE8-12DD7959CC57}" destId="{C83DD818-D9FF-46FC-A074-294D4361DDDF}" srcOrd="4" destOrd="0" presId="urn:microsoft.com/office/officeart/2018/2/layout/IconVerticalSolidList"/>
+    <dgm:cxn modelId="{6462C07C-9B03-4118-A482-EB49973BE02D}" type="presParOf" srcId="{B48C6CB8-895F-4214-9825-0805859DF4E0}" destId="{9A6FB30B-8879-4EEF-8655-4474B3125CF0}" srcOrd="1" destOrd="0" presId="urn:microsoft.com/office/officeart/2018/2/layout/IconVerticalSolidList"/>
+    <dgm:cxn modelId="{5278552E-7429-4B47-8256-BDCD8D9B90D1}" type="presParOf" srcId="{B48C6CB8-895F-4214-9825-0805859DF4E0}" destId="{BDCA2CD9-6D9F-4E05-AA4C-013CAA4C6B70}" srcOrd="2" destOrd="0" presId="urn:microsoft.com/office/officeart/2018/2/layout/IconVerticalSolidList"/>
+    <dgm:cxn modelId="{CBCFAF32-2F2B-4F96-9FEB-E830C8FB01AC}" type="presParOf" srcId="{BDCA2CD9-6D9F-4E05-AA4C-013CAA4C6B70}" destId="{71B70731-ECE8-4079-9C0A-BDC11A47DA24}" srcOrd="0" destOrd="0" presId="urn:microsoft.com/office/officeart/2018/2/layout/IconVerticalSolidList"/>
+    <dgm:cxn modelId="{E24DB0E6-9C50-4234-BFD8-A699C1456E31}" type="presParOf" srcId="{BDCA2CD9-6D9F-4E05-AA4C-013CAA4C6B70}" destId="{1BC32F81-FF4C-4206-B449-6D6F7B1484E5}" srcOrd="1" destOrd="0" presId="urn:microsoft.com/office/officeart/2018/2/layout/IconVerticalSolidList"/>
+    <dgm:cxn modelId="{0C2C24BD-3CD4-4BE1-BB86-B05E236A07EC}" type="presParOf" srcId="{BDCA2CD9-6D9F-4E05-AA4C-013CAA4C6B70}" destId="{FA829566-0A8E-4DA1-A701-E8FE65679C92}" srcOrd="2" destOrd="0" presId="urn:microsoft.com/office/officeart/2018/2/layout/IconVerticalSolidList"/>
+    <dgm:cxn modelId="{1B6674A1-323A-4CFF-A418-0C1762BD1143}" type="presParOf" srcId="{BDCA2CD9-6D9F-4E05-AA4C-013CAA4C6B70}" destId="{E2D47E35-15C0-4B9B-B0DD-D95F94007B3C}" srcOrd="3" destOrd="0" presId="urn:microsoft.com/office/officeart/2018/2/layout/IconVerticalSolidList"/>
+  </dgm:cxnLst>
+  <dgm:bg/>
+  <dgm:whole/>
+  <dgm:extLst>
+    <a:ext uri="http://schemas.microsoft.com/office/drawing/2008/diagram">
+      <dsp:dataModelExt xmlns:dsp="http://schemas.microsoft.com/office/drawing/2008/diagram" relId="rId8" minVer="http://schemas.openxmlformats.org/drawingml/2006/diagram"/>
     </a:ext>
   </dgm:extLst>
 </dgm:dataModel>
@@ -5655,6 +7956,402 @@
       <dsp:txXfrm rot="-5400000">
         <a:off x="734822" y="1722206"/>
         <a:ext cx="4057868" cy="615716"/>
+      </dsp:txXfrm>
+    </dsp:sp>
+  </dsp:spTree>
+</dsp:drawing>
+</file>
+
+<file path=ppt/diagrams/drawing4.xml><?xml version="1.0" encoding="utf-8"?>
+<dsp:drawing xmlns:dgm="http://schemas.openxmlformats.org/drawingml/2006/diagram" xmlns:dsp="http://schemas.microsoft.com/office/drawing/2008/diagram" xmlns:a="http://schemas.openxmlformats.org/drawingml/2006/main">
+  <dsp:spTree>
+    <dsp:nvGrpSpPr>
+      <dsp:cNvPr id="0" name=""/>
+      <dsp:cNvGrpSpPr/>
+    </dsp:nvGrpSpPr>
+    <dsp:grpSpPr/>
+    <dsp:sp modelId="{0094B644-C9CC-41C0-B1AB-C212BF9F517B}">
+      <dsp:nvSpPr>
+        <dsp:cNvPr id="0" name=""/>
+        <dsp:cNvSpPr/>
+      </dsp:nvSpPr>
+      <dsp:spPr>
+        <a:xfrm>
+          <a:off x="0" y="796176"/>
+          <a:ext cx="6266011" cy="1469864"/>
+        </a:xfrm>
+        <a:prstGeom prst="roundRect">
+          <a:avLst>
+            <a:gd name="adj" fmla="val 10000"/>
+          </a:avLst>
+        </a:prstGeom>
+        <a:solidFill>
+          <a:schemeClr val="bg1">
+            <a:lumMod val="95000"/>
+            <a:hueOff val="0"/>
+            <a:satOff val="0"/>
+            <a:lumOff val="0"/>
+            <a:alphaOff val="0"/>
+          </a:schemeClr>
+        </a:solidFill>
+        <a:ln>
+          <a:noFill/>
+        </a:ln>
+        <a:effectLst/>
+      </dsp:spPr>
+      <dsp:style>
+        <a:lnRef idx="0">
+          <a:scrgbClr r="0" g="0" b="0"/>
+        </a:lnRef>
+        <a:fillRef idx="1">
+          <a:scrgbClr r="0" g="0" b="0"/>
+        </a:fillRef>
+        <a:effectRef idx="0">
+          <a:scrgbClr r="0" g="0" b="0"/>
+        </a:effectRef>
+        <a:fontRef idx="minor"/>
+      </dsp:style>
+    </dsp:sp>
+    <dsp:sp modelId="{953B1719-FDAC-4AAE-927F-9E1A67FD3F0A}">
+      <dsp:nvSpPr>
+        <dsp:cNvPr id="0" name=""/>
+        <dsp:cNvSpPr/>
+      </dsp:nvSpPr>
+      <dsp:spPr>
+        <a:xfrm>
+          <a:off x="444633" y="1126895"/>
+          <a:ext cx="808425" cy="808425"/>
+        </a:xfrm>
+        <a:prstGeom prst="rect">
+          <a:avLst/>
+        </a:prstGeom>
+        <a:blipFill>
+          <a:blip xmlns:r="http://schemas.openxmlformats.org/officeDocument/2006/relationships" r:embed="rId1">
+            <a:extLst>
+              <a:ext uri="{28A0092B-C50C-407E-A947-70E740481C1C}">
+                <a14:useLocalDpi xmlns:a14="http://schemas.microsoft.com/office/drawing/2010/main" val="0"/>
+              </a:ext>
+              <a:ext uri="{96DAC541-7B7A-43D3-8B79-37D633B846F1}">
+                <asvg:svgBlip xmlns:asvg="http://schemas.microsoft.com/office/drawing/2016/SVG/main" r:embed="rId2"/>
+              </a:ext>
+            </a:extLst>
+          </a:blip>
+          <a:stretch>
+            <a:fillRect/>
+          </a:stretch>
+        </a:blipFill>
+        <a:ln w="15875" cap="rnd" cmpd="sng" algn="ctr">
+          <a:noFill/>
+          <a:prstDash val="solid"/>
+        </a:ln>
+        <a:effectLst/>
+      </dsp:spPr>
+      <dsp:style>
+        <a:lnRef idx="2">
+          <a:scrgbClr r="0" g="0" b="0"/>
+        </a:lnRef>
+        <a:fillRef idx="1">
+          <a:scrgbClr r="0" g="0" b="0"/>
+        </a:fillRef>
+        <a:effectRef idx="0">
+          <a:scrgbClr r="0" g="0" b="0"/>
+        </a:effectRef>
+        <a:fontRef idx="minor">
+          <a:schemeClr val="lt1"/>
+        </a:fontRef>
+      </dsp:style>
+    </dsp:sp>
+    <dsp:sp modelId="{7C61FBCC-536D-4314-8B27-12F908B1F420}">
+      <dsp:nvSpPr>
+        <dsp:cNvPr id="0" name=""/>
+        <dsp:cNvSpPr/>
+      </dsp:nvSpPr>
+      <dsp:spPr>
+        <a:xfrm>
+          <a:off x="1697693" y="796176"/>
+          <a:ext cx="2819704" cy="1469864"/>
+        </a:xfrm>
+        <a:prstGeom prst="rect">
+          <a:avLst/>
+        </a:prstGeom>
+        <a:noFill/>
+        <a:ln>
+          <a:noFill/>
+        </a:ln>
+        <a:effectLst/>
+      </dsp:spPr>
+      <dsp:style>
+        <a:lnRef idx="0">
+          <a:scrgbClr r="0" g="0" b="0"/>
+        </a:lnRef>
+        <a:fillRef idx="0">
+          <a:scrgbClr r="0" g="0" b="0"/>
+        </a:fillRef>
+        <a:effectRef idx="0">
+          <a:scrgbClr r="0" g="0" b="0"/>
+        </a:effectRef>
+        <a:fontRef idx="minor"/>
+      </dsp:style>
+      <dsp:txBody>
+        <a:bodyPr spcFirstLastPara="0" vert="horz" wrap="square" lIns="155561" tIns="155561" rIns="155561" bIns="155561" numCol="1" spcCol="1270" anchor="ctr" anchorCtr="0">
+          <a:noAutofit/>
+        </a:bodyPr>
+        <a:lstStyle/>
+        <a:p>
+          <a:pPr marL="0" lvl="0" indent="0" algn="l" defTabSz="1111250">
+            <a:lnSpc>
+              <a:spcPct val="90000"/>
+            </a:lnSpc>
+            <a:spcBef>
+              <a:spcPct val="0"/>
+            </a:spcBef>
+            <a:spcAft>
+              <a:spcPct val="35000"/>
+            </a:spcAft>
+            <a:buNone/>
+          </a:pPr>
+          <a:r>
+            <a:rPr lang="it-IT" sz="2500" kern="1200"/>
+            <a:t>Strumenti utilizzati:</a:t>
+          </a:r>
+          <a:endParaRPr lang="en-US" sz="2500" kern="1200"/>
+        </a:p>
+      </dsp:txBody>
+      <dsp:txXfrm>
+        <a:off x="1697693" y="796176"/>
+        <a:ext cx="2819704" cy="1469864"/>
+      </dsp:txXfrm>
+    </dsp:sp>
+    <dsp:sp modelId="{C83DD818-D9FF-46FC-A074-294D4361DDDF}">
+      <dsp:nvSpPr>
+        <dsp:cNvPr id="0" name=""/>
+        <dsp:cNvSpPr/>
+      </dsp:nvSpPr>
+      <dsp:spPr>
+        <a:xfrm>
+          <a:off x="4517397" y="796176"/>
+          <a:ext cx="1748613" cy="1469864"/>
+        </a:xfrm>
+        <a:prstGeom prst="rect">
+          <a:avLst/>
+        </a:prstGeom>
+        <a:noFill/>
+        <a:ln>
+          <a:noFill/>
+        </a:ln>
+        <a:effectLst/>
+      </dsp:spPr>
+      <dsp:style>
+        <a:lnRef idx="0">
+          <a:scrgbClr r="0" g="0" b="0"/>
+        </a:lnRef>
+        <a:fillRef idx="0">
+          <a:scrgbClr r="0" g="0" b="0"/>
+        </a:fillRef>
+        <a:effectRef idx="0">
+          <a:scrgbClr r="0" g="0" b="0"/>
+        </a:effectRef>
+        <a:fontRef idx="minor"/>
+      </dsp:style>
+      <dsp:txBody>
+        <a:bodyPr spcFirstLastPara="0" vert="horz" wrap="square" lIns="155561" tIns="155561" rIns="155561" bIns="155561" numCol="1" spcCol="1270" anchor="ctr" anchorCtr="0">
+          <a:noAutofit/>
+        </a:bodyPr>
+        <a:lstStyle/>
+        <a:p>
+          <a:pPr marL="0" lvl="0" indent="0" algn="l" defTabSz="711200">
+            <a:lnSpc>
+              <a:spcPct val="90000"/>
+            </a:lnSpc>
+            <a:spcBef>
+              <a:spcPct val="0"/>
+            </a:spcBef>
+            <a:spcAft>
+              <a:spcPct val="35000"/>
+            </a:spcAft>
+            <a:buNone/>
+          </a:pPr>
+          <a:r>
+            <a:rPr lang="it-IT" sz="1600" kern="1200" dirty="0"/>
+            <a:t>Python per l’exec dei Client</a:t>
+          </a:r>
+          <a:endParaRPr lang="en-US" sz="1600" kern="1200" dirty="0"/>
+        </a:p>
+        <a:p>
+          <a:pPr marL="0" lvl="0" indent="0" algn="l" defTabSz="711200">
+            <a:lnSpc>
+              <a:spcPct val="90000"/>
+            </a:lnSpc>
+            <a:spcBef>
+              <a:spcPct val="0"/>
+            </a:spcBef>
+            <a:spcAft>
+              <a:spcPct val="35000"/>
+            </a:spcAft>
+            <a:buNone/>
+          </a:pPr>
+          <a:r>
+            <a:rPr lang="it-IT" sz="1600" kern="1200" dirty="0"/>
+            <a:t>Matplotlib per il plot dei grafici</a:t>
+          </a:r>
+          <a:endParaRPr lang="en-US" sz="1600" kern="1200" dirty="0"/>
+        </a:p>
+      </dsp:txBody>
+      <dsp:txXfrm>
+        <a:off x="4517397" y="796176"/>
+        <a:ext cx="1748613" cy="1469864"/>
+      </dsp:txXfrm>
+    </dsp:sp>
+    <dsp:sp modelId="{71B70731-ECE8-4079-9C0A-BDC11A47DA24}">
+      <dsp:nvSpPr>
+        <dsp:cNvPr id="0" name=""/>
+        <dsp:cNvSpPr/>
+      </dsp:nvSpPr>
+      <dsp:spPr>
+        <a:xfrm>
+          <a:off x="0" y="2633506"/>
+          <a:ext cx="6266011" cy="1469864"/>
+        </a:xfrm>
+        <a:prstGeom prst="roundRect">
+          <a:avLst>
+            <a:gd name="adj" fmla="val 10000"/>
+          </a:avLst>
+        </a:prstGeom>
+        <a:solidFill>
+          <a:schemeClr val="bg1">
+            <a:lumMod val="95000"/>
+            <a:hueOff val="0"/>
+            <a:satOff val="0"/>
+            <a:lumOff val="0"/>
+            <a:alphaOff val="0"/>
+          </a:schemeClr>
+        </a:solidFill>
+        <a:ln>
+          <a:noFill/>
+        </a:ln>
+        <a:effectLst/>
+      </dsp:spPr>
+      <dsp:style>
+        <a:lnRef idx="0">
+          <a:scrgbClr r="0" g="0" b="0"/>
+        </a:lnRef>
+        <a:fillRef idx="1">
+          <a:scrgbClr r="0" g="0" b="0"/>
+        </a:fillRef>
+        <a:effectRef idx="0">
+          <a:scrgbClr r="0" g="0" b="0"/>
+        </a:effectRef>
+        <a:fontRef idx="minor"/>
+      </dsp:style>
+    </dsp:sp>
+    <dsp:sp modelId="{1BC32F81-FF4C-4206-B449-6D6F7B1484E5}">
+      <dsp:nvSpPr>
+        <dsp:cNvPr id="0" name=""/>
+        <dsp:cNvSpPr/>
+      </dsp:nvSpPr>
+      <dsp:spPr>
+        <a:xfrm>
+          <a:off x="444633" y="2964225"/>
+          <a:ext cx="808425" cy="808425"/>
+        </a:xfrm>
+        <a:prstGeom prst="rect">
+          <a:avLst/>
+        </a:prstGeom>
+        <a:blipFill>
+          <a:blip xmlns:r="http://schemas.openxmlformats.org/officeDocument/2006/relationships" r:embed="rId3">
+            <a:extLst>
+              <a:ext uri="{28A0092B-C50C-407E-A947-70E740481C1C}">
+                <a14:useLocalDpi xmlns:a14="http://schemas.microsoft.com/office/drawing/2010/main" val="0"/>
+              </a:ext>
+              <a:ext uri="{96DAC541-7B7A-43D3-8B79-37D633B846F1}">
+                <asvg:svgBlip xmlns:asvg="http://schemas.microsoft.com/office/drawing/2016/SVG/main" r:embed="rId4"/>
+              </a:ext>
+            </a:extLst>
+          </a:blip>
+          <a:stretch>
+            <a:fillRect/>
+          </a:stretch>
+        </a:blipFill>
+        <a:ln w="15875" cap="rnd" cmpd="sng" algn="ctr">
+          <a:noFill/>
+          <a:prstDash val="solid"/>
+        </a:ln>
+        <a:effectLst/>
+      </dsp:spPr>
+      <dsp:style>
+        <a:lnRef idx="2">
+          <a:scrgbClr r="0" g="0" b="0"/>
+        </a:lnRef>
+        <a:fillRef idx="1">
+          <a:scrgbClr r="0" g="0" b="0"/>
+        </a:fillRef>
+        <a:effectRef idx="0">
+          <a:scrgbClr r="0" g="0" b="0"/>
+        </a:effectRef>
+        <a:fontRef idx="minor">
+          <a:schemeClr val="lt1"/>
+        </a:fontRef>
+      </dsp:style>
+    </dsp:sp>
+    <dsp:sp modelId="{E2D47E35-15C0-4B9B-B0DD-D95F94007B3C}">
+      <dsp:nvSpPr>
+        <dsp:cNvPr id="0" name=""/>
+        <dsp:cNvSpPr/>
+      </dsp:nvSpPr>
+      <dsp:spPr>
+        <a:xfrm>
+          <a:off x="1697693" y="2633506"/>
+          <a:ext cx="4568317" cy="1469864"/>
+        </a:xfrm>
+        <a:prstGeom prst="rect">
+          <a:avLst/>
+        </a:prstGeom>
+        <a:noFill/>
+        <a:ln>
+          <a:noFill/>
+        </a:ln>
+        <a:effectLst/>
+      </dsp:spPr>
+      <dsp:style>
+        <a:lnRef idx="0">
+          <a:scrgbClr r="0" g="0" b="0"/>
+        </a:lnRef>
+        <a:fillRef idx="0">
+          <a:scrgbClr r="0" g="0" b="0"/>
+        </a:fillRef>
+        <a:effectRef idx="0">
+          <a:scrgbClr r="0" g="0" b="0"/>
+        </a:effectRef>
+        <a:fontRef idx="minor"/>
+      </dsp:style>
+      <dsp:txBody>
+        <a:bodyPr spcFirstLastPara="0" vert="horz" wrap="square" lIns="155561" tIns="155561" rIns="155561" bIns="155561" numCol="1" spcCol="1270" anchor="ctr" anchorCtr="0">
+          <a:noAutofit/>
+        </a:bodyPr>
+        <a:lstStyle/>
+        <a:p>
+          <a:pPr marL="0" lvl="0" indent="0" algn="l" defTabSz="1111250">
+            <a:lnSpc>
+              <a:spcPct val="90000"/>
+            </a:lnSpc>
+            <a:spcBef>
+              <a:spcPct val="0"/>
+            </a:spcBef>
+            <a:spcAft>
+              <a:spcPct val="35000"/>
+            </a:spcAft>
+            <a:buNone/>
+          </a:pPr>
+          <a:r>
+            <a:rPr lang="it-IT" sz="2500" kern="1200" dirty="0"/>
+            <a:t>Test con 1,2 e 10 client, 500 files gestiti dal server e 1000 richieste per ogni Client</a:t>
+          </a:r>
+          <a:endParaRPr lang="en-US" sz="2500" kern="1200" dirty="0"/>
+        </a:p>
+      </dsp:txBody>
+      <dsp:txXfrm>
+        <a:off x="1697693" y="2633506"/>
+        <a:ext cx="4568317" cy="1469864"/>
       </dsp:txXfrm>
     </dsp:sp>
   </dsp:spTree>
@@ -7357,6 +10054,300 @@
 </dgm:layoutDef>
 </file>
 
+<file path=ppt/diagrams/layout4.xml><?xml version="1.0" encoding="utf-8"?>
+<dgm:layoutDef xmlns:dgm="http://schemas.openxmlformats.org/drawingml/2006/diagram" xmlns:a="http://schemas.openxmlformats.org/drawingml/2006/main" uniqueId="urn:microsoft.com/office/officeart/2018/2/layout/IconVerticalSolidList">
+  <dgm:title val="Icon Vertical Solid List"/>
+  <dgm:desc val="Use to show a series of visuals from top to bottom with Level 1 or Level 1 and Level 2 text grouped in a shape. Works best with icons or small pictures with lengthier descriptions."/>
+  <dgm:catLst>
+    <dgm:cat type="icon" pri="500"/>
+  </dgm:catLst>
+  <dgm:sampData useDef="1">
+    <dgm:dataModel>
+      <dgm:ptLst/>
+      <dgm:bg/>
+      <dgm:whole/>
+    </dgm:dataModel>
+  </dgm:sampData>
+  <dgm:styleData useDef="1">
+    <dgm:dataModel>
+      <dgm:ptLst/>
+      <dgm:bg/>
+      <dgm:whole/>
+    </dgm:dataModel>
+  </dgm:styleData>
+  <dgm:clrData useDef="1">
+    <dgm:dataModel>
+      <dgm:ptLst/>
+      <dgm:bg/>
+      <dgm:whole/>
+    </dgm:dataModel>
+  </dgm:clrData>
+  <dgm:layoutNode name="root">
+    <dgm:varLst>
+      <dgm:dir/>
+      <dgm:resizeHandles val="exact"/>
+    </dgm:varLst>
+    <dgm:choose name="Name0">
+      <dgm:if name="Name1" axis="self" func="var" arg="dir" op="equ" val="norm">
+        <dgm:alg type="lin">
+          <dgm:param type="linDir" val="fromT"/>
+          <dgm:param type="nodeHorzAlign" val="l"/>
+        </dgm:alg>
+      </dgm:if>
+      <dgm:else name="Name2">
+        <dgm:alg type="lin">
+          <dgm:param type="linDir" val="fromT"/>
+          <dgm:param type="nodeHorzAlign" val="r"/>
+        </dgm:alg>
+      </dgm:else>
+    </dgm:choose>
+    <dgm:shape xmlns:r="http://schemas.openxmlformats.org/officeDocument/2006/relationships" r:blip="">
+      <dgm:adjLst/>
+    </dgm:shape>
+    <dgm:presOf/>
+    <dgm:choose name="Name3">
+      <dgm:if name="Name4" axis="ch" ptType="node" func="cnt" op="lte" val="3">
+        <dgm:constrLst>
+          <dgm:constr type="h" for="ch" forName="compNode" refType="h" fact="0.3"/>
+          <dgm:constr type="w" for="ch" forName="compNode" refType="w"/>
+          <dgm:constr type="h" for="ch" forName="sibTrans" refType="h" refFor="ch" refForName="compNode" fact="0.25"/>
+          <dgm:constr type="primFontSz" for="des" forName="parTx" val="25"/>
+          <dgm:constr type="primFontSz" for="des" forName="desTx" refType="primFontSz" refFor="des" refForName="parTx" op="lte" fact="0.75"/>
+          <dgm:constr type="h" for="des" forName="compNode" op="equ"/>
+          <dgm:constr type="h" for="des" forName="bgRect" op="equ"/>
+          <dgm:constr type="h" for="des" forName="iconRect" op="equ"/>
+          <dgm:constr type="w" for="des" forName="iconRect" op="equ"/>
+          <dgm:constr type="h" for="des" forName="spaceRect" op="equ"/>
+          <dgm:constr type="h" for="des" forName="parTx" op="equ"/>
+          <dgm:constr type="h" for="des" forName="desTx" op="equ"/>
+        </dgm:constrLst>
+      </dgm:if>
+      <dgm:if name="Name5" axis="ch" ptType="node" func="cnt" op="lte" val="4">
+        <dgm:constrLst>
+          <dgm:constr type="h" for="ch" forName="compNode" refType="h" fact="0.3"/>
+          <dgm:constr type="w" for="ch" forName="compNode" refType="w"/>
+          <dgm:constr type="h" for="ch" forName="sibTrans" refType="h" refFor="ch" refForName="compNode" fact="0.25"/>
+          <dgm:constr type="primFontSz" for="des" forName="parTx" val="22"/>
+          <dgm:constr type="primFontSz" for="des" forName="desTx" refType="primFontSz" refFor="des" refForName="parTx" op="lte" fact="0.75"/>
+          <dgm:constr type="h" for="des" forName="compNode" op="equ"/>
+          <dgm:constr type="h" for="des" forName="bgRect" op="equ"/>
+          <dgm:constr type="h" for="des" forName="iconRect" op="equ"/>
+          <dgm:constr type="w" for="des" forName="iconRect" op="equ"/>
+          <dgm:constr type="h" for="des" forName="spaceRect" op="equ"/>
+          <dgm:constr type="h" for="des" forName="parTx" op="equ"/>
+          <dgm:constr type="h" for="des" forName="desTx" op="equ"/>
+        </dgm:constrLst>
+      </dgm:if>
+      <dgm:if name="Name6" axis="ch" ptType="node" func="cnt" op="lte" val="6">
+        <dgm:constrLst>
+          <dgm:constr type="h" for="ch" forName="compNode" refType="h" fact="0.3"/>
+          <dgm:constr type="w" for="ch" forName="compNode" refType="w"/>
+          <dgm:constr type="h" for="ch" forName="sibTrans" refType="h" refFor="ch" refForName="compNode" fact="0.25"/>
+          <dgm:constr type="primFontSz" for="des" forName="parTx" val="19"/>
+          <dgm:constr type="primFontSz" for="des" forName="desTx" refType="primFontSz" refFor="des" refForName="parTx" op="lte" fact="0.75"/>
+          <dgm:constr type="h" for="des" forName="compNode" op="equ"/>
+          <dgm:constr type="h" for="des" forName="bgRect" op="equ"/>
+          <dgm:constr type="h" for="des" forName="iconRect" op="equ"/>
+          <dgm:constr type="w" for="des" forName="iconRect" op="equ"/>
+          <dgm:constr type="h" for="des" forName="spaceRect" op="equ"/>
+          <dgm:constr type="h" for="des" forName="parTx" op="equ"/>
+          <dgm:constr type="h" for="des" forName="desTx" op="equ"/>
+        </dgm:constrLst>
+      </dgm:if>
+      <dgm:else name="Name7">
+        <dgm:constrLst>
+          <dgm:constr type="h" for="ch" forName="compNode" refType="h" fact="0.3"/>
+          <dgm:constr type="w" for="ch" forName="compNode" refType="w"/>
+          <dgm:constr type="h" for="ch" forName="sibTrans" refType="h" refFor="ch" refForName="compNode" fact="0.25"/>
+          <dgm:constr type="primFontSz" for="des" forName="parTx" val="16"/>
+          <dgm:constr type="primFontSz" for="des" forName="desTx" refType="primFontSz" refFor="des" refForName="parTx" op="lte" fact="0.75"/>
+          <dgm:constr type="h" for="des" forName="compNode" op="equ"/>
+          <dgm:constr type="h" for="des" forName="bgRect" op="equ"/>
+          <dgm:constr type="h" for="des" forName="iconRect" op="equ"/>
+          <dgm:constr type="w" for="des" forName="iconRect" op="equ"/>
+          <dgm:constr type="h" for="des" forName="spaceRect" op="equ"/>
+          <dgm:constr type="h" for="des" forName="parTx" op="equ"/>
+          <dgm:constr type="h" for="des" forName="desTx" op="equ"/>
+        </dgm:constrLst>
+      </dgm:else>
+    </dgm:choose>
+    <dgm:ruleLst>
+      <dgm:rule type="h" for="ch" forName="compNode" val="0" fact="NaN" max="NaN"/>
+    </dgm:ruleLst>
+    <dgm:forEach name="Name8" axis="ch" ptType="node">
+      <dgm:layoutNode name="compNode">
+        <dgm:alg type="composite"/>
+        <dgm:shape xmlns:r="http://schemas.openxmlformats.org/officeDocument/2006/relationships" r:blip="">
+          <dgm:adjLst/>
+        </dgm:shape>
+        <dgm:presOf axis="self"/>
+        <dgm:choose name="Name9">
+          <dgm:if name="Name10" axis="ch" ptType="node" func="cnt" op="gte" val="1">
+            <dgm:constrLst>
+              <dgm:constr type="w" for="ch" forName="bgRect" refType="w"/>
+              <dgm:constr type="h" for="ch" forName="bgRect" refType="h"/>
+              <dgm:constr type="l" for="ch" forName="bgRect"/>
+              <dgm:constr type="t" for="ch" forName="bgRect"/>
+              <dgm:constr type="h" for="ch" forName="iconRect" refType="h" fact="0.55"/>
+              <dgm:constr type="w" for="ch" forName="iconRect" refType="h" refFor="ch" refForName="iconRect"/>
+              <dgm:constr type="l" for="ch" forName="iconRect" refType="h" refFor="ch" refForName="iconRect" fact="0.55"/>
+              <dgm:constr type="ctrY" for="ch" forName="iconRect" refType="ctrY" refFor="ch" refForName="bgRect"/>
+              <dgm:constr type="w" for="ch" forName="spaceRect" refType="l" refFor="ch" refForName="iconRect"/>
+              <dgm:constr type="h" for="ch" forName="spaceRect" refType="h"/>
+              <dgm:constr type="l" for="ch" forName="spaceRect" refType="r" refFor="ch" refForName="iconRect"/>
+              <dgm:constr type="t" for="ch" forName="spaceRect"/>
+              <dgm:constr type="w" for="ch" forName="parTx" refType="w" fact="0.45"/>
+              <dgm:constr type="h" for="ch" forName="parTx" refType="h"/>
+              <dgm:constr type="l" for="ch" forName="parTx" refType="r" refFor="ch" refForName="spaceRect"/>
+              <dgm:constr type="t" for="ch" forName="parTx"/>
+              <dgm:constr type="h" for="ch" forName="desTx" refType="h"/>
+              <dgm:constr type="l" for="ch" forName="desTx" refType="r" refFor="ch" refForName="parTx"/>
+              <dgm:constr type="t" for="ch" forName="desTx"/>
+            </dgm:constrLst>
+          </dgm:if>
+          <dgm:else name="Name11">
+            <dgm:constrLst>
+              <dgm:constr type="w" for="ch" forName="bgRect" refType="w"/>
+              <dgm:constr type="h" for="ch" forName="bgRect" refType="h"/>
+              <dgm:constr type="l" for="ch" forName="bgRect"/>
+              <dgm:constr type="t" for="ch" forName="bgRect"/>
+              <dgm:constr type="h" for="ch" forName="iconRect" refType="h" fact="0.55"/>
+              <dgm:constr type="w" for="ch" forName="iconRect" refType="h" refFor="ch" refForName="iconRect"/>
+              <dgm:constr type="l" for="ch" forName="iconRect" refType="h" refFor="ch" refForName="iconRect" fact="0.55"/>
+              <dgm:constr type="ctrY" for="ch" forName="iconRect" refType="ctrY" refFor="ch" refForName="bgRect"/>
+              <dgm:constr type="w" for="ch" forName="spaceRect" refType="l" refFor="ch" refForName="iconRect"/>
+              <dgm:constr type="h" for="ch" forName="spaceRect" refType="h"/>
+              <dgm:constr type="l" for="ch" forName="spaceRect" refType="r" refFor="ch" refForName="iconRect"/>
+              <dgm:constr type="t" for="ch" forName="spaceRect"/>
+              <dgm:constr type="h" for="ch" forName="parTx" refType="h"/>
+              <dgm:constr type="l" for="ch" forName="parTx" refType="r" refFor="ch" refForName="spaceRect"/>
+              <dgm:constr type="t" for="ch" forName="parTx"/>
+            </dgm:constrLst>
+          </dgm:else>
+        </dgm:choose>
+        <dgm:ruleLst>
+          <dgm:rule type="h" val="INF" fact="NaN" max="NaN"/>
+        </dgm:ruleLst>
+        <dgm:layoutNode name="bgRect" styleLbl="bgShp">
+          <dgm:alg type="sp"/>
+          <dgm:shape xmlns:r="http://schemas.openxmlformats.org/officeDocument/2006/relationships" type="roundRect" r:blip="">
+            <dgm:adjLst>
+              <dgm:adj idx="1" val="0.1"/>
+            </dgm:adjLst>
+          </dgm:shape>
+          <dgm:presOf/>
+          <dgm:constrLst/>
+          <dgm:ruleLst/>
+        </dgm:layoutNode>
+        <dgm:layoutNode name="iconRect" styleLbl="node1">
+          <dgm:alg type="sp"/>
+          <dgm:shape xmlns:r="http://schemas.openxmlformats.org/officeDocument/2006/relationships" type="rect" r:blip="" blipPhldr="1">
+            <dgm:adjLst/>
+          </dgm:shape>
+          <dgm:presOf/>
+          <dgm:constrLst/>
+          <dgm:ruleLst/>
+        </dgm:layoutNode>
+        <dgm:layoutNode name="spaceRect">
+          <dgm:alg type="sp"/>
+          <dgm:shape xmlns:r="http://schemas.openxmlformats.org/officeDocument/2006/relationships" r:blip="">
+            <dgm:adjLst/>
+          </dgm:shape>
+          <dgm:presOf/>
+          <dgm:constrLst/>
+          <dgm:ruleLst/>
+        </dgm:layoutNode>
+        <dgm:layoutNode name="parTx" styleLbl="revTx">
+          <dgm:varLst>
+            <dgm:chMax val="0"/>
+            <dgm:chPref val="0"/>
+          </dgm:varLst>
+          <dgm:alg type="tx">
+            <dgm:param type="txAnchorVert" val="mid"/>
+            <dgm:param type="parTxLTRAlign" val="l"/>
+            <dgm:param type="shpTxLTRAlignCh" val="l"/>
+            <dgm:param type="parTxRTLAlign" val="r"/>
+            <dgm:param type="shpTxRTLAlignCh" val="r"/>
+          </dgm:alg>
+          <dgm:shape xmlns:r="http://schemas.openxmlformats.org/officeDocument/2006/relationships" type="rect" r:blip="">
+            <dgm:adjLst/>
+          </dgm:shape>
+          <dgm:presOf axis="self" ptType="node"/>
+          <dgm:constrLst>
+            <dgm:constr type="lMarg" refType="h" fact="0.3"/>
+            <dgm:constr type="rMarg" refType="h" fact="0.3"/>
+            <dgm:constr type="tMarg" refType="h" fact="0.3"/>
+            <dgm:constr type="bMarg" refType="h" fact="0.3"/>
+          </dgm:constrLst>
+          <dgm:ruleLst>
+            <dgm:rule type="primFontSz" val="14" fact="NaN" max="NaN"/>
+            <dgm:rule type="h" val="INF" fact="NaN" max="NaN"/>
+          </dgm:ruleLst>
+        </dgm:layoutNode>
+        <dgm:choose name="Name12">
+          <dgm:if name="Name13" axis="ch" ptType="node" func="cnt" op="gte" val="1">
+            <dgm:layoutNode name="desTx" styleLbl="revTx">
+              <dgm:varLst/>
+              <dgm:alg type="tx">
+                <dgm:param type="txAnchorVertCh" val="mid"/>
+                <dgm:param type="parTxLTRAlign" val="l"/>
+                <dgm:param type="shpTxLTRAlignCh" val="l"/>
+                <dgm:param type="parTxRTLAlign" val="r"/>
+                <dgm:param type="shpTxRTLAlignCh" val="r"/>
+                <dgm:param type="stBulletLvl" val="0"/>
+              </dgm:alg>
+              <dgm:shape xmlns:r="http://schemas.openxmlformats.org/officeDocument/2006/relationships" type="rect" r:blip="">
+                <dgm:adjLst/>
+              </dgm:shape>
+              <dgm:presOf axis="des" ptType="node"/>
+              <dgm:constrLst>
+                <dgm:constr type="primFontSz" val="18"/>
+                <dgm:constr type="secFontSz" refType="primFontSz"/>
+                <dgm:constr type="lMarg" refType="h" fact="0.3"/>
+                <dgm:constr type="rMarg" refType="h" fact="0.3"/>
+                <dgm:constr type="tMarg" refType="h" fact="0.3"/>
+                <dgm:constr type="bMarg" refType="h" fact="0.3"/>
+              </dgm:constrLst>
+              <dgm:ruleLst>
+                <dgm:rule type="primFontSz" val="11" fact="NaN" max="NaN"/>
+              </dgm:ruleLst>
+            </dgm:layoutNode>
+          </dgm:if>
+          <dgm:else name="Name14"/>
+        </dgm:choose>
+      </dgm:layoutNode>
+      <dgm:forEach name="Name15" axis="followSib" ptType="sibTrans" cnt="1">
+        <dgm:layoutNode name="sibTrans">
+          <dgm:alg type="sp"/>
+          <dgm:shape xmlns:r="http://schemas.openxmlformats.org/officeDocument/2006/relationships" r:blip="">
+            <dgm:adjLst/>
+          </dgm:shape>
+          <dgm:presOf axis="self"/>
+          <dgm:constrLst/>
+          <dgm:ruleLst/>
+        </dgm:layoutNode>
+      </dgm:forEach>
+    </dgm:forEach>
+  </dgm:layoutNode>
+  <dgm:extLst>
+    <a:ext uri="{68A01E43-0DF5-4B5B-8FA6-DAF915123BFB}">
+      <dgm1612:lstStyle xmlns:dgm1612="http://schemas.microsoft.com/office/drawing/2016/12/diagram">
+        <a:lvl1pPr>
+          <a:lnSpc>
+            <a:spcPct val="100000"/>
+          </a:lnSpc>
+        </a:lvl1pPr>
+        <a:lvl2pPr>
+          <a:lnSpc>
+            <a:spcPct val="100000"/>
+          </a:lnSpc>
+        </a:lvl2pPr>
+      </dgm1612:lstStyle>
+    </a:ext>
+  </dgm:extLst>
+</dgm:layoutDef>
+</file>
+
 <file path=ppt/diagrams/quickStyle1.xml><?xml version="1.0" encoding="utf-8"?>
 <dgm:styleDef xmlns:dgm="http://schemas.openxmlformats.org/drawingml/2006/diagram" xmlns:a="http://schemas.openxmlformats.org/drawingml/2006/main" uniqueId="urn:microsoft.com/office/officeart/2005/8/quickstyle/simple1">
   <dgm:title val=""/>
@@ -9426,6 +12417,1040 @@
 </file>
 
 <file path=ppt/diagrams/quickStyle3.xml><?xml version="1.0" encoding="utf-8"?>
+<dgm:styleDef xmlns:dgm="http://schemas.openxmlformats.org/drawingml/2006/diagram" xmlns:a="http://schemas.openxmlformats.org/drawingml/2006/main" uniqueId="urn:microsoft.com/office/officeart/2005/8/quickstyle/simple1">
+  <dgm:title val=""/>
+  <dgm:desc val=""/>
+  <dgm:catLst>
+    <dgm:cat type="simple" pri="10100"/>
+  </dgm:catLst>
+  <dgm:scene3d>
+    <a:camera prst="orthographicFront"/>
+    <a:lightRig rig="threePt" dir="t"/>
+  </dgm:scene3d>
+  <dgm:styleLbl name="node0">
+    <dgm:scene3d>
+      <a:camera prst="orthographicFront"/>
+      <a:lightRig rig="threePt" dir="t"/>
+    </dgm:scene3d>
+    <dgm:sp3d/>
+    <dgm:txPr/>
+    <dgm:style>
+      <a:lnRef idx="2">
+        <a:scrgbClr r="0" g="0" b="0"/>
+      </a:lnRef>
+      <a:fillRef idx="1">
+        <a:scrgbClr r="0" g="0" b="0"/>
+      </a:fillRef>
+      <a:effectRef idx="0">
+        <a:scrgbClr r="0" g="0" b="0"/>
+      </a:effectRef>
+      <a:fontRef idx="minor">
+        <a:schemeClr val="lt1"/>
+      </a:fontRef>
+    </dgm:style>
+  </dgm:styleLbl>
+  <dgm:styleLbl name="lnNode1">
+    <dgm:scene3d>
+      <a:camera prst="orthographicFront"/>
+      <a:lightRig rig="threePt" dir="t"/>
+    </dgm:scene3d>
+    <dgm:sp3d/>
+    <dgm:txPr/>
+    <dgm:style>
+      <a:lnRef idx="2">
+        <a:scrgbClr r="0" g="0" b="0"/>
+      </a:lnRef>
+      <a:fillRef idx="1">
+        <a:scrgbClr r="0" g="0" b="0"/>
+      </a:fillRef>
+      <a:effectRef idx="0">
+        <a:scrgbClr r="0" g="0" b="0"/>
+      </a:effectRef>
+      <a:fontRef idx="minor">
+        <a:schemeClr val="lt1"/>
+      </a:fontRef>
+    </dgm:style>
+  </dgm:styleLbl>
+  <dgm:styleLbl name="vennNode1">
+    <dgm:scene3d>
+      <a:camera prst="orthographicFront"/>
+      <a:lightRig rig="threePt" dir="t"/>
+    </dgm:scene3d>
+    <dgm:sp3d/>
+    <dgm:txPr/>
+    <dgm:style>
+      <a:lnRef idx="2">
+        <a:scrgbClr r="0" g="0" b="0"/>
+      </a:lnRef>
+      <a:fillRef idx="1">
+        <a:scrgbClr r="0" g="0" b="0"/>
+      </a:fillRef>
+      <a:effectRef idx="0">
+        <a:scrgbClr r="0" g="0" b="0"/>
+      </a:effectRef>
+      <a:fontRef idx="minor">
+        <a:schemeClr val="tx1"/>
+      </a:fontRef>
+    </dgm:style>
+  </dgm:styleLbl>
+  <dgm:styleLbl name="alignNode1">
+    <dgm:scene3d>
+      <a:camera prst="orthographicFront"/>
+      <a:lightRig rig="threePt" dir="t"/>
+    </dgm:scene3d>
+    <dgm:sp3d/>
+    <dgm:txPr/>
+    <dgm:style>
+      <a:lnRef idx="2">
+        <a:scrgbClr r="0" g="0" b="0"/>
+      </a:lnRef>
+      <a:fillRef idx="1">
+        <a:scrgbClr r="0" g="0" b="0"/>
+      </a:fillRef>
+      <a:effectRef idx="0">
+        <a:scrgbClr r="0" g="0" b="0"/>
+      </a:effectRef>
+      <a:fontRef idx="minor">
+        <a:schemeClr val="lt1"/>
+      </a:fontRef>
+    </dgm:style>
+  </dgm:styleLbl>
+  <dgm:styleLbl name="node1">
+    <dgm:scene3d>
+      <a:camera prst="orthographicFront"/>
+      <a:lightRig rig="threePt" dir="t"/>
+    </dgm:scene3d>
+    <dgm:sp3d/>
+    <dgm:txPr/>
+    <dgm:style>
+      <a:lnRef idx="2">
+        <a:scrgbClr r="0" g="0" b="0"/>
+      </a:lnRef>
+      <a:fillRef idx="1">
+        <a:scrgbClr r="0" g="0" b="0"/>
+      </a:fillRef>
+      <a:effectRef idx="0">
+        <a:scrgbClr r="0" g="0" b="0"/>
+      </a:effectRef>
+      <a:fontRef idx="minor">
+        <a:schemeClr val="lt1"/>
+      </a:fontRef>
+    </dgm:style>
+  </dgm:styleLbl>
+  <dgm:styleLbl name="node2">
+    <dgm:scene3d>
+      <a:camera prst="orthographicFront"/>
+      <a:lightRig rig="threePt" dir="t"/>
+    </dgm:scene3d>
+    <dgm:sp3d/>
+    <dgm:txPr/>
+    <dgm:style>
+      <a:lnRef idx="2">
+        <a:scrgbClr r="0" g="0" b="0"/>
+      </a:lnRef>
+      <a:fillRef idx="1">
+        <a:scrgbClr r="0" g="0" b="0"/>
+      </a:fillRef>
+      <a:effectRef idx="0">
+        <a:scrgbClr r="0" g="0" b="0"/>
+      </a:effectRef>
+      <a:fontRef idx="minor">
+        <a:schemeClr val="lt1"/>
+      </a:fontRef>
+    </dgm:style>
+  </dgm:styleLbl>
+  <dgm:styleLbl name="node3">
+    <dgm:scene3d>
+      <a:camera prst="orthographicFront"/>
+      <a:lightRig rig="threePt" dir="t"/>
+    </dgm:scene3d>
+    <dgm:sp3d/>
+    <dgm:txPr/>
+    <dgm:style>
+      <a:lnRef idx="2">
+        <a:scrgbClr r="0" g="0" b="0"/>
+      </a:lnRef>
+      <a:fillRef idx="1">
+        <a:scrgbClr r="0" g="0" b="0"/>
+      </a:fillRef>
+      <a:effectRef idx="0">
+        <a:scrgbClr r="0" g="0" b="0"/>
+      </a:effectRef>
+      <a:fontRef idx="minor">
+        <a:schemeClr val="lt1"/>
+      </a:fontRef>
+    </dgm:style>
+  </dgm:styleLbl>
+  <dgm:styleLbl name="node4">
+    <dgm:scene3d>
+      <a:camera prst="orthographicFront"/>
+      <a:lightRig rig="threePt" dir="t"/>
+    </dgm:scene3d>
+    <dgm:sp3d/>
+    <dgm:txPr/>
+    <dgm:style>
+      <a:lnRef idx="2">
+        <a:scrgbClr r="0" g="0" b="0"/>
+      </a:lnRef>
+      <a:fillRef idx="1">
+        <a:scrgbClr r="0" g="0" b="0"/>
+      </a:fillRef>
+      <a:effectRef idx="0">
+        <a:scrgbClr r="0" g="0" b="0"/>
+      </a:effectRef>
+      <a:fontRef idx="minor">
+        <a:schemeClr val="lt1"/>
+      </a:fontRef>
+    </dgm:style>
+  </dgm:styleLbl>
+  <dgm:styleLbl name="fgImgPlace1">
+    <dgm:scene3d>
+      <a:camera prst="orthographicFront"/>
+      <a:lightRig rig="threePt" dir="t"/>
+    </dgm:scene3d>
+    <dgm:sp3d/>
+    <dgm:txPr/>
+    <dgm:style>
+      <a:lnRef idx="2">
+        <a:scrgbClr r="0" g="0" b="0"/>
+      </a:lnRef>
+      <a:fillRef idx="1">
+        <a:scrgbClr r="0" g="0" b="0"/>
+      </a:fillRef>
+      <a:effectRef idx="0">
+        <a:scrgbClr r="0" g="0" b="0"/>
+      </a:effectRef>
+      <a:fontRef idx="minor"/>
+    </dgm:style>
+  </dgm:styleLbl>
+  <dgm:styleLbl name="alignImgPlace1">
+    <dgm:scene3d>
+      <a:camera prst="orthographicFront"/>
+      <a:lightRig rig="threePt" dir="t"/>
+    </dgm:scene3d>
+    <dgm:sp3d/>
+    <dgm:txPr/>
+    <dgm:style>
+      <a:lnRef idx="2">
+        <a:scrgbClr r="0" g="0" b="0"/>
+      </a:lnRef>
+      <a:fillRef idx="1">
+        <a:scrgbClr r="0" g="0" b="0"/>
+      </a:fillRef>
+      <a:effectRef idx="0">
+        <a:scrgbClr r="0" g="0" b="0"/>
+      </a:effectRef>
+      <a:fontRef idx="minor"/>
+    </dgm:style>
+  </dgm:styleLbl>
+  <dgm:styleLbl name="bgImgPlace1">
+    <dgm:scene3d>
+      <a:camera prst="orthographicFront"/>
+      <a:lightRig rig="threePt" dir="t"/>
+    </dgm:scene3d>
+    <dgm:sp3d/>
+    <dgm:txPr/>
+    <dgm:style>
+      <a:lnRef idx="2">
+        <a:scrgbClr r="0" g="0" b="0"/>
+      </a:lnRef>
+      <a:fillRef idx="1">
+        <a:scrgbClr r="0" g="0" b="0"/>
+      </a:fillRef>
+      <a:effectRef idx="0">
+        <a:scrgbClr r="0" g="0" b="0"/>
+      </a:effectRef>
+      <a:fontRef idx="minor"/>
+    </dgm:style>
+  </dgm:styleLbl>
+  <dgm:styleLbl name="sibTrans2D1">
+    <dgm:scene3d>
+      <a:camera prst="orthographicFront"/>
+      <a:lightRig rig="threePt" dir="t"/>
+    </dgm:scene3d>
+    <dgm:sp3d/>
+    <dgm:txPr/>
+    <dgm:style>
+      <a:lnRef idx="0">
+        <a:scrgbClr r="0" g="0" b="0"/>
+      </a:lnRef>
+      <a:fillRef idx="1">
+        <a:scrgbClr r="0" g="0" b="0"/>
+      </a:fillRef>
+      <a:effectRef idx="0">
+        <a:scrgbClr r="0" g="0" b="0"/>
+      </a:effectRef>
+      <a:fontRef idx="minor">
+        <a:schemeClr val="lt1"/>
+      </a:fontRef>
+    </dgm:style>
+  </dgm:styleLbl>
+  <dgm:styleLbl name="fgSibTrans2D1">
+    <dgm:scene3d>
+      <a:camera prst="orthographicFront"/>
+      <a:lightRig rig="threePt" dir="t"/>
+    </dgm:scene3d>
+    <dgm:sp3d/>
+    <dgm:txPr/>
+    <dgm:style>
+      <a:lnRef idx="0">
+        <a:scrgbClr r="0" g="0" b="0"/>
+      </a:lnRef>
+      <a:fillRef idx="1">
+        <a:scrgbClr r="0" g="0" b="0"/>
+      </a:fillRef>
+      <a:effectRef idx="0">
+        <a:scrgbClr r="0" g="0" b="0"/>
+      </a:effectRef>
+      <a:fontRef idx="minor">
+        <a:schemeClr val="lt1"/>
+      </a:fontRef>
+    </dgm:style>
+  </dgm:styleLbl>
+  <dgm:styleLbl name="bgSibTrans2D1">
+    <dgm:scene3d>
+      <a:camera prst="orthographicFront"/>
+      <a:lightRig rig="threePt" dir="t"/>
+    </dgm:scene3d>
+    <dgm:sp3d/>
+    <dgm:txPr/>
+    <dgm:style>
+      <a:lnRef idx="0">
+        <a:scrgbClr r="0" g="0" b="0"/>
+      </a:lnRef>
+      <a:fillRef idx="1">
+        <a:scrgbClr r="0" g="0" b="0"/>
+      </a:fillRef>
+      <a:effectRef idx="0">
+        <a:scrgbClr r="0" g="0" b="0"/>
+      </a:effectRef>
+      <a:fontRef idx="minor">
+        <a:schemeClr val="lt1"/>
+      </a:fontRef>
+    </dgm:style>
+  </dgm:styleLbl>
+  <dgm:styleLbl name="sibTrans1D1">
+    <dgm:scene3d>
+      <a:camera prst="orthographicFront"/>
+      <a:lightRig rig="threePt" dir="t"/>
+    </dgm:scene3d>
+    <dgm:sp3d/>
+    <dgm:txPr/>
+    <dgm:style>
+      <a:lnRef idx="1">
+        <a:scrgbClr r="0" g="0" b="0"/>
+      </a:lnRef>
+      <a:fillRef idx="0">
+        <a:scrgbClr r="0" g="0" b="0"/>
+      </a:fillRef>
+      <a:effectRef idx="0">
+        <a:scrgbClr r="0" g="0" b="0"/>
+      </a:effectRef>
+      <a:fontRef idx="minor"/>
+    </dgm:style>
+  </dgm:styleLbl>
+  <dgm:styleLbl name="callout">
+    <dgm:scene3d>
+      <a:camera prst="orthographicFront"/>
+      <a:lightRig rig="threePt" dir="t"/>
+    </dgm:scene3d>
+    <dgm:sp3d/>
+    <dgm:txPr/>
+    <dgm:style>
+      <a:lnRef idx="2">
+        <a:scrgbClr r="0" g="0" b="0"/>
+      </a:lnRef>
+      <a:fillRef idx="1">
+        <a:scrgbClr r="0" g="0" b="0"/>
+      </a:fillRef>
+      <a:effectRef idx="0">
+        <a:scrgbClr r="0" g="0" b="0"/>
+      </a:effectRef>
+      <a:fontRef idx="minor"/>
+    </dgm:style>
+  </dgm:styleLbl>
+  <dgm:styleLbl name="asst0">
+    <dgm:scene3d>
+      <a:camera prst="orthographicFront"/>
+      <a:lightRig rig="threePt" dir="t"/>
+    </dgm:scene3d>
+    <dgm:sp3d/>
+    <dgm:txPr/>
+    <dgm:style>
+      <a:lnRef idx="2">
+        <a:scrgbClr r="0" g="0" b="0"/>
+      </a:lnRef>
+      <a:fillRef idx="1">
+        <a:scrgbClr r="0" g="0" b="0"/>
+      </a:fillRef>
+      <a:effectRef idx="0">
+        <a:scrgbClr r="0" g="0" b="0"/>
+      </a:effectRef>
+      <a:fontRef idx="minor">
+        <a:schemeClr val="lt1"/>
+      </a:fontRef>
+    </dgm:style>
+  </dgm:styleLbl>
+  <dgm:styleLbl name="asst1">
+    <dgm:scene3d>
+      <a:camera prst="orthographicFront"/>
+      <a:lightRig rig="threePt" dir="t"/>
+    </dgm:scene3d>
+    <dgm:sp3d/>
+    <dgm:txPr/>
+    <dgm:style>
+      <a:lnRef idx="2">
+        <a:scrgbClr r="0" g="0" b="0"/>
+      </a:lnRef>
+      <a:fillRef idx="1">
+        <a:scrgbClr r="0" g="0" b="0"/>
+      </a:fillRef>
+      <a:effectRef idx="0">
+        <a:scrgbClr r="0" g="0" b="0"/>
+      </a:effectRef>
+      <a:fontRef idx="minor">
+        <a:schemeClr val="lt1"/>
+      </a:fontRef>
+    </dgm:style>
+  </dgm:styleLbl>
+  <dgm:styleLbl name="asst2">
+    <dgm:scene3d>
+      <a:camera prst="orthographicFront"/>
+      <a:lightRig rig="threePt" dir="t"/>
+    </dgm:scene3d>
+    <dgm:sp3d/>
+    <dgm:txPr/>
+    <dgm:style>
+      <a:lnRef idx="2">
+        <a:scrgbClr r="0" g="0" b="0"/>
+      </a:lnRef>
+      <a:fillRef idx="1">
+        <a:scrgbClr r="0" g="0" b="0"/>
+      </a:fillRef>
+      <a:effectRef idx="0">
+        <a:scrgbClr r="0" g="0" b="0"/>
+      </a:effectRef>
+      <a:fontRef idx="minor">
+        <a:schemeClr val="lt1"/>
+      </a:fontRef>
+    </dgm:style>
+  </dgm:styleLbl>
+  <dgm:styleLbl name="asst3">
+    <dgm:scene3d>
+      <a:camera prst="orthographicFront"/>
+      <a:lightRig rig="threePt" dir="t"/>
+    </dgm:scene3d>
+    <dgm:sp3d/>
+    <dgm:txPr/>
+    <dgm:style>
+      <a:lnRef idx="2">
+        <a:scrgbClr r="0" g="0" b="0"/>
+      </a:lnRef>
+      <a:fillRef idx="1">
+        <a:scrgbClr r="0" g="0" b="0"/>
+      </a:fillRef>
+      <a:effectRef idx="0">
+        <a:scrgbClr r="0" g="0" b="0"/>
+      </a:effectRef>
+      <a:fontRef idx="minor">
+        <a:schemeClr val="lt1"/>
+      </a:fontRef>
+    </dgm:style>
+  </dgm:styleLbl>
+  <dgm:styleLbl name="asst4">
+    <dgm:scene3d>
+      <a:camera prst="orthographicFront"/>
+      <a:lightRig rig="threePt" dir="t"/>
+    </dgm:scene3d>
+    <dgm:sp3d/>
+    <dgm:txPr/>
+    <dgm:style>
+      <a:lnRef idx="2">
+        <a:scrgbClr r="0" g="0" b="0"/>
+      </a:lnRef>
+      <a:fillRef idx="1">
+        <a:scrgbClr r="0" g="0" b="0"/>
+      </a:fillRef>
+      <a:effectRef idx="0">
+        <a:scrgbClr r="0" g="0" b="0"/>
+      </a:effectRef>
+      <a:fontRef idx="minor">
+        <a:schemeClr val="lt1"/>
+      </a:fontRef>
+    </dgm:style>
+  </dgm:styleLbl>
+  <dgm:styleLbl name="parChTrans2D1">
+    <dgm:scene3d>
+      <a:camera prst="orthographicFront"/>
+      <a:lightRig rig="threePt" dir="t"/>
+    </dgm:scene3d>
+    <dgm:sp3d/>
+    <dgm:txPr/>
+    <dgm:style>
+      <a:lnRef idx="2">
+        <a:scrgbClr r="0" g="0" b="0"/>
+      </a:lnRef>
+      <a:fillRef idx="1">
+        <a:scrgbClr r="0" g="0" b="0"/>
+      </a:fillRef>
+      <a:effectRef idx="0">
+        <a:scrgbClr r="0" g="0" b="0"/>
+      </a:effectRef>
+      <a:fontRef idx="minor">
+        <a:schemeClr val="lt1"/>
+      </a:fontRef>
+    </dgm:style>
+  </dgm:styleLbl>
+  <dgm:styleLbl name="parChTrans2D2">
+    <dgm:scene3d>
+      <a:camera prst="orthographicFront"/>
+      <a:lightRig rig="threePt" dir="t"/>
+    </dgm:scene3d>
+    <dgm:sp3d/>
+    <dgm:txPr/>
+    <dgm:style>
+      <a:lnRef idx="2">
+        <a:scrgbClr r="0" g="0" b="0"/>
+      </a:lnRef>
+      <a:fillRef idx="1">
+        <a:scrgbClr r="0" g="0" b="0"/>
+      </a:fillRef>
+      <a:effectRef idx="0">
+        <a:scrgbClr r="0" g="0" b="0"/>
+      </a:effectRef>
+      <a:fontRef idx="minor">
+        <a:schemeClr val="lt1"/>
+      </a:fontRef>
+    </dgm:style>
+  </dgm:styleLbl>
+  <dgm:styleLbl name="parChTrans2D3">
+    <dgm:scene3d>
+      <a:camera prst="orthographicFront"/>
+      <a:lightRig rig="threePt" dir="t"/>
+    </dgm:scene3d>
+    <dgm:sp3d/>
+    <dgm:txPr/>
+    <dgm:style>
+      <a:lnRef idx="2">
+        <a:scrgbClr r="0" g="0" b="0"/>
+      </a:lnRef>
+      <a:fillRef idx="1">
+        <a:scrgbClr r="0" g="0" b="0"/>
+      </a:fillRef>
+      <a:effectRef idx="0">
+        <a:scrgbClr r="0" g="0" b="0"/>
+      </a:effectRef>
+      <a:fontRef idx="minor">
+        <a:schemeClr val="lt1"/>
+      </a:fontRef>
+    </dgm:style>
+  </dgm:styleLbl>
+  <dgm:styleLbl name="parChTrans2D4">
+    <dgm:scene3d>
+      <a:camera prst="orthographicFront"/>
+      <a:lightRig rig="threePt" dir="t"/>
+    </dgm:scene3d>
+    <dgm:sp3d/>
+    <dgm:txPr/>
+    <dgm:style>
+      <a:lnRef idx="2">
+        <a:scrgbClr r="0" g="0" b="0"/>
+      </a:lnRef>
+      <a:fillRef idx="1">
+        <a:scrgbClr r="0" g="0" b="0"/>
+      </a:fillRef>
+      <a:effectRef idx="0">
+        <a:scrgbClr r="0" g="0" b="0"/>
+      </a:effectRef>
+      <a:fontRef idx="minor">
+        <a:schemeClr val="lt1"/>
+      </a:fontRef>
+    </dgm:style>
+  </dgm:styleLbl>
+  <dgm:styleLbl name="parChTrans1D1">
+    <dgm:scene3d>
+      <a:camera prst="orthographicFront"/>
+      <a:lightRig rig="threePt" dir="t"/>
+    </dgm:scene3d>
+    <dgm:sp3d/>
+    <dgm:txPr/>
+    <dgm:style>
+      <a:lnRef idx="2">
+        <a:scrgbClr r="0" g="0" b="0"/>
+      </a:lnRef>
+      <a:fillRef idx="0">
+        <a:scrgbClr r="0" g="0" b="0"/>
+      </a:fillRef>
+      <a:effectRef idx="0">
+        <a:scrgbClr r="0" g="0" b="0"/>
+      </a:effectRef>
+      <a:fontRef idx="minor"/>
+    </dgm:style>
+  </dgm:styleLbl>
+  <dgm:styleLbl name="parChTrans1D2">
+    <dgm:scene3d>
+      <a:camera prst="orthographicFront"/>
+      <a:lightRig rig="threePt" dir="t"/>
+    </dgm:scene3d>
+    <dgm:sp3d/>
+    <dgm:txPr/>
+    <dgm:style>
+      <a:lnRef idx="2">
+        <a:scrgbClr r="0" g="0" b="0"/>
+      </a:lnRef>
+      <a:fillRef idx="0">
+        <a:scrgbClr r="0" g="0" b="0"/>
+      </a:fillRef>
+      <a:effectRef idx="0">
+        <a:scrgbClr r="0" g="0" b="0"/>
+      </a:effectRef>
+      <a:fontRef idx="minor"/>
+    </dgm:style>
+  </dgm:styleLbl>
+  <dgm:styleLbl name="parChTrans1D3">
+    <dgm:scene3d>
+      <a:camera prst="orthographicFront"/>
+      <a:lightRig rig="threePt" dir="t"/>
+    </dgm:scene3d>
+    <dgm:sp3d/>
+    <dgm:txPr/>
+    <dgm:style>
+      <a:lnRef idx="2">
+        <a:scrgbClr r="0" g="0" b="0"/>
+      </a:lnRef>
+      <a:fillRef idx="0">
+        <a:scrgbClr r="0" g="0" b="0"/>
+      </a:fillRef>
+      <a:effectRef idx="0">
+        <a:scrgbClr r="0" g="0" b="0"/>
+      </a:effectRef>
+      <a:fontRef idx="minor"/>
+    </dgm:style>
+  </dgm:styleLbl>
+  <dgm:styleLbl name="parChTrans1D4">
+    <dgm:scene3d>
+      <a:camera prst="orthographicFront"/>
+      <a:lightRig rig="threePt" dir="t"/>
+    </dgm:scene3d>
+    <dgm:sp3d/>
+    <dgm:txPr/>
+    <dgm:style>
+      <a:lnRef idx="2">
+        <a:scrgbClr r="0" g="0" b="0"/>
+      </a:lnRef>
+      <a:fillRef idx="0">
+        <a:scrgbClr r="0" g="0" b="0"/>
+      </a:fillRef>
+      <a:effectRef idx="0">
+        <a:scrgbClr r="0" g="0" b="0"/>
+      </a:effectRef>
+      <a:fontRef idx="minor"/>
+    </dgm:style>
+  </dgm:styleLbl>
+  <dgm:styleLbl name="fgAcc1">
+    <dgm:scene3d>
+      <a:camera prst="orthographicFront"/>
+      <a:lightRig rig="threePt" dir="t"/>
+    </dgm:scene3d>
+    <dgm:sp3d/>
+    <dgm:txPr/>
+    <dgm:style>
+      <a:lnRef idx="2">
+        <a:scrgbClr r="0" g="0" b="0"/>
+      </a:lnRef>
+      <a:fillRef idx="1">
+        <a:scrgbClr r="0" g="0" b="0"/>
+      </a:fillRef>
+      <a:effectRef idx="0">
+        <a:scrgbClr r="0" g="0" b="0"/>
+      </a:effectRef>
+      <a:fontRef idx="minor"/>
+    </dgm:style>
+  </dgm:styleLbl>
+  <dgm:styleLbl name="conFgAcc1">
+    <dgm:scene3d>
+      <a:camera prst="orthographicFront"/>
+      <a:lightRig rig="threePt" dir="t"/>
+    </dgm:scene3d>
+    <dgm:sp3d/>
+    <dgm:txPr/>
+    <dgm:style>
+      <a:lnRef idx="2">
+        <a:scrgbClr r="0" g="0" b="0"/>
+      </a:lnRef>
+      <a:fillRef idx="1">
+        <a:scrgbClr r="0" g="0" b="0"/>
+      </a:fillRef>
+      <a:effectRef idx="0">
+        <a:scrgbClr r="0" g="0" b="0"/>
+      </a:effectRef>
+      <a:fontRef idx="minor"/>
+    </dgm:style>
+  </dgm:styleLbl>
+  <dgm:styleLbl name="alignAcc1">
+    <dgm:scene3d>
+      <a:camera prst="orthographicFront"/>
+      <a:lightRig rig="threePt" dir="t"/>
+    </dgm:scene3d>
+    <dgm:sp3d/>
+    <dgm:txPr/>
+    <dgm:style>
+      <a:lnRef idx="2">
+        <a:scrgbClr r="0" g="0" b="0"/>
+      </a:lnRef>
+      <a:fillRef idx="1">
+        <a:scrgbClr r="0" g="0" b="0"/>
+      </a:fillRef>
+      <a:effectRef idx="0">
+        <a:scrgbClr r="0" g="0" b="0"/>
+      </a:effectRef>
+      <a:fontRef idx="minor"/>
+    </dgm:style>
+  </dgm:styleLbl>
+  <dgm:styleLbl name="trAlignAcc1">
+    <dgm:scene3d>
+      <a:camera prst="orthographicFront"/>
+      <a:lightRig rig="threePt" dir="t"/>
+    </dgm:scene3d>
+    <dgm:sp3d/>
+    <dgm:txPr/>
+    <dgm:style>
+      <a:lnRef idx="1">
+        <a:scrgbClr r="0" g="0" b="0"/>
+      </a:lnRef>
+      <a:fillRef idx="1">
+        <a:scrgbClr r="0" g="0" b="0"/>
+      </a:fillRef>
+      <a:effectRef idx="0">
+        <a:scrgbClr r="0" g="0" b="0"/>
+      </a:effectRef>
+      <a:fontRef idx="minor"/>
+    </dgm:style>
+  </dgm:styleLbl>
+  <dgm:styleLbl name="bgAcc1">
+    <dgm:scene3d>
+      <a:camera prst="orthographicFront"/>
+      <a:lightRig rig="threePt" dir="t"/>
+    </dgm:scene3d>
+    <dgm:sp3d/>
+    <dgm:txPr/>
+    <dgm:style>
+      <a:lnRef idx="2">
+        <a:scrgbClr r="0" g="0" b="0"/>
+      </a:lnRef>
+      <a:fillRef idx="1">
+        <a:scrgbClr r="0" g="0" b="0"/>
+      </a:fillRef>
+      <a:effectRef idx="0">
+        <a:scrgbClr r="0" g="0" b="0"/>
+      </a:effectRef>
+      <a:fontRef idx="minor"/>
+    </dgm:style>
+  </dgm:styleLbl>
+  <dgm:styleLbl name="solidFgAcc1">
+    <dgm:scene3d>
+      <a:camera prst="orthographicFront"/>
+      <a:lightRig rig="threePt" dir="t"/>
+    </dgm:scene3d>
+    <dgm:sp3d/>
+    <dgm:txPr/>
+    <dgm:style>
+      <a:lnRef idx="2">
+        <a:scrgbClr r="0" g="0" b="0"/>
+      </a:lnRef>
+      <a:fillRef idx="1">
+        <a:scrgbClr r="0" g="0" b="0"/>
+      </a:fillRef>
+      <a:effectRef idx="0">
+        <a:scrgbClr r="0" g="0" b="0"/>
+      </a:effectRef>
+      <a:fontRef idx="minor"/>
+    </dgm:style>
+  </dgm:styleLbl>
+  <dgm:styleLbl name="solidAlignAcc1">
+    <dgm:scene3d>
+      <a:camera prst="orthographicFront"/>
+      <a:lightRig rig="threePt" dir="t"/>
+    </dgm:scene3d>
+    <dgm:sp3d/>
+    <dgm:txPr/>
+    <dgm:style>
+      <a:lnRef idx="2">
+        <a:scrgbClr r="0" g="0" b="0"/>
+      </a:lnRef>
+      <a:fillRef idx="1">
+        <a:scrgbClr r="0" g="0" b="0"/>
+      </a:fillRef>
+      <a:effectRef idx="0">
+        <a:scrgbClr r="0" g="0" b="0"/>
+      </a:effectRef>
+      <a:fontRef idx="minor"/>
+    </dgm:style>
+  </dgm:styleLbl>
+  <dgm:styleLbl name="solidBgAcc1">
+    <dgm:scene3d>
+      <a:camera prst="orthographicFront"/>
+      <a:lightRig rig="threePt" dir="t"/>
+    </dgm:scene3d>
+    <dgm:sp3d/>
+    <dgm:txPr/>
+    <dgm:style>
+      <a:lnRef idx="2">
+        <a:scrgbClr r="0" g="0" b="0"/>
+      </a:lnRef>
+      <a:fillRef idx="1">
+        <a:scrgbClr r="0" g="0" b="0"/>
+      </a:fillRef>
+      <a:effectRef idx="0">
+        <a:scrgbClr r="0" g="0" b="0"/>
+      </a:effectRef>
+      <a:fontRef idx="minor"/>
+    </dgm:style>
+  </dgm:styleLbl>
+  <dgm:styleLbl name="fgAccFollowNode1">
+    <dgm:scene3d>
+      <a:camera prst="orthographicFront"/>
+      <a:lightRig rig="threePt" dir="t"/>
+    </dgm:scene3d>
+    <dgm:sp3d/>
+    <dgm:txPr/>
+    <dgm:style>
+      <a:lnRef idx="2">
+        <a:scrgbClr r="0" g="0" b="0"/>
+      </a:lnRef>
+      <a:fillRef idx="1">
+        <a:scrgbClr r="0" g="0" b="0"/>
+      </a:fillRef>
+      <a:effectRef idx="0">
+        <a:scrgbClr r="0" g="0" b="0"/>
+      </a:effectRef>
+      <a:fontRef idx="minor"/>
+    </dgm:style>
+  </dgm:styleLbl>
+  <dgm:styleLbl name="alignAccFollowNode1">
+    <dgm:scene3d>
+      <a:camera prst="orthographicFront"/>
+      <a:lightRig rig="threePt" dir="t"/>
+    </dgm:scene3d>
+    <dgm:sp3d/>
+    <dgm:txPr/>
+    <dgm:style>
+      <a:lnRef idx="2">
+        <a:scrgbClr r="0" g="0" b="0"/>
+      </a:lnRef>
+      <a:fillRef idx="1">
+        <a:scrgbClr r="0" g="0" b="0"/>
+      </a:fillRef>
+      <a:effectRef idx="0">
+        <a:scrgbClr r="0" g="0" b="0"/>
+      </a:effectRef>
+      <a:fontRef idx="minor"/>
+    </dgm:style>
+  </dgm:styleLbl>
+  <dgm:styleLbl name="bgAccFollowNode1">
+    <dgm:scene3d>
+      <a:camera prst="orthographicFront"/>
+      <a:lightRig rig="threePt" dir="t"/>
+    </dgm:scene3d>
+    <dgm:sp3d/>
+    <dgm:txPr/>
+    <dgm:style>
+      <a:lnRef idx="2">
+        <a:scrgbClr r="0" g="0" b="0"/>
+      </a:lnRef>
+      <a:fillRef idx="1">
+        <a:scrgbClr r="0" g="0" b="0"/>
+      </a:fillRef>
+      <a:effectRef idx="0">
+        <a:scrgbClr r="0" g="0" b="0"/>
+      </a:effectRef>
+      <a:fontRef idx="minor"/>
+    </dgm:style>
+  </dgm:styleLbl>
+  <dgm:styleLbl name="fgAcc0">
+    <dgm:scene3d>
+      <a:camera prst="orthographicFront"/>
+      <a:lightRig rig="threePt" dir="t"/>
+    </dgm:scene3d>
+    <dgm:sp3d/>
+    <dgm:txPr/>
+    <dgm:style>
+      <a:lnRef idx="2">
+        <a:scrgbClr r="0" g="0" b="0"/>
+      </a:lnRef>
+      <a:fillRef idx="1">
+        <a:scrgbClr r="0" g="0" b="0"/>
+      </a:fillRef>
+      <a:effectRef idx="0">
+        <a:scrgbClr r="0" g="0" b="0"/>
+      </a:effectRef>
+      <a:fontRef idx="minor"/>
+    </dgm:style>
+  </dgm:styleLbl>
+  <dgm:styleLbl name="fgAcc2">
+    <dgm:scene3d>
+      <a:camera prst="orthographicFront"/>
+      <a:lightRig rig="threePt" dir="t"/>
+    </dgm:scene3d>
+    <dgm:sp3d/>
+    <dgm:txPr/>
+    <dgm:style>
+      <a:lnRef idx="2">
+        <a:scrgbClr r="0" g="0" b="0"/>
+      </a:lnRef>
+      <a:fillRef idx="1">
+        <a:scrgbClr r="0" g="0" b="0"/>
+      </a:fillRef>
+      <a:effectRef idx="0">
+        <a:scrgbClr r="0" g="0" b="0"/>
+      </a:effectRef>
+      <a:fontRef idx="minor"/>
+    </dgm:style>
+  </dgm:styleLbl>
+  <dgm:styleLbl name="fgAcc3">
+    <dgm:scene3d>
+      <a:camera prst="orthographicFront"/>
+      <a:lightRig rig="threePt" dir="t"/>
+    </dgm:scene3d>
+    <dgm:sp3d/>
+    <dgm:txPr/>
+    <dgm:style>
+      <a:lnRef idx="2">
+        <a:scrgbClr r="0" g="0" b="0"/>
+      </a:lnRef>
+      <a:fillRef idx="1">
+        <a:scrgbClr r="0" g="0" b="0"/>
+      </a:fillRef>
+      <a:effectRef idx="0">
+        <a:scrgbClr r="0" g="0" b="0"/>
+      </a:effectRef>
+      <a:fontRef idx="minor"/>
+    </dgm:style>
+  </dgm:styleLbl>
+  <dgm:styleLbl name="fgAcc4">
+    <dgm:scene3d>
+      <a:camera prst="orthographicFront"/>
+      <a:lightRig rig="threePt" dir="t"/>
+    </dgm:scene3d>
+    <dgm:sp3d/>
+    <dgm:txPr/>
+    <dgm:style>
+      <a:lnRef idx="2">
+        <a:scrgbClr r="0" g="0" b="0"/>
+      </a:lnRef>
+      <a:fillRef idx="1">
+        <a:scrgbClr r="0" g="0" b="0"/>
+      </a:fillRef>
+      <a:effectRef idx="0">
+        <a:scrgbClr r="0" g="0" b="0"/>
+      </a:effectRef>
+      <a:fontRef idx="minor"/>
+    </dgm:style>
+  </dgm:styleLbl>
+  <dgm:styleLbl name="bgShp">
+    <dgm:scene3d>
+      <a:camera prst="orthographicFront"/>
+      <a:lightRig rig="threePt" dir="t"/>
+    </dgm:scene3d>
+    <dgm:sp3d/>
+    <dgm:txPr/>
+    <dgm:style>
+      <a:lnRef idx="0">
+        <a:scrgbClr r="0" g="0" b="0"/>
+      </a:lnRef>
+      <a:fillRef idx="1">
+        <a:scrgbClr r="0" g="0" b="0"/>
+      </a:fillRef>
+      <a:effectRef idx="0">
+        <a:scrgbClr r="0" g="0" b="0"/>
+      </a:effectRef>
+      <a:fontRef idx="minor"/>
+    </dgm:style>
+  </dgm:styleLbl>
+  <dgm:styleLbl name="dkBgShp">
+    <dgm:scene3d>
+      <a:camera prst="orthographicFront"/>
+      <a:lightRig rig="threePt" dir="t"/>
+    </dgm:scene3d>
+    <dgm:sp3d/>
+    <dgm:txPr/>
+    <dgm:style>
+      <a:lnRef idx="0">
+        <a:scrgbClr r="0" g="0" b="0"/>
+      </a:lnRef>
+      <a:fillRef idx="1">
+        <a:scrgbClr r="0" g="0" b="0"/>
+      </a:fillRef>
+      <a:effectRef idx="0">
+        <a:scrgbClr r="0" g="0" b="0"/>
+      </a:effectRef>
+      <a:fontRef idx="minor"/>
+    </dgm:style>
+  </dgm:styleLbl>
+  <dgm:styleLbl name="trBgShp">
+    <dgm:scene3d>
+      <a:camera prst="orthographicFront"/>
+      <a:lightRig rig="threePt" dir="t"/>
+    </dgm:scene3d>
+    <dgm:sp3d/>
+    <dgm:txPr/>
+    <dgm:style>
+      <a:lnRef idx="0">
+        <a:scrgbClr r="0" g="0" b="0"/>
+      </a:lnRef>
+      <a:fillRef idx="1">
+        <a:scrgbClr r="0" g="0" b="0"/>
+      </a:fillRef>
+      <a:effectRef idx="0">
+        <a:scrgbClr r="0" g="0" b="0"/>
+      </a:effectRef>
+      <a:fontRef idx="minor"/>
+    </dgm:style>
+  </dgm:styleLbl>
+  <dgm:styleLbl name="fgShp">
+    <dgm:scene3d>
+      <a:camera prst="orthographicFront"/>
+      <a:lightRig rig="threePt" dir="t"/>
+    </dgm:scene3d>
+    <dgm:sp3d/>
+    <dgm:txPr/>
+    <dgm:style>
+      <a:lnRef idx="2">
+        <a:scrgbClr r="0" g="0" b="0"/>
+      </a:lnRef>
+      <a:fillRef idx="1">
+        <a:scrgbClr r="0" g="0" b="0"/>
+      </a:fillRef>
+      <a:effectRef idx="0">
+        <a:scrgbClr r="0" g="0" b="0"/>
+      </a:effectRef>
+      <a:fontRef idx="minor"/>
+    </dgm:style>
+  </dgm:styleLbl>
+  <dgm:styleLbl name="revTx">
+    <dgm:scene3d>
+      <a:camera prst="orthographicFront"/>
+      <a:lightRig rig="threePt" dir="t"/>
+    </dgm:scene3d>
+    <dgm:sp3d/>
+    <dgm:txPr/>
+    <dgm:style>
+      <a:lnRef idx="0">
+        <a:scrgbClr r="0" g="0" b="0"/>
+      </a:lnRef>
+      <a:fillRef idx="0">
+        <a:scrgbClr r="0" g="0" b="0"/>
+      </a:fillRef>
+      <a:effectRef idx="0">
+        <a:scrgbClr r="0" g="0" b="0"/>
+      </a:effectRef>
+      <a:fontRef idx="minor"/>
+    </dgm:style>
+  </dgm:styleLbl>
+</dgm:styleDef>
+</file>
+
+<file path=ppt/diagrams/quickStyle4.xml><?xml version="1.0" encoding="utf-8"?>
 <dgm:styleDef xmlns:dgm="http://schemas.openxmlformats.org/drawingml/2006/diagram" xmlns:a="http://schemas.openxmlformats.org/drawingml/2006/main" uniqueId="urn:microsoft.com/office/officeart/2005/8/quickstyle/simple1">
   <dgm:title val=""/>
   <dgm:desc val=""/>
@@ -10643,7 +14668,7 @@
             <a:fld id="{8E36636D-D922-432D-A958-524484B5923D}" type="datetimeFigureOut">
               <a:rPr lang="en-US" smtClean="0"/>
               <a:pPr/>
-              <a:t>11-Oct-20</a:t>
+              <a:t>10/12/2020</a:t>
             </a:fld>
             <a:endParaRPr lang="en-US"/>
           </a:p>
@@ -10940,7 +14965,7 @@
           <a:p>
             <a:fld id="{48A87A34-81AB-432B-8DAE-1953F412C126}" type="datetimeFigureOut">
               <a:rPr lang="en-US" smtClean="0"/>
-              <a:t>11-Oct-20</a:t>
+              <a:t>10/12/2020</a:t>
             </a:fld>
             <a:endParaRPr lang="en-US"/>
           </a:p>
@@ -11131,7 +15156,7 @@
           <a:p>
             <a:fld id="{48A87A34-81AB-432B-8DAE-1953F412C126}" type="datetimeFigureOut">
               <a:rPr lang="en-US" smtClean="0"/>
-              <a:t>11-Oct-20</a:t>
+              <a:t>10/12/2020</a:t>
             </a:fld>
             <a:endParaRPr lang="en-US"/>
           </a:p>
@@ -11391,7 +15416,7 @@
           <a:p>
             <a:fld id="{48A87A34-81AB-432B-8DAE-1953F412C126}" type="datetimeFigureOut">
               <a:rPr lang="en-US" smtClean="0"/>
-              <a:t>11-Oct-20</a:t>
+              <a:t>10/12/2020</a:t>
             </a:fld>
             <a:endParaRPr lang="en-US"/>
           </a:p>
@@ -11814,7 +15839,7 @@
           <a:p>
             <a:fld id="{48A87A34-81AB-432B-8DAE-1953F412C126}" type="datetimeFigureOut">
               <a:rPr lang="en-US" smtClean="0"/>
-              <a:t>11-Oct-20</a:t>
+              <a:t>10/12/2020</a:t>
             </a:fld>
             <a:endParaRPr lang="en-US"/>
           </a:p>
@@ -12350,7 +16375,7 @@
           <a:p>
             <a:fld id="{48A87A34-81AB-432B-8DAE-1953F412C126}" type="datetimeFigureOut">
               <a:rPr lang="en-US" smtClean="0"/>
-              <a:t>11-Oct-20</a:t>
+              <a:t>10/12/2020</a:t>
             </a:fld>
             <a:endParaRPr lang="en-US"/>
           </a:p>
@@ -13210,7 +17235,7 @@
           <a:p>
             <a:fld id="{48A87A34-81AB-432B-8DAE-1953F412C126}" type="datetimeFigureOut">
               <a:rPr lang="en-US" smtClean="0"/>
-              <a:t>11-Oct-20</a:t>
+              <a:t>10/12/2020</a:t>
             </a:fld>
             <a:endParaRPr lang="en-US"/>
           </a:p>
@@ -13379,7 +17404,7 @@
             <a:fld id="{8E36636D-D922-432D-A958-524484B5923D}" type="datetimeFigureOut">
               <a:rPr lang="en-US" smtClean="0"/>
               <a:pPr/>
-              <a:t>11-Oct-20</a:t>
+              <a:t>10/12/2020</a:t>
             </a:fld>
             <a:endParaRPr lang="en-US"/>
           </a:p>
@@ -13563,7 +17588,7 @@
             <a:fld id="{8E36636D-D922-432D-A958-524484B5923D}" type="datetimeFigureOut">
               <a:rPr lang="en-US" smtClean="0"/>
               <a:pPr/>
-              <a:t>11-Oct-20</a:t>
+              <a:t>10/12/2020</a:t>
             </a:fld>
             <a:endParaRPr lang="en-US"/>
           </a:p>
@@ -13733,7 +17758,7 @@
             <a:fld id="{8E36636D-D922-432D-A958-524484B5923D}" type="datetimeFigureOut">
               <a:rPr lang="en-US" smtClean="0"/>
               <a:pPr/>
-              <a:t>11-Oct-20</a:t>
+              <a:t>10/12/2020</a:t>
             </a:fld>
             <a:endParaRPr lang="en-US"/>
           </a:p>
@@ -13978,7 +18003,7 @@
             <a:fld id="{8E36636D-D922-432D-A958-524484B5923D}" type="datetimeFigureOut">
               <a:rPr lang="en-US" smtClean="0"/>
               <a:pPr/>
-              <a:t>11-Oct-20</a:t>
+              <a:t>10/12/2020</a:t>
             </a:fld>
             <a:endParaRPr lang="en-US"/>
           </a:p>
@@ -14213,7 +18238,7 @@
             <a:fld id="{8E36636D-D922-432D-A958-524484B5923D}" type="datetimeFigureOut">
               <a:rPr lang="en-US" smtClean="0"/>
               <a:pPr/>
-              <a:t>11-Oct-20</a:t>
+              <a:t>10/12/2020</a:t>
             </a:fld>
             <a:endParaRPr lang="en-US"/>
           </a:p>
@@ -14678,7 +18703,7 @@
             <a:fld id="{8E36636D-D922-432D-A958-524484B5923D}" type="datetimeFigureOut">
               <a:rPr lang="en-US" smtClean="0"/>
               <a:pPr/>
-              <a:t>11-Oct-20</a:t>
+              <a:t>10/12/2020</a:t>
             </a:fld>
             <a:endParaRPr lang="en-US"/>
           </a:p>
@@ -14797,7 +18822,7 @@
             <a:fld id="{8E36636D-D922-432D-A958-524484B5923D}" type="datetimeFigureOut">
               <a:rPr lang="en-US" smtClean="0"/>
               <a:pPr/>
-              <a:t>11-Oct-20</a:t>
+              <a:t>10/12/2020</a:t>
             </a:fld>
             <a:endParaRPr lang="en-US"/>
           </a:p>
@@ -14894,7 +18919,7 @@
             <a:fld id="{8E36636D-D922-432D-A958-524484B5923D}" type="datetimeFigureOut">
               <a:rPr lang="en-US" smtClean="0"/>
               <a:pPr/>
-              <a:t>11-Oct-20</a:t>
+              <a:t>10/12/2020</a:t>
             </a:fld>
             <a:endParaRPr lang="en-US"/>
           </a:p>
@@ -15149,7 +19174,7 @@
             <a:fld id="{8E36636D-D922-432D-A958-524484B5923D}" type="datetimeFigureOut">
               <a:rPr lang="en-US" smtClean="0"/>
               <a:pPr/>
-              <a:t>11-Oct-20</a:t>
+              <a:t>10/12/2020</a:t>
             </a:fld>
             <a:endParaRPr lang="en-US"/>
           </a:p>
@@ -15449,7 +19474,7 @@
             <a:fld id="{8E36636D-D922-432D-A958-524484B5923D}" type="datetimeFigureOut">
               <a:rPr lang="en-US" smtClean="0"/>
               <a:pPr/>
-              <a:t>11-Oct-20</a:t>
+              <a:t>10/12/2020</a:t>
             </a:fld>
             <a:endParaRPr lang="en-US"/>
           </a:p>
@@ -15683,7 +19708,7 @@
             <a:fld id="{8E36636D-D922-432D-A958-524484B5923D}" type="datetimeFigureOut">
               <a:rPr lang="en-US" smtClean="0"/>
               <a:pPr/>
-              <a:t>11-Oct-20</a:t>
+              <a:t>10/12/2020</a:t>
             </a:fld>
             <a:endParaRPr lang="en-US"/>
           </a:p>
@@ -16475,6 +20500,1762 @@
 </p:sld>
 </file>
 
+<file path=ppt/slides/slide10.xml><?xml version="1.0" encoding="utf-8"?>
+<p:sld xmlns:a="http://schemas.openxmlformats.org/drawingml/2006/main" xmlns:r="http://schemas.openxmlformats.org/officeDocument/2006/relationships" xmlns:p="http://schemas.openxmlformats.org/presentationml/2006/main">
+  <p:cSld>
+    <p:spTree>
+      <p:nvGrpSpPr>
+        <p:cNvPr id="1" name=""/>
+        <p:cNvGrpSpPr/>
+        <p:nvPr/>
+      </p:nvGrpSpPr>
+      <p:grpSpPr>
+        <a:xfrm>
+          <a:off x="0" y="0"/>
+          <a:ext cx="0" cy="0"/>
+          <a:chOff x="0" y="0"/>
+          <a:chExt cx="0" cy="0"/>
+        </a:xfrm>
+      </p:grpSpPr>
+      <p:sp>
+        <p:nvSpPr>
+          <p:cNvPr id="2" name="Title 1">
+            <a:extLst>
+              <a:ext uri="{FF2B5EF4-FFF2-40B4-BE49-F238E27FC236}">
+                <a16:creationId xmlns:a16="http://schemas.microsoft.com/office/drawing/2014/main" id="{BDDE050F-FFF2-4B09-8DE1-70CA9D9B58C7}"/>
+              </a:ext>
+            </a:extLst>
+          </p:cNvPr>
+          <p:cNvSpPr>
+            <a:spLocks noGrp="1"/>
+          </p:cNvSpPr>
+          <p:nvPr>
+            <p:ph type="title"/>
+          </p:nvPr>
+        </p:nvSpPr>
+        <p:spPr/>
+        <p:txBody>
+          <a:bodyPr/>
+          <a:lstStyle/>
+          <a:p>
+            <a:r>
+              <a:rPr lang="it-IT" sz="4000" dirty="0"/>
+              <a:t>Array paralleli con ricerca binaria</a:t>
+            </a:r>
+            <a:endParaRPr lang="en-US" dirty="0"/>
+          </a:p>
+        </p:txBody>
+      </p:sp>
+      <p:sp>
+        <p:nvSpPr>
+          <p:cNvPr id="3" name="Content Placeholder 2">
+            <a:extLst>
+              <a:ext uri="{FF2B5EF4-FFF2-40B4-BE49-F238E27FC236}">
+                <a16:creationId xmlns:a16="http://schemas.microsoft.com/office/drawing/2014/main" id="{A8C9DEBD-92ED-44B2-939A-3301DC86EC17}"/>
+              </a:ext>
+            </a:extLst>
+          </p:cNvPr>
+          <p:cNvSpPr>
+            <a:spLocks noGrp="1"/>
+          </p:cNvSpPr>
+          <p:nvPr>
+            <p:ph idx="1"/>
+          </p:nvPr>
+        </p:nvSpPr>
+        <p:spPr/>
+        <p:txBody>
+          <a:bodyPr/>
+          <a:lstStyle/>
+          <a:p>
+            <a:pPr marL="36900" indent="0" algn="ctr">
+              <a:buNone/>
+            </a:pPr>
+            <a:r>
+              <a:rPr lang="it-IT" dirty="0"/>
+              <a:t>Due array, files e ports utilizzo Arrays.binarySearch() -&gt; numero &lt;0 se non lo trova</a:t>
+            </a:r>
+            <a:endParaRPr lang="en-US" dirty="0"/>
+          </a:p>
+          <a:p>
+            <a:pPr algn="ctr"/>
+            <a:endParaRPr lang="en-US" dirty="0"/>
+          </a:p>
+        </p:txBody>
+      </p:sp>
+      <p:pic>
+        <p:nvPicPr>
+          <p:cNvPr id="7" name="Picture 6" descr="Text&#10;&#10;Description automatically generated">
+            <a:extLst>
+              <a:ext uri="{FF2B5EF4-FFF2-40B4-BE49-F238E27FC236}">
+                <a16:creationId xmlns:a16="http://schemas.microsoft.com/office/drawing/2014/main" id="{3133E17D-0655-40B1-9894-D52618605EF0}"/>
+              </a:ext>
+            </a:extLst>
+          </p:cNvPr>
+          <p:cNvPicPr>
+            <a:picLocks noChangeAspect="1"/>
+          </p:cNvPicPr>
+          <p:nvPr/>
+        </p:nvPicPr>
+        <p:blipFill>
+          <a:blip r:embed="rId2"/>
+          <a:stretch>
+            <a:fillRect/>
+          </a:stretch>
+        </p:blipFill>
+        <p:spPr>
+          <a:xfrm>
+            <a:off x="3290664" y="2856334"/>
+            <a:ext cx="5610672" cy="1145331"/>
+          </a:xfrm>
+          <a:prstGeom prst="rect">
+            <a:avLst/>
+          </a:prstGeom>
+        </p:spPr>
+      </p:pic>
+    </p:spTree>
+    <p:extLst>
+      <p:ext uri="{BB962C8B-B14F-4D97-AF65-F5344CB8AC3E}">
+        <p14:creationId xmlns:p14="http://schemas.microsoft.com/office/powerpoint/2010/main" val="615137944"/>
+      </p:ext>
+    </p:extLst>
+  </p:cSld>
+  <p:clrMapOvr>
+    <a:masterClrMapping/>
+  </p:clrMapOvr>
+</p:sld>
+</file>
+
+<file path=ppt/slides/slide11.xml><?xml version="1.0" encoding="utf-8"?>
+<p:sld xmlns:a="http://schemas.openxmlformats.org/drawingml/2006/main" xmlns:r="http://schemas.openxmlformats.org/officeDocument/2006/relationships" xmlns:p="http://schemas.openxmlformats.org/presentationml/2006/main">
+  <p:cSld>
+    <p:spTree>
+      <p:nvGrpSpPr>
+        <p:cNvPr id="1" name=""/>
+        <p:cNvGrpSpPr/>
+        <p:nvPr/>
+      </p:nvGrpSpPr>
+      <p:grpSpPr>
+        <a:xfrm>
+          <a:off x="0" y="0"/>
+          <a:ext cx="0" cy="0"/>
+          <a:chOff x="0" y="0"/>
+          <a:chExt cx="0" cy="0"/>
+        </a:xfrm>
+      </p:grpSpPr>
+      <p:sp>
+        <p:nvSpPr>
+          <p:cNvPr id="2" name="Title 1">
+            <a:extLst>
+              <a:ext uri="{FF2B5EF4-FFF2-40B4-BE49-F238E27FC236}">
+                <a16:creationId xmlns:a16="http://schemas.microsoft.com/office/drawing/2014/main" id="{276F4A84-0007-4D2A-98D6-BFF6D9799C9F}"/>
+              </a:ext>
+            </a:extLst>
+          </p:cNvPr>
+          <p:cNvSpPr>
+            <a:spLocks noGrp="1"/>
+          </p:cNvSpPr>
+          <p:nvPr>
+            <p:ph type="title"/>
+          </p:nvPr>
+        </p:nvSpPr>
+        <p:spPr/>
+        <p:txBody>
+          <a:bodyPr>
+            <a:normAutofit/>
+          </a:bodyPr>
+          <a:lstStyle/>
+          <a:p>
+            <a:r>
+              <a:rPr lang="it-IT" sz="4000" dirty="0"/>
+              <a:t>ArrayList paralleli</a:t>
+            </a:r>
+            <a:endParaRPr lang="en-US" dirty="0"/>
+          </a:p>
+        </p:txBody>
+      </p:sp>
+      <p:sp>
+        <p:nvSpPr>
+          <p:cNvPr id="3" name="Content Placeholder 2">
+            <a:extLst>
+              <a:ext uri="{FF2B5EF4-FFF2-40B4-BE49-F238E27FC236}">
+                <a16:creationId xmlns:a16="http://schemas.microsoft.com/office/drawing/2014/main" id="{44443409-8CBB-44AF-B8DA-FD39757A97FC}"/>
+              </a:ext>
+            </a:extLst>
+          </p:cNvPr>
+          <p:cNvSpPr>
+            <a:spLocks noGrp="1"/>
+          </p:cNvSpPr>
+          <p:nvPr>
+            <p:ph idx="1"/>
+          </p:nvPr>
+        </p:nvSpPr>
+        <p:spPr/>
+        <p:txBody>
+          <a:bodyPr/>
+          <a:lstStyle/>
+          <a:p>
+            <a:pPr marL="36900" indent="0" algn="ctr">
+              <a:buNone/>
+            </a:pPr>
+            <a:r>
+              <a:rPr lang="it-IT" dirty="0"/>
+              <a:t>Due arrayList, files e ports uso indexOf() e get()</a:t>
+            </a:r>
+            <a:endParaRPr lang="en-US" dirty="0"/>
+          </a:p>
+          <a:p>
+            <a:pPr marL="36900" indent="0">
+              <a:buNone/>
+            </a:pPr>
+            <a:endParaRPr lang="en-US" dirty="0"/>
+          </a:p>
+        </p:txBody>
+      </p:sp>
+      <p:pic>
+        <p:nvPicPr>
+          <p:cNvPr id="5" name="Picture 4" descr="Text&#10;&#10;Description automatically generated">
+            <a:extLst>
+              <a:ext uri="{FF2B5EF4-FFF2-40B4-BE49-F238E27FC236}">
+                <a16:creationId xmlns:a16="http://schemas.microsoft.com/office/drawing/2014/main" id="{1107C4BE-2AD4-4479-938C-135E2C60C12F}"/>
+              </a:ext>
+            </a:extLst>
+          </p:cNvPr>
+          <p:cNvPicPr>
+            <a:picLocks noChangeAspect="1"/>
+          </p:cNvPicPr>
+          <p:nvPr/>
+        </p:nvPicPr>
+        <p:blipFill>
+          <a:blip r:embed="rId2"/>
+          <a:stretch>
+            <a:fillRect/>
+          </a:stretch>
+        </p:blipFill>
+        <p:spPr>
+          <a:xfrm>
+            <a:off x="3546141" y="2861423"/>
+            <a:ext cx="5099717" cy="1135153"/>
+          </a:xfrm>
+          <a:prstGeom prst="rect">
+            <a:avLst/>
+          </a:prstGeom>
+        </p:spPr>
+      </p:pic>
+    </p:spTree>
+    <p:extLst>
+      <p:ext uri="{BB962C8B-B14F-4D97-AF65-F5344CB8AC3E}">
+        <p14:creationId xmlns:p14="http://schemas.microsoft.com/office/powerpoint/2010/main" val="4009013068"/>
+      </p:ext>
+    </p:extLst>
+  </p:cSld>
+  <p:clrMapOvr>
+    <a:masterClrMapping/>
+  </p:clrMapOvr>
+</p:sld>
+</file>
+
+<file path=ppt/slides/slide12.xml><?xml version="1.0" encoding="utf-8"?>
+<p:sld xmlns:a="http://schemas.openxmlformats.org/drawingml/2006/main" xmlns:r="http://schemas.openxmlformats.org/officeDocument/2006/relationships" xmlns:p="http://schemas.openxmlformats.org/presentationml/2006/main">
+  <p:cSld>
+    <p:spTree>
+      <p:nvGrpSpPr>
+        <p:cNvPr id="1" name=""/>
+        <p:cNvGrpSpPr/>
+        <p:nvPr/>
+      </p:nvGrpSpPr>
+      <p:grpSpPr>
+        <a:xfrm>
+          <a:off x="0" y="0"/>
+          <a:ext cx="0" cy="0"/>
+          <a:chOff x="0" y="0"/>
+          <a:chExt cx="0" cy="0"/>
+        </a:xfrm>
+      </p:grpSpPr>
+      <p:sp>
+        <p:nvSpPr>
+          <p:cNvPr id="2" name="Title 1">
+            <a:extLst>
+              <a:ext uri="{FF2B5EF4-FFF2-40B4-BE49-F238E27FC236}">
+                <a16:creationId xmlns:a16="http://schemas.microsoft.com/office/drawing/2014/main" id="{43A2A3B2-0356-46D1-A602-FDFBEC6793AC}"/>
+              </a:ext>
+            </a:extLst>
+          </p:cNvPr>
+          <p:cNvSpPr>
+            <a:spLocks noGrp="1"/>
+          </p:cNvSpPr>
+          <p:nvPr>
+            <p:ph type="title"/>
+          </p:nvPr>
+        </p:nvSpPr>
+        <p:spPr/>
+        <p:txBody>
+          <a:bodyPr/>
+          <a:lstStyle/>
+          <a:p>
+            <a:r>
+              <a:rPr lang="it-IT" sz="4000" dirty="0"/>
+              <a:t>HashMap</a:t>
+            </a:r>
+            <a:endParaRPr lang="en-US" dirty="0"/>
+          </a:p>
+        </p:txBody>
+      </p:sp>
+      <p:sp>
+        <p:nvSpPr>
+          <p:cNvPr id="3" name="Content Placeholder 2">
+            <a:extLst>
+              <a:ext uri="{FF2B5EF4-FFF2-40B4-BE49-F238E27FC236}">
+                <a16:creationId xmlns:a16="http://schemas.microsoft.com/office/drawing/2014/main" id="{6B3B829A-0C6B-4586-BBA7-2A469D1C9FD8}"/>
+              </a:ext>
+            </a:extLst>
+          </p:cNvPr>
+          <p:cNvSpPr>
+            <a:spLocks noGrp="1"/>
+          </p:cNvSpPr>
+          <p:nvPr>
+            <p:ph idx="1"/>
+          </p:nvPr>
+        </p:nvSpPr>
+        <p:spPr/>
+        <p:txBody>
+          <a:bodyPr/>
+          <a:lstStyle/>
+          <a:p>
+            <a:pPr marL="36900" indent="0" algn="ctr">
+              <a:buNone/>
+            </a:pPr>
+            <a:r>
+              <a:rPr lang="it-IT" dirty="0"/>
+              <a:t>Una mappa &lt;String,Integer&gt;, utilizzo getOrDefault()</a:t>
+            </a:r>
+            <a:endParaRPr lang="en-US" dirty="0"/>
+          </a:p>
+          <a:p>
+            <a:pPr marL="36900" indent="0" algn="ctr">
+              <a:buNone/>
+            </a:pPr>
+            <a:endParaRPr lang="en-US" dirty="0"/>
+          </a:p>
+        </p:txBody>
+      </p:sp>
+      <p:pic>
+        <p:nvPicPr>
+          <p:cNvPr id="5" name="Picture 4">
+            <a:extLst>
+              <a:ext uri="{FF2B5EF4-FFF2-40B4-BE49-F238E27FC236}">
+                <a16:creationId xmlns:a16="http://schemas.microsoft.com/office/drawing/2014/main" id="{13C3A49F-4788-4217-8DF2-E6E9974C14C8}"/>
+              </a:ext>
+            </a:extLst>
+          </p:cNvPr>
+          <p:cNvPicPr>
+            <a:picLocks noChangeAspect="1"/>
+          </p:cNvPicPr>
+          <p:nvPr/>
+        </p:nvPicPr>
+        <p:blipFill>
+          <a:blip r:embed="rId2"/>
+          <a:stretch>
+            <a:fillRect/>
+          </a:stretch>
+        </p:blipFill>
+        <p:spPr>
+          <a:xfrm>
+            <a:off x="2054101" y="3096002"/>
+            <a:ext cx="8073149" cy="665995"/>
+          </a:xfrm>
+          <a:prstGeom prst="rect">
+            <a:avLst/>
+          </a:prstGeom>
+        </p:spPr>
+      </p:pic>
+    </p:spTree>
+    <p:extLst>
+      <p:ext uri="{BB962C8B-B14F-4D97-AF65-F5344CB8AC3E}">
+        <p14:creationId xmlns:p14="http://schemas.microsoft.com/office/powerpoint/2010/main" val="1038082106"/>
+      </p:ext>
+    </p:extLst>
+  </p:cSld>
+  <p:clrMapOvr>
+    <a:masterClrMapping/>
+  </p:clrMapOvr>
+</p:sld>
+</file>
+
+<file path=ppt/slides/slide13.xml><?xml version="1.0" encoding="utf-8"?>
+<p:sld xmlns:a="http://schemas.openxmlformats.org/drawingml/2006/main" xmlns:r="http://schemas.openxmlformats.org/officeDocument/2006/relationships" xmlns:p="http://schemas.openxmlformats.org/presentationml/2006/main">
+  <p:cSld>
+    <p:spTree>
+      <p:nvGrpSpPr>
+        <p:cNvPr id="1" name=""/>
+        <p:cNvGrpSpPr/>
+        <p:nvPr/>
+      </p:nvGrpSpPr>
+      <p:grpSpPr>
+        <a:xfrm>
+          <a:off x="0" y="0"/>
+          <a:ext cx="0" cy="0"/>
+          <a:chOff x="0" y="0"/>
+          <a:chExt cx="0" cy="0"/>
+        </a:xfrm>
+      </p:grpSpPr>
+      <p:sp>
+        <p:nvSpPr>
+          <p:cNvPr id="2" name="Title 1">
+            <a:extLst>
+              <a:ext uri="{FF2B5EF4-FFF2-40B4-BE49-F238E27FC236}">
+                <a16:creationId xmlns:a16="http://schemas.microsoft.com/office/drawing/2014/main" id="{08ED1C32-1217-46B7-A501-82EA71107918}"/>
+              </a:ext>
+            </a:extLst>
+          </p:cNvPr>
+          <p:cNvSpPr>
+            <a:spLocks noGrp="1"/>
+          </p:cNvSpPr>
+          <p:nvPr>
+            <p:ph type="title"/>
+          </p:nvPr>
+        </p:nvSpPr>
+        <p:spPr/>
+        <p:txBody>
+          <a:bodyPr/>
+          <a:lstStyle/>
+          <a:p>
+            <a:r>
+              <a:rPr lang="it-IT" dirty="0"/>
+              <a:t>Progettazione Soluzione</a:t>
+            </a:r>
+            <a:endParaRPr lang="en-US" dirty="0"/>
+          </a:p>
+        </p:txBody>
+      </p:sp>
+      <p:sp>
+        <p:nvSpPr>
+          <p:cNvPr id="4" name="Content Placeholder 3">
+            <a:extLst>
+              <a:ext uri="{FF2B5EF4-FFF2-40B4-BE49-F238E27FC236}">
+                <a16:creationId xmlns:a16="http://schemas.microsoft.com/office/drawing/2014/main" id="{ABC0E298-BC9F-441C-8E80-1F4D1868F2D5}"/>
+              </a:ext>
+            </a:extLst>
+          </p:cNvPr>
+          <p:cNvSpPr>
+            <a:spLocks noGrp="1"/>
+          </p:cNvSpPr>
+          <p:nvPr>
+            <p:ph idx="1"/>
+          </p:nvPr>
+        </p:nvSpPr>
+        <p:spPr/>
+        <p:txBody>
+          <a:bodyPr/>
+          <a:lstStyle/>
+          <a:p>
+            <a:r>
+              <a:rPr lang="it-IT"/>
+              <a:t>TODO</a:t>
+            </a:r>
+            <a:endParaRPr lang="en-US"/>
+          </a:p>
+        </p:txBody>
+      </p:sp>
+    </p:spTree>
+    <p:extLst>
+      <p:ext uri="{BB962C8B-B14F-4D97-AF65-F5344CB8AC3E}">
+        <p14:creationId xmlns:p14="http://schemas.microsoft.com/office/powerpoint/2010/main" val="2078458315"/>
+      </p:ext>
+    </p:extLst>
+  </p:cSld>
+  <p:clrMapOvr>
+    <a:masterClrMapping/>
+  </p:clrMapOvr>
+</p:sld>
+</file>
+
+<file path=ppt/slides/slide14.xml><?xml version="1.0" encoding="utf-8"?>
+<p:sld xmlns:a="http://schemas.openxmlformats.org/drawingml/2006/main" xmlns:r="http://schemas.openxmlformats.org/officeDocument/2006/relationships" xmlns:p="http://schemas.openxmlformats.org/presentationml/2006/main">
+  <p:cSld>
+    <p:spTree>
+      <p:nvGrpSpPr>
+        <p:cNvPr id="1" name=""/>
+        <p:cNvGrpSpPr/>
+        <p:nvPr/>
+      </p:nvGrpSpPr>
+      <p:grpSpPr>
+        <a:xfrm>
+          <a:off x="0" y="0"/>
+          <a:ext cx="0" cy="0"/>
+          <a:chOff x="0" y="0"/>
+          <a:chExt cx="0" cy="0"/>
+        </a:xfrm>
+      </p:grpSpPr>
+      <p:sp>
+        <p:nvSpPr>
+          <p:cNvPr id="2" name="Title 1">
+            <a:extLst>
+              <a:ext uri="{FF2B5EF4-FFF2-40B4-BE49-F238E27FC236}">
+                <a16:creationId xmlns:a16="http://schemas.microsoft.com/office/drawing/2014/main" id="{1DE5DE4C-4E20-43B0-A130-A3878E3637B2}"/>
+              </a:ext>
+            </a:extLst>
+          </p:cNvPr>
+          <p:cNvSpPr>
+            <a:spLocks noGrp="1"/>
+          </p:cNvSpPr>
+          <p:nvPr>
+            <p:ph type="title"/>
+          </p:nvPr>
+        </p:nvSpPr>
+        <p:spPr/>
+        <p:txBody>
+          <a:bodyPr>
+            <a:normAutofit/>
+          </a:bodyPr>
+          <a:lstStyle/>
+          <a:p>
+            <a:r>
+              <a:rPr lang="en-US" sz="4000" dirty="0" err="1"/>
+              <a:t>Collaudo</a:t>
+            </a:r>
+            <a:br>
+              <a:rPr lang="en-US" sz="4000" dirty="0"/>
+            </a:br>
+            <a:endParaRPr lang="en-US" sz="4000" dirty="0"/>
+          </a:p>
+        </p:txBody>
+      </p:sp>
+      <p:sp>
+        <p:nvSpPr>
+          <p:cNvPr id="5" name="Segnaposto contenuto 4">
+            <a:extLst>
+              <a:ext uri="{FF2B5EF4-FFF2-40B4-BE49-F238E27FC236}">
+                <a16:creationId xmlns:a16="http://schemas.microsoft.com/office/drawing/2014/main" id="{710333A3-B884-4960-BB1C-82811B257BF6}"/>
+              </a:ext>
+            </a:extLst>
+          </p:cNvPr>
+          <p:cNvSpPr>
+            <a:spLocks noGrp="1"/>
+          </p:cNvSpPr>
+          <p:nvPr>
+            <p:ph idx="1"/>
+          </p:nvPr>
+        </p:nvSpPr>
+        <p:spPr/>
+        <p:txBody>
+          <a:bodyPr anchor="ctr">
+            <a:normAutofit/>
+          </a:bodyPr>
+          <a:lstStyle/>
+          <a:p>
+            <a:r>
+              <a:rPr lang="en-GB" sz="2400" dirty="0" err="1"/>
+              <a:t>Ricerca</a:t>
+            </a:r>
+            <a:r>
+              <a:rPr lang="en-GB" sz="2400" dirty="0"/>
+              <a:t> di </a:t>
+            </a:r>
+            <a:r>
+              <a:rPr lang="en-GB" sz="2400" dirty="0" err="1"/>
+              <a:t>possibili</a:t>
+            </a:r>
+            <a:r>
+              <a:rPr lang="en-GB" sz="2400" dirty="0"/>
+              <a:t> </a:t>
+            </a:r>
+            <a:r>
+              <a:rPr lang="en-GB" sz="2400" dirty="0" err="1"/>
+              <a:t>errori</a:t>
+            </a:r>
+            <a:r>
+              <a:rPr lang="en-GB" sz="2400" dirty="0"/>
+              <a:t> </a:t>
+            </a:r>
+            <a:r>
+              <a:rPr lang="en-GB" sz="2400" dirty="0" err="1"/>
+              <a:t>dell’input</a:t>
+            </a:r>
+            <a:endParaRPr lang="en-GB" sz="2400" dirty="0"/>
+          </a:p>
+          <a:p>
+            <a:r>
+              <a:rPr lang="en-GB" sz="2400" dirty="0" err="1"/>
+              <a:t>Ricerca</a:t>
+            </a:r>
+            <a:r>
+              <a:rPr lang="en-GB" sz="2400" dirty="0"/>
+              <a:t> di </a:t>
+            </a:r>
+            <a:r>
+              <a:rPr lang="en-GB" sz="2400" dirty="0" err="1"/>
+              <a:t>possibili</a:t>
+            </a:r>
+            <a:r>
+              <a:rPr lang="en-GB" sz="2400" dirty="0"/>
+              <a:t> </a:t>
+            </a:r>
+            <a:r>
+              <a:rPr lang="en-GB" sz="2400" dirty="0" err="1"/>
+              <a:t>errori</a:t>
+            </a:r>
+            <a:r>
+              <a:rPr lang="en-GB" sz="2400" dirty="0"/>
+              <a:t> a </a:t>
+            </a:r>
+            <a:r>
+              <a:rPr lang="en-GB" sz="2400" dirty="0" err="1"/>
+              <a:t>RunTime</a:t>
+            </a:r>
+            <a:endParaRPr lang="en-GB" sz="2400" dirty="0"/>
+          </a:p>
+          <a:p>
+            <a:r>
+              <a:rPr lang="en-GB" sz="2400" dirty="0" err="1"/>
+              <a:t>Ricerca</a:t>
+            </a:r>
+            <a:r>
+              <a:rPr lang="en-GB" sz="2400" dirty="0"/>
+              <a:t> di </a:t>
+            </a:r>
+            <a:r>
+              <a:rPr lang="en-GB" sz="2400" dirty="0" err="1"/>
+              <a:t>possibili</a:t>
+            </a:r>
+            <a:r>
+              <a:rPr lang="en-GB" sz="2400" dirty="0"/>
+              <a:t> </a:t>
+            </a:r>
+            <a:r>
+              <a:rPr lang="en-GB" sz="2400" dirty="0" err="1"/>
+              <a:t>errori</a:t>
+            </a:r>
+            <a:r>
+              <a:rPr lang="en-GB" sz="2400" dirty="0"/>
+              <a:t> </a:t>
+            </a:r>
+            <a:r>
+              <a:rPr lang="en-GB" sz="2400" dirty="0" err="1"/>
+              <a:t>dell’output</a:t>
+            </a:r>
+            <a:endParaRPr lang="en-GB" sz="2400" dirty="0"/>
+          </a:p>
+          <a:p>
+            <a:endParaRPr lang="en-GB" sz="2400" dirty="0"/>
+          </a:p>
+        </p:txBody>
+      </p:sp>
+      <p:sp>
+        <p:nvSpPr>
+          <p:cNvPr id="6" name="Segnaposto testo 5">
+            <a:extLst>
+              <a:ext uri="{FF2B5EF4-FFF2-40B4-BE49-F238E27FC236}">
+                <a16:creationId xmlns:a16="http://schemas.microsoft.com/office/drawing/2014/main" id="{AB260758-ED19-4F3D-A104-38633F39559C}"/>
+              </a:ext>
+            </a:extLst>
+          </p:cNvPr>
+          <p:cNvSpPr>
+            <a:spLocks noGrp="1"/>
+          </p:cNvSpPr>
+          <p:nvPr>
+            <p:ph type="body" sz="half" idx="2"/>
+          </p:nvPr>
+        </p:nvSpPr>
+        <p:spPr/>
+        <p:txBody>
+          <a:bodyPr>
+            <a:normAutofit/>
+          </a:bodyPr>
+          <a:lstStyle/>
+          <a:p>
+            <a:r>
+              <a:rPr lang="en-GB" sz="2400" dirty="0" err="1"/>
+              <a:t>Tramite</a:t>
+            </a:r>
+            <a:r>
+              <a:rPr lang="en-GB" sz="2400" dirty="0"/>
+              <a:t> </a:t>
+            </a:r>
+            <a:r>
+              <a:rPr lang="en-GB" sz="2400" dirty="0" err="1"/>
+              <a:t>utilizzo</a:t>
+            </a:r>
+            <a:r>
+              <a:rPr lang="en-GB" sz="2400" dirty="0"/>
+              <a:t> di assert e </a:t>
+            </a:r>
+            <a:r>
+              <a:rPr lang="en-GB" sz="2400" dirty="0" err="1"/>
+              <a:t>Strumenti</a:t>
+            </a:r>
+            <a:r>
+              <a:rPr lang="en-GB" sz="2400" dirty="0"/>
+              <a:t> di debug</a:t>
+            </a:r>
+          </a:p>
+          <a:p>
+            <a:endParaRPr lang="it-IT" sz="2400" dirty="0"/>
+          </a:p>
+        </p:txBody>
+      </p:sp>
+      <p:sp>
+        <p:nvSpPr>
+          <p:cNvPr id="3" name="TextBox 2">
+            <a:extLst>
+              <a:ext uri="{FF2B5EF4-FFF2-40B4-BE49-F238E27FC236}">
+                <a16:creationId xmlns:a16="http://schemas.microsoft.com/office/drawing/2014/main" id="{405EB24F-3CDB-4580-9E05-B0F95A543820}"/>
+              </a:ext>
+            </a:extLst>
+          </p:cNvPr>
+          <p:cNvSpPr txBox="1"/>
+          <p:nvPr/>
+        </p:nvSpPr>
+        <p:spPr>
+          <a:xfrm>
+            <a:off x="2444199" y="4893734"/>
+            <a:ext cx="7303602" cy="707886"/>
+          </a:xfrm>
+          <a:prstGeom prst="rect">
+            <a:avLst/>
+          </a:prstGeom>
+          <a:noFill/>
+        </p:spPr>
+        <p:txBody>
+          <a:bodyPr wrap="none" rtlCol="0">
+            <a:spAutoFit/>
+          </a:bodyPr>
+          <a:lstStyle/>
+          <a:p>
+            <a:r>
+              <a:rPr lang="it-IT" sz="4000" dirty="0">
+                <a:solidFill>
+                  <a:schemeClr val="tx2"/>
+                </a:solidFill>
+                <a:latin typeface="+mj-lt"/>
+              </a:rPr>
+              <a:t>Ma come migliorare l’efficienza?</a:t>
+            </a:r>
+            <a:endParaRPr lang="en-US" sz="4000" dirty="0">
+              <a:solidFill>
+                <a:schemeClr val="tx2"/>
+              </a:solidFill>
+              <a:latin typeface="+mj-lt"/>
+            </a:endParaRPr>
+          </a:p>
+        </p:txBody>
+      </p:sp>
+    </p:spTree>
+    <p:extLst>
+      <p:ext uri="{BB962C8B-B14F-4D97-AF65-F5344CB8AC3E}">
+        <p14:creationId xmlns:p14="http://schemas.microsoft.com/office/powerpoint/2010/main" val="3020919706"/>
+      </p:ext>
+    </p:extLst>
+  </p:cSld>
+  <p:clrMapOvr>
+    <a:masterClrMapping/>
+  </p:clrMapOvr>
+</p:sld>
+</file>
+
+<file path=ppt/slides/slide15.xml><?xml version="1.0" encoding="utf-8"?>
+<p:sld xmlns:a="http://schemas.openxmlformats.org/drawingml/2006/main" xmlns:r="http://schemas.openxmlformats.org/officeDocument/2006/relationships" xmlns:p="http://schemas.openxmlformats.org/presentationml/2006/main">
+  <p:cSld>
+    <p:bg>
+      <p:bgPr>
+        <a:blipFill rotWithShape="1">
+          <a:blip r:embed="rId2">
+            <a:duotone>
+              <a:schemeClr val="bg2">
+                <a:shade val="80000"/>
+                <a:lumMod val="80000"/>
+              </a:schemeClr>
+              <a:schemeClr val="bg2">
+                <a:tint val="98000"/>
+              </a:schemeClr>
+            </a:duotone>
+          </a:blip>
+          <a:stretch/>
+        </a:blipFill>
+        <a:effectLst/>
+      </p:bgPr>
+    </p:bg>
+    <p:spTree>
+      <p:nvGrpSpPr>
+        <p:cNvPr id="1" name=""/>
+        <p:cNvGrpSpPr/>
+        <p:nvPr/>
+      </p:nvGrpSpPr>
+      <p:grpSpPr>
+        <a:xfrm>
+          <a:off x="0" y="0"/>
+          <a:ext cx="0" cy="0"/>
+          <a:chOff x="0" y="0"/>
+          <a:chExt cx="0" cy="0"/>
+        </a:xfrm>
+      </p:grpSpPr>
+      <p:sp>
+        <p:nvSpPr>
+          <p:cNvPr id="2" name="Title 1">
+            <a:extLst>
+              <a:ext uri="{FF2B5EF4-FFF2-40B4-BE49-F238E27FC236}">
+                <a16:creationId xmlns:a16="http://schemas.microsoft.com/office/drawing/2014/main" id="{C8D0834A-63B9-42ED-878D-FB4E22C7A061}"/>
+              </a:ext>
+            </a:extLst>
+          </p:cNvPr>
+          <p:cNvSpPr>
+            <a:spLocks noGrp="1"/>
+          </p:cNvSpPr>
+          <p:nvPr>
+            <p:ph type="title"/>
+          </p:nvPr>
+        </p:nvSpPr>
+        <p:spPr>
+          <a:xfrm>
+            <a:off x="633743" y="609599"/>
+            <a:ext cx="3413156" cy="5273675"/>
+          </a:xfrm>
+        </p:spPr>
+        <p:txBody>
+          <a:bodyPr>
+            <a:normAutofit/>
+          </a:bodyPr>
+          <a:lstStyle/>
+          <a:p>
+            <a:r>
+              <a:rPr lang="it-IT" dirty="0"/>
+              <a:t>Analisi Efficienza</a:t>
+            </a:r>
+            <a:endParaRPr lang="en-US" dirty="0"/>
+          </a:p>
+        </p:txBody>
+      </p:sp>
+      <p:pic>
+        <p:nvPicPr>
+          <p:cNvPr id="9" name="Picture 8">
+            <a:extLst>
+              <a:ext uri="{FF2B5EF4-FFF2-40B4-BE49-F238E27FC236}">
+                <a16:creationId xmlns:a16="http://schemas.microsoft.com/office/drawing/2014/main" id="{346433CB-2CDB-406F-B6CD-FA054F603FD1}"/>
+              </a:ext>
+              <a:ext uri="{C183D7F6-B498-43B3-948B-1728B52AA6E4}">
+                <adec:decorative xmlns:adec="http://schemas.microsoft.com/office/drawing/2017/decorative" val="1"/>
+              </a:ext>
+            </a:extLst>
+          </p:cNvPr>
+          <p:cNvPicPr>
+            <a:picLocks noGrp="1" noRot="1" noChangeAspect="1" noMove="1" noResize="1" noEditPoints="1" noAdjustHandles="1" noChangeArrowheads="1" noChangeShapeType="1" noCrop="1"/>
+          </p:cNvPicPr>
+          <p:nvPr>
+            <p:extLst>
+              <p:ext uri="{386F3935-93C4-4BCD-93E2-E3B085C9AB24}">
+                <p16:designElem xmlns:p16="http://schemas.microsoft.com/office/powerpoint/2015/main" val="1"/>
+              </p:ext>
+            </p:extLst>
+          </p:nvPr>
+        </p:nvPicPr>
+        <p:blipFill rotWithShape="1">
+          <a:blip r:embed="rId3">
+            <a:extLst>
+              <a:ext uri="{28A0092B-C50C-407E-A947-70E740481C1C}">
+                <a14:useLocalDpi xmlns:a14="http://schemas.microsoft.com/office/drawing/2010/main" val="0"/>
+              </a:ext>
+            </a:extLst>
+          </a:blip>
+          <a:srcRect t="964" r="2807" b="1446"/>
+          <a:stretch/>
+        </p:blipFill>
+        <p:spPr>
+          <a:xfrm>
+            <a:off x="4639056" y="2"/>
+            <a:ext cx="7552944" cy="6857998"/>
+          </a:xfrm>
+          <a:prstGeom prst="rect">
+            <a:avLst/>
+          </a:prstGeom>
+        </p:spPr>
+      </p:pic>
+      <p:graphicFrame>
+        <p:nvGraphicFramePr>
+          <p:cNvPr id="5" name="Content Placeholder 2">
+            <a:extLst>
+              <a:ext uri="{FF2B5EF4-FFF2-40B4-BE49-F238E27FC236}">
+                <a16:creationId xmlns:a16="http://schemas.microsoft.com/office/drawing/2014/main" id="{B560FC20-0547-4CDE-B045-97C29CA36D14}"/>
+              </a:ext>
+            </a:extLst>
+          </p:cNvPr>
+          <p:cNvGraphicFramePr>
+            <a:graphicFrameLocks noGrp="1"/>
+          </p:cNvGraphicFramePr>
+          <p:nvPr>
+            <p:ph idx="1"/>
+            <p:extLst>
+              <p:ext uri="{D42A27DB-BD31-4B8C-83A1-F6EECF244321}">
+                <p14:modId xmlns:p14="http://schemas.microsoft.com/office/powerpoint/2010/main" val="1247518247"/>
+              </p:ext>
+            </p:extLst>
+          </p:nvPr>
+        </p:nvGraphicFramePr>
+        <p:xfrm>
+          <a:off x="5282521" y="709683"/>
+          <a:ext cx="6266011" cy="4899547"/>
+        </p:xfrm>
+        <a:graphic>
+          <a:graphicData uri="http://schemas.openxmlformats.org/drawingml/2006/diagram">
+            <dgm:relIds xmlns:dgm="http://schemas.openxmlformats.org/drawingml/2006/diagram" xmlns:r="http://schemas.openxmlformats.org/officeDocument/2006/relationships" r:dm="rId4" r:lo="rId5" r:qs="rId6" r:cs="rId7"/>
+          </a:graphicData>
+        </a:graphic>
+      </p:graphicFrame>
+    </p:spTree>
+    <p:extLst>
+      <p:ext uri="{BB962C8B-B14F-4D97-AF65-F5344CB8AC3E}">
+        <p14:creationId xmlns:p14="http://schemas.microsoft.com/office/powerpoint/2010/main" val="1112498012"/>
+      </p:ext>
+    </p:extLst>
+  </p:cSld>
+  <p:clrMapOvr>
+    <a:masterClrMapping/>
+  </p:clrMapOvr>
+</p:sld>
+</file>
+
+<file path=ppt/slides/slide16.xml><?xml version="1.0" encoding="utf-8"?>
+<p:sld xmlns:a="http://schemas.openxmlformats.org/drawingml/2006/main" xmlns:r="http://schemas.openxmlformats.org/officeDocument/2006/relationships" xmlns:p="http://schemas.openxmlformats.org/presentationml/2006/main">
+  <p:cSld>
+    <p:spTree>
+      <p:nvGrpSpPr>
+        <p:cNvPr id="1" name=""/>
+        <p:cNvGrpSpPr/>
+        <p:nvPr/>
+      </p:nvGrpSpPr>
+      <p:grpSpPr>
+        <a:xfrm>
+          <a:off x="0" y="0"/>
+          <a:ext cx="0" cy="0"/>
+          <a:chOff x="0" y="0"/>
+          <a:chExt cx="0" cy="0"/>
+        </a:xfrm>
+      </p:grpSpPr>
+      <p:sp>
+        <p:nvSpPr>
+          <p:cNvPr id="2" name="Title 1">
+            <a:extLst>
+              <a:ext uri="{FF2B5EF4-FFF2-40B4-BE49-F238E27FC236}">
+                <a16:creationId xmlns:a16="http://schemas.microsoft.com/office/drawing/2014/main" id="{037ADEC7-96B5-4639-BFBC-D447892BB18C}"/>
+              </a:ext>
+            </a:extLst>
+          </p:cNvPr>
+          <p:cNvSpPr>
+            <a:spLocks noGrp="1"/>
+          </p:cNvSpPr>
+          <p:nvPr>
+            <p:ph type="title"/>
+          </p:nvPr>
+        </p:nvSpPr>
+        <p:spPr>
+          <a:xfrm>
+            <a:off x="924530" y="92766"/>
+            <a:ext cx="10353762" cy="970450"/>
+          </a:xfrm>
+        </p:spPr>
+        <p:txBody>
+          <a:bodyPr/>
+          <a:lstStyle/>
+          <a:p>
+            <a:r>
+              <a:rPr lang="it-IT" dirty="0"/>
+              <a:t>1 Client</a:t>
+            </a:r>
+            <a:endParaRPr lang="en-US" dirty="0"/>
+          </a:p>
+        </p:txBody>
+      </p:sp>
+      <p:pic>
+        <p:nvPicPr>
+          <p:cNvPr id="5" name="Content Placeholder 4" descr="Chart, bar chart&#10;&#10;Description automatically generated">
+            <a:extLst>
+              <a:ext uri="{FF2B5EF4-FFF2-40B4-BE49-F238E27FC236}">
+                <a16:creationId xmlns:a16="http://schemas.microsoft.com/office/drawing/2014/main" id="{B811D567-429C-4C56-AD89-2071E2ECA0C1}"/>
+              </a:ext>
+            </a:extLst>
+          </p:cNvPr>
+          <p:cNvPicPr>
+            <a:picLocks noGrp="1" noChangeAspect="1"/>
+          </p:cNvPicPr>
+          <p:nvPr>
+            <p:ph idx="1"/>
+          </p:nvPr>
+        </p:nvPicPr>
+        <p:blipFill>
+          <a:blip r:embed="rId2"/>
+          <a:stretch>
+            <a:fillRect/>
+          </a:stretch>
+        </p:blipFill>
+        <p:spPr>
+          <a:xfrm>
+            <a:off x="814495" y="1008309"/>
+            <a:ext cx="10563010" cy="2770626"/>
+          </a:xfrm>
+        </p:spPr>
+      </p:pic>
+      <p:pic>
+        <p:nvPicPr>
+          <p:cNvPr id="7" name="Picture 6" descr="Chart, bar chart&#10;&#10;Description automatically generated">
+            <a:extLst>
+              <a:ext uri="{FF2B5EF4-FFF2-40B4-BE49-F238E27FC236}">
+                <a16:creationId xmlns:a16="http://schemas.microsoft.com/office/drawing/2014/main" id="{5FB32CC0-BD31-44AD-8F66-1DA5CF3E3284}"/>
+              </a:ext>
+            </a:extLst>
+          </p:cNvPr>
+          <p:cNvPicPr>
+            <a:picLocks noChangeAspect="1"/>
+          </p:cNvPicPr>
+          <p:nvPr/>
+        </p:nvPicPr>
+        <p:blipFill>
+          <a:blip r:embed="rId3"/>
+          <a:stretch>
+            <a:fillRect/>
+          </a:stretch>
+        </p:blipFill>
+        <p:spPr>
+          <a:xfrm>
+            <a:off x="814494" y="3778934"/>
+            <a:ext cx="10563011" cy="2715718"/>
+          </a:xfrm>
+          <a:prstGeom prst="rect">
+            <a:avLst/>
+          </a:prstGeom>
+        </p:spPr>
+      </p:pic>
+      <p:sp>
+        <p:nvSpPr>
+          <p:cNvPr id="8" name="TextBox 7">
+            <a:extLst>
+              <a:ext uri="{FF2B5EF4-FFF2-40B4-BE49-F238E27FC236}">
+                <a16:creationId xmlns:a16="http://schemas.microsoft.com/office/drawing/2014/main" id="{F7FF325B-A778-436B-A1BC-489FC8518A59}"/>
+              </a:ext>
+            </a:extLst>
+          </p:cNvPr>
+          <p:cNvSpPr txBox="1"/>
+          <p:nvPr/>
+        </p:nvSpPr>
+        <p:spPr>
+          <a:xfrm>
+            <a:off x="9428127" y="1063216"/>
+            <a:ext cx="2534200" cy="369332"/>
+          </a:xfrm>
+          <a:prstGeom prst="rect">
+            <a:avLst/>
+          </a:prstGeom>
+          <a:noFill/>
+        </p:spPr>
+        <p:txBody>
+          <a:bodyPr wrap="square" rtlCol="0">
+            <a:spAutoFit/>
+          </a:bodyPr>
+          <a:lstStyle/>
+          <a:p>
+            <a:r>
+              <a:rPr lang="it-IT" dirty="0">
+                <a:solidFill>
+                  <a:schemeClr val="bg1"/>
+                </a:solidFill>
+              </a:rPr>
+              <a:t>Ricerca Lineare</a:t>
+            </a:r>
+            <a:endParaRPr lang="en-US" dirty="0">
+              <a:solidFill>
+                <a:schemeClr val="bg1"/>
+              </a:solidFill>
+            </a:endParaRPr>
+          </a:p>
+        </p:txBody>
+      </p:sp>
+      <p:sp>
+        <p:nvSpPr>
+          <p:cNvPr id="9" name="TextBox 8">
+            <a:extLst>
+              <a:ext uri="{FF2B5EF4-FFF2-40B4-BE49-F238E27FC236}">
+                <a16:creationId xmlns:a16="http://schemas.microsoft.com/office/drawing/2014/main" id="{FB7FB3A3-21AD-4CC8-B3D4-F6C7D0DE5587}"/>
+              </a:ext>
+            </a:extLst>
+          </p:cNvPr>
+          <p:cNvSpPr txBox="1"/>
+          <p:nvPr/>
+        </p:nvSpPr>
+        <p:spPr>
+          <a:xfrm>
+            <a:off x="9428127" y="3778934"/>
+            <a:ext cx="2534200" cy="369332"/>
+          </a:xfrm>
+          <a:prstGeom prst="rect">
+            <a:avLst/>
+          </a:prstGeom>
+          <a:noFill/>
+        </p:spPr>
+        <p:txBody>
+          <a:bodyPr wrap="square" rtlCol="0">
+            <a:spAutoFit/>
+          </a:bodyPr>
+          <a:lstStyle/>
+          <a:p>
+            <a:r>
+              <a:rPr lang="it-IT" dirty="0">
+                <a:solidFill>
+                  <a:schemeClr val="bg1"/>
+                </a:solidFill>
+              </a:rPr>
+              <a:t>Ricerca Binaria</a:t>
+            </a:r>
+            <a:endParaRPr lang="en-US" dirty="0">
+              <a:solidFill>
+                <a:schemeClr val="bg1"/>
+              </a:solidFill>
+            </a:endParaRPr>
+          </a:p>
+        </p:txBody>
+      </p:sp>
+    </p:spTree>
+    <p:extLst>
+      <p:ext uri="{BB962C8B-B14F-4D97-AF65-F5344CB8AC3E}">
+        <p14:creationId xmlns:p14="http://schemas.microsoft.com/office/powerpoint/2010/main" val="277326895"/>
+      </p:ext>
+    </p:extLst>
+  </p:cSld>
+  <p:clrMapOvr>
+    <a:masterClrMapping/>
+  </p:clrMapOvr>
+</p:sld>
+</file>
+
+<file path=ppt/slides/slide17.xml><?xml version="1.0" encoding="utf-8"?>
+<p:sld xmlns:a="http://schemas.openxmlformats.org/drawingml/2006/main" xmlns:r="http://schemas.openxmlformats.org/officeDocument/2006/relationships" xmlns:p="http://schemas.openxmlformats.org/presentationml/2006/main">
+  <p:cSld>
+    <p:spTree>
+      <p:nvGrpSpPr>
+        <p:cNvPr id="1" name=""/>
+        <p:cNvGrpSpPr/>
+        <p:nvPr/>
+      </p:nvGrpSpPr>
+      <p:grpSpPr>
+        <a:xfrm>
+          <a:off x="0" y="0"/>
+          <a:ext cx="0" cy="0"/>
+          <a:chOff x="0" y="0"/>
+          <a:chExt cx="0" cy="0"/>
+        </a:xfrm>
+      </p:grpSpPr>
+      <p:sp>
+        <p:nvSpPr>
+          <p:cNvPr id="2" name="Title 1">
+            <a:extLst>
+              <a:ext uri="{FF2B5EF4-FFF2-40B4-BE49-F238E27FC236}">
+                <a16:creationId xmlns:a16="http://schemas.microsoft.com/office/drawing/2014/main" id="{037ADEC7-96B5-4639-BFBC-D447892BB18C}"/>
+              </a:ext>
+            </a:extLst>
+          </p:cNvPr>
+          <p:cNvSpPr>
+            <a:spLocks noGrp="1"/>
+          </p:cNvSpPr>
+          <p:nvPr>
+            <p:ph type="title"/>
+          </p:nvPr>
+        </p:nvSpPr>
+        <p:spPr>
+          <a:xfrm>
+            <a:off x="924530" y="92766"/>
+            <a:ext cx="10353762" cy="970450"/>
+          </a:xfrm>
+        </p:spPr>
+        <p:txBody>
+          <a:bodyPr/>
+          <a:lstStyle/>
+          <a:p>
+            <a:r>
+              <a:rPr lang="it-IT" dirty="0"/>
+              <a:t>1 Client</a:t>
+            </a:r>
+            <a:endParaRPr lang="en-US" dirty="0"/>
+          </a:p>
+        </p:txBody>
+      </p:sp>
+      <p:pic>
+        <p:nvPicPr>
+          <p:cNvPr id="10" name="Content Placeholder 9" descr="A pencil and paper&#10;&#10;Description automatically generated">
+            <a:extLst>
+              <a:ext uri="{FF2B5EF4-FFF2-40B4-BE49-F238E27FC236}">
+                <a16:creationId xmlns:a16="http://schemas.microsoft.com/office/drawing/2014/main" id="{A80813FA-4241-4AA2-89B2-342D0AEF08F2}"/>
+              </a:ext>
+            </a:extLst>
+          </p:cNvPr>
+          <p:cNvPicPr>
+            <a:picLocks noGrp="1" noChangeAspect="1"/>
+          </p:cNvPicPr>
+          <p:nvPr>
+            <p:ph idx="1"/>
+          </p:nvPr>
+        </p:nvPicPr>
+        <p:blipFill>
+          <a:blip r:embed="rId2"/>
+          <a:stretch>
+            <a:fillRect/>
+          </a:stretch>
+        </p:blipFill>
+        <p:spPr>
+          <a:xfrm>
+            <a:off x="913708" y="3617021"/>
+            <a:ext cx="10359129" cy="2844612"/>
+          </a:xfrm>
+        </p:spPr>
+      </p:pic>
+      <p:pic>
+        <p:nvPicPr>
+          <p:cNvPr id="12" name="Picture 11" descr="Chart, bar chart&#10;&#10;Description automatically generated">
+            <a:extLst>
+              <a:ext uri="{FF2B5EF4-FFF2-40B4-BE49-F238E27FC236}">
+                <a16:creationId xmlns:a16="http://schemas.microsoft.com/office/drawing/2014/main" id="{80BD2E74-346F-42D3-99C6-204A74EE733F}"/>
+              </a:ext>
+            </a:extLst>
+          </p:cNvPr>
+          <p:cNvPicPr>
+            <a:picLocks noChangeAspect="1"/>
+          </p:cNvPicPr>
+          <p:nvPr/>
+        </p:nvPicPr>
+        <p:blipFill>
+          <a:blip r:embed="rId3"/>
+          <a:stretch>
+            <a:fillRect/>
+          </a:stretch>
+        </p:blipFill>
+        <p:spPr>
+          <a:xfrm>
+            <a:off x="924530" y="968568"/>
+            <a:ext cx="10353762" cy="2712776"/>
+          </a:xfrm>
+          <a:prstGeom prst="rect">
+            <a:avLst/>
+          </a:prstGeom>
+        </p:spPr>
+      </p:pic>
+      <p:sp>
+        <p:nvSpPr>
+          <p:cNvPr id="9" name="TextBox 8">
+            <a:extLst>
+              <a:ext uri="{FF2B5EF4-FFF2-40B4-BE49-F238E27FC236}">
+                <a16:creationId xmlns:a16="http://schemas.microsoft.com/office/drawing/2014/main" id="{FB7FB3A3-21AD-4CC8-B3D4-F6C7D0DE5587}"/>
+              </a:ext>
+            </a:extLst>
+          </p:cNvPr>
+          <p:cNvSpPr txBox="1"/>
+          <p:nvPr/>
+        </p:nvSpPr>
+        <p:spPr>
+          <a:xfrm>
+            <a:off x="9657800" y="3618519"/>
+            <a:ext cx="2534200" cy="369332"/>
+          </a:xfrm>
+          <a:prstGeom prst="rect">
+            <a:avLst/>
+          </a:prstGeom>
+          <a:noFill/>
+        </p:spPr>
+        <p:txBody>
+          <a:bodyPr wrap="square" rtlCol="0">
+            <a:spAutoFit/>
+          </a:bodyPr>
+          <a:lstStyle/>
+          <a:p>
+            <a:r>
+              <a:rPr lang="it-IT" dirty="0">
+                <a:solidFill>
+                  <a:schemeClr val="bg1"/>
+                </a:solidFill>
+              </a:rPr>
+              <a:t>HashMap</a:t>
+            </a:r>
+            <a:endParaRPr lang="en-US" dirty="0">
+              <a:solidFill>
+                <a:schemeClr val="bg1"/>
+              </a:solidFill>
+            </a:endParaRPr>
+          </a:p>
+        </p:txBody>
+      </p:sp>
+      <p:sp>
+        <p:nvSpPr>
+          <p:cNvPr id="8" name="TextBox 7">
+            <a:extLst>
+              <a:ext uri="{FF2B5EF4-FFF2-40B4-BE49-F238E27FC236}">
+                <a16:creationId xmlns:a16="http://schemas.microsoft.com/office/drawing/2014/main" id="{F7FF325B-A778-436B-A1BC-489FC8518A59}"/>
+              </a:ext>
+            </a:extLst>
+          </p:cNvPr>
+          <p:cNvSpPr txBox="1"/>
+          <p:nvPr/>
+        </p:nvSpPr>
+        <p:spPr>
+          <a:xfrm>
+            <a:off x="9657800" y="960071"/>
+            <a:ext cx="2534200" cy="369332"/>
+          </a:xfrm>
+          <a:prstGeom prst="rect">
+            <a:avLst/>
+          </a:prstGeom>
+          <a:noFill/>
+        </p:spPr>
+        <p:txBody>
+          <a:bodyPr wrap="square" rtlCol="0">
+            <a:spAutoFit/>
+          </a:bodyPr>
+          <a:lstStyle/>
+          <a:p>
+            <a:r>
+              <a:rPr lang="it-IT" dirty="0">
+                <a:solidFill>
+                  <a:schemeClr val="bg1"/>
+                </a:solidFill>
+              </a:rPr>
+              <a:t>ArrayList</a:t>
+            </a:r>
+            <a:endParaRPr lang="en-US" dirty="0">
+              <a:solidFill>
+                <a:schemeClr val="bg1"/>
+              </a:solidFill>
+            </a:endParaRPr>
+          </a:p>
+        </p:txBody>
+      </p:sp>
+    </p:spTree>
+    <p:extLst>
+      <p:ext uri="{BB962C8B-B14F-4D97-AF65-F5344CB8AC3E}">
+        <p14:creationId xmlns:p14="http://schemas.microsoft.com/office/powerpoint/2010/main" val="2783368502"/>
+      </p:ext>
+    </p:extLst>
+  </p:cSld>
+  <p:clrMapOvr>
+    <a:masterClrMapping/>
+  </p:clrMapOvr>
+</p:sld>
+</file>
+
+<file path=ppt/slides/slide18.xml><?xml version="1.0" encoding="utf-8"?>
+<p:sld xmlns:a="http://schemas.openxmlformats.org/drawingml/2006/main" xmlns:r="http://schemas.openxmlformats.org/officeDocument/2006/relationships" xmlns:p="http://schemas.openxmlformats.org/presentationml/2006/main">
+  <p:cSld>
+    <p:spTree>
+      <p:nvGrpSpPr>
+        <p:cNvPr id="1" name=""/>
+        <p:cNvGrpSpPr/>
+        <p:nvPr/>
+      </p:nvGrpSpPr>
+      <p:grpSpPr>
+        <a:xfrm>
+          <a:off x="0" y="0"/>
+          <a:ext cx="0" cy="0"/>
+          <a:chOff x="0" y="0"/>
+          <a:chExt cx="0" cy="0"/>
+        </a:xfrm>
+      </p:grpSpPr>
+      <p:sp>
+        <p:nvSpPr>
+          <p:cNvPr id="2" name="Title 1">
+            <a:extLst>
+              <a:ext uri="{FF2B5EF4-FFF2-40B4-BE49-F238E27FC236}">
+                <a16:creationId xmlns:a16="http://schemas.microsoft.com/office/drawing/2014/main" id="{037ADEC7-96B5-4639-BFBC-D447892BB18C}"/>
+              </a:ext>
+            </a:extLst>
+          </p:cNvPr>
+          <p:cNvSpPr>
+            <a:spLocks noGrp="1"/>
+          </p:cNvSpPr>
+          <p:nvPr>
+            <p:ph type="title"/>
+          </p:nvPr>
+        </p:nvSpPr>
+        <p:spPr>
+          <a:xfrm>
+            <a:off x="924530" y="92766"/>
+            <a:ext cx="10353762" cy="970450"/>
+          </a:xfrm>
+        </p:spPr>
+        <p:txBody>
+          <a:bodyPr/>
+          <a:lstStyle/>
+          <a:p>
+            <a:r>
+              <a:rPr lang="it-IT" dirty="0"/>
+              <a:t>2 Client</a:t>
+            </a:r>
+            <a:endParaRPr lang="en-US" dirty="0"/>
+          </a:p>
+        </p:txBody>
+      </p:sp>
+      <p:pic>
+        <p:nvPicPr>
+          <p:cNvPr id="11" name="Picture 10" descr="Chart, bar chart&#10;&#10;Description automatically generated">
+            <a:extLst>
+              <a:ext uri="{FF2B5EF4-FFF2-40B4-BE49-F238E27FC236}">
+                <a16:creationId xmlns:a16="http://schemas.microsoft.com/office/drawing/2014/main" id="{FB497347-51CA-4354-9DA1-B007E7EBBE50}"/>
+              </a:ext>
+            </a:extLst>
+          </p:cNvPr>
+          <p:cNvPicPr>
+            <a:picLocks noChangeAspect="1"/>
+          </p:cNvPicPr>
+          <p:nvPr/>
+        </p:nvPicPr>
+        <p:blipFill>
+          <a:blip r:embed="rId2"/>
+          <a:stretch>
+            <a:fillRect/>
+          </a:stretch>
+        </p:blipFill>
+        <p:spPr>
+          <a:xfrm>
+            <a:off x="467372" y="3853606"/>
+            <a:ext cx="11184921" cy="2908322"/>
+          </a:xfrm>
+          <a:prstGeom prst="rect">
+            <a:avLst/>
+          </a:prstGeom>
+        </p:spPr>
+      </p:pic>
+      <p:pic>
+        <p:nvPicPr>
+          <p:cNvPr id="6" name="Content Placeholder 5" descr="Chart, bar chart&#10;&#10;Description automatically generated">
+            <a:extLst>
+              <a:ext uri="{FF2B5EF4-FFF2-40B4-BE49-F238E27FC236}">
+                <a16:creationId xmlns:a16="http://schemas.microsoft.com/office/drawing/2014/main" id="{4546134F-02EC-47F1-901B-0ABE6EFBFEFC}"/>
+              </a:ext>
+            </a:extLst>
+          </p:cNvPr>
+          <p:cNvPicPr>
+            <a:picLocks noGrp="1" noChangeAspect="1"/>
+          </p:cNvPicPr>
+          <p:nvPr>
+            <p:ph idx="1"/>
+          </p:nvPr>
+        </p:nvPicPr>
+        <p:blipFill>
+          <a:blip r:embed="rId3"/>
+          <a:stretch>
+            <a:fillRect/>
+          </a:stretch>
+        </p:blipFill>
+        <p:spPr>
+          <a:xfrm>
+            <a:off x="467373" y="960071"/>
+            <a:ext cx="11184921" cy="2956367"/>
+          </a:xfrm>
+        </p:spPr>
+      </p:pic>
+      <p:sp>
+        <p:nvSpPr>
+          <p:cNvPr id="9" name="TextBox 8">
+            <a:extLst>
+              <a:ext uri="{FF2B5EF4-FFF2-40B4-BE49-F238E27FC236}">
+                <a16:creationId xmlns:a16="http://schemas.microsoft.com/office/drawing/2014/main" id="{FB7FB3A3-21AD-4CC8-B3D4-F6C7D0DE5587}"/>
+              </a:ext>
+            </a:extLst>
+          </p:cNvPr>
+          <p:cNvSpPr txBox="1"/>
+          <p:nvPr/>
+        </p:nvSpPr>
+        <p:spPr>
+          <a:xfrm>
+            <a:off x="9657800" y="3890586"/>
+            <a:ext cx="2534200" cy="369332"/>
+          </a:xfrm>
+          <a:prstGeom prst="rect">
+            <a:avLst/>
+          </a:prstGeom>
+          <a:noFill/>
+        </p:spPr>
+        <p:txBody>
+          <a:bodyPr wrap="square" rtlCol="0">
+            <a:spAutoFit/>
+          </a:bodyPr>
+          <a:lstStyle/>
+          <a:p>
+            <a:r>
+              <a:rPr lang="it-IT" dirty="0">
+                <a:solidFill>
+                  <a:schemeClr val="bg1"/>
+                </a:solidFill>
+              </a:rPr>
+              <a:t>Ricerca Binaria</a:t>
+            </a:r>
+            <a:endParaRPr lang="en-US" dirty="0">
+              <a:solidFill>
+                <a:schemeClr val="bg1"/>
+              </a:solidFill>
+            </a:endParaRPr>
+          </a:p>
+        </p:txBody>
+      </p:sp>
+      <p:sp>
+        <p:nvSpPr>
+          <p:cNvPr id="8" name="TextBox 7">
+            <a:extLst>
+              <a:ext uri="{FF2B5EF4-FFF2-40B4-BE49-F238E27FC236}">
+                <a16:creationId xmlns:a16="http://schemas.microsoft.com/office/drawing/2014/main" id="{F7FF325B-A778-436B-A1BC-489FC8518A59}"/>
+              </a:ext>
+            </a:extLst>
+          </p:cNvPr>
+          <p:cNvSpPr txBox="1"/>
+          <p:nvPr/>
+        </p:nvSpPr>
+        <p:spPr>
+          <a:xfrm>
+            <a:off x="9657800" y="960071"/>
+            <a:ext cx="2534200" cy="369332"/>
+          </a:xfrm>
+          <a:prstGeom prst="rect">
+            <a:avLst/>
+          </a:prstGeom>
+          <a:noFill/>
+        </p:spPr>
+        <p:txBody>
+          <a:bodyPr wrap="square" rtlCol="0">
+            <a:spAutoFit/>
+          </a:bodyPr>
+          <a:lstStyle/>
+          <a:p>
+            <a:r>
+              <a:rPr lang="it-IT" dirty="0">
+                <a:solidFill>
+                  <a:schemeClr val="bg1"/>
+                </a:solidFill>
+              </a:rPr>
+              <a:t>Ricerca Lineare</a:t>
+            </a:r>
+            <a:endParaRPr lang="en-US" dirty="0">
+              <a:solidFill>
+                <a:schemeClr val="bg1"/>
+              </a:solidFill>
+            </a:endParaRPr>
+          </a:p>
+        </p:txBody>
+      </p:sp>
+    </p:spTree>
+    <p:extLst>
+      <p:ext uri="{BB962C8B-B14F-4D97-AF65-F5344CB8AC3E}">
+        <p14:creationId xmlns:p14="http://schemas.microsoft.com/office/powerpoint/2010/main" val="1048748258"/>
+      </p:ext>
+    </p:extLst>
+  </p:cSld>
+  <p:clrMapOvr>
+    <a:masterClrMapping/>
+  </p:clrMapOvr>
+</p:sld>
+</file>
+
+<file path=ppt/slides/slide19.xml><?xml version="1.0" encoding="utf-8"?>
+<p:sld xmlns:a="http://schemas.openxmlformats.org/drawingml/2006/main" xmlns:r="http://schemas.openxmlformats.org/officeDocument/2006/relationships" xmlns:p="http://schemas.openxmlformats.org/presentationml/2006/main">
+  <p:cSld>
+    <p:spTree>
+      <p:nvGrpSpPr>
+        <p:cNvPr id="1" name=""/>
+        <p:cNvGrpSpPr/>
+        <p:nvPr/>
+      </p:nvGrpSpPr>
+      <p:grpSpPr>
+        <a:xfrm>
+          <a:off x="0" y="0"/>
+          <a:ext cx="0" cy="0"/>
+          <a:chOff x="0" y="0"/>
+          <a:chExt cx="0" cy="0"/>
+        </a:xfrm>
+      </p:grpSpPr>
+      <p:sp>
+        <p:nvSpPr>
+          <p:cNvPr id="2" name="Title 1">
+            <a:extLst>
+              <a:ext uri="{FF2B5EF4-FFF2-40B4-BE49-F238E27FC236}">
+                <a16:creationId xmlns:a16="http://schemas.microsoft.com/office/drawing/2014/main" id="{037ADEC7-96B5-4639-BFBC-D447892BB18C}"/>
+              </a:ext>
+            </a:extLst>
+          </p:cNvPr>
+          <p:cNvSpPr>
+            <a:spLocks noGrp="1"/>
+          </p:cNvSpPr>
+          <p:nvPr>
+            <p:ph type="title"/>
+          </p:nvPr>
+        </p:nvSpPr>
+        <p:spPr>
+          <a:xfrm>
+            <a:off x="924530" y="92766"/>
+            <a:ext cx="10353762" cy="970450"/>
+          </a:xfrm>
+        </p:spPr>
+        <p:txBody>
+          <a:bodyPr/>
+          <a:lstStyle/>
+          <a:p>
+            <a:r>
+              <a:rPr lang="it-IT" dirty="0"/>
+              <a:t>2 Client</a:t>
+            </a:r>
+            <a:endParaRPr lang="en-US" dirty="0"/>
+          </a:p>
+        </p:txBody>
+      </p:sp>
+      <p:pic>
+        <p:nvPicPr>
+          <p:cNvPr id="10" name="Content Placeholder 9" descr="Chart, bar chart&#10;&#10;Description automatically generated">
+            <a:extLst>
+              <a:ext uri="{FF2B5EF4-FFF2-40B4-BE49-F238E27FC236}">
+                <a16:creationId xmlns:a16="http://schemas.microsoft.com/office/drawing/2014/main" id="{DF7B715A-439C-4067-8E01-E02D9A98F7F2}"/>
+              </a:ext>
+            </a:extLst>
+          </p:cNvPr>
+          <p:cNvPicPr>
+            <a:picLocks noGrp="1" noChangeAspect="1"/>
+          </p:cNvPicPr>
+          <p:nvPr>
+            <p:ph idx="1"/>
+          </p:nvPr>
+        </p:nvPicPr>
+        <p:blipFill>
+          <a:blip r:embed="rId2"/>
+          <a:stretch>
+            <a:fillRect/>
+          </a:stretch>
+        </p:blipFill>
+        <p:spPr>
+          <a:xfrm>
+            <a:off x="738972" y="1063216"/>
+            <a:ext cx="10741742" cy="2811361"/>
+          </a:xfrm>
+        </p:spPr>
+      </p:pic>
+      <p:pic>
+        <p:nvPicPr>
+          <p:cNvPr id="12" name="Picture 11" descr="Chart, bar chart&#10;&#10;Description automatically generated">
+            <a:extLst>
+              <a:ext uri="{FF2B5EF4-FFF2-40B4-BE49-F238E27FC236}">
+                <a16:creationId xmlns:a16="http://schemas.microsoft.com/office/drawing/2014/main" id="{458363F6-B6F2-4404-9FC5-3BA1FCA26E37}"/>
+              </a:ext>
+            </a:extLst>
+          </p:cNvPr>
+          <p:cNvPicPr>
+            <a:picLocks noChangeAspect="1"/>
+          </p:cNvPicPr>
+          <p:nvPr/>
+        </p:nvPicPr>
+        <p:blipFill>
+          <a:blip r:embed="rId3"/>
+          <a:stretch>
+            <a:fillRect/>
+          </a:stretch>
+        </p:blipFill>
+        <p:spPr>
+          <a:xfrm>
+            <a:off x="726768" y="3714468"/>
+            <a:ext cx="10753946" cy="3050765"/>
+          </a:xfrm>
+          <a:prstGeom prst="rect">
+            <a:avLst/>
+          </a:prstGeom>
+        </p:spPr>
+      </p:pic>
+      <p:sp>
+        <p:nvSpPr>
+          <p:cNvPr id="9" name="TextBox 8">
+            <a:extLst>
+              <a:ext uri="{FF2B5EF4-FFF2-40B4-BE49-F238E27FC236}">
+                <a16:creationId xmlns:a16="http://schemas.microsoft.com/office/drawing/2014/main" id="{FB7FB3A3-21AD-4CC8-B3D4-F6C7D0DE5587}"/>
+              </a:ext>
+            </a:extLst>
+          </p:cNvPr>
+          <p:cNvSpPr txBox="1"/>
+          <p:nvPr/>
+        </p:nvSpPr>
+        <p:spPr>
+          <a:xfrm>
+            <a:off x="9552505" y="1063216"/>
+            <a:ext cx="2534200" cy="369332"/>
+          </a:xfrm>
+          <a:prstGeom prst="rect">
+            <a:avLst/>
+          </a:prstGeom>
+          <a:noFill/>
+        </p:spPr>
+        <p:txBody>
+          <a:bodyPr wrap="square" rtlCol="0">
+            <a:spAutoFit/>
+          </a:bodyPr>
+          <a:lstStyle/>
+          <a:p>
+            <a:r>
+              <a:rPr lang="it-IT" dirty="0">
+                <a:solidFill>
+                  <a:schemeClr val="bg1"/>
+                </a:solidFill>
+              </a:rPr>
+              <a:t>ArrayList</a:t>
+            </a:r>
+            <a:endParaRPr lang="en-US" dirty="0">
+              <a:solidFill>
+                <a:schemeClr val="bg1"/>
+              </a:solidFill>
+            </a:endParaRPr>
+          </a:p>
+        </p:txBody>
+      </p:sp>
+      <p:sp>
+        <p:nvSpPr>
+          <p:cNvPr id="8" name="TextBox 7">
+            <a:extLst>
+              <a:ext uri="{FF2B5EF4-FFF2-40B4-BE49-F238E27FC236}">
+                <a16:creationId xmlns:a16="http://schemas.microsoft.com/office/drawing/2014/main" id="{F7FF325B-A778-436B-A1BC-489FC8518A59}"/>
+              </a:ext>
+            </a:extLst>
+          </p:cNvPr>
+          <p:cNvSpPr txBox="1"/>
+          <p:nvPr/>
+        </p:nvSpPr>
+        <p:spPr>
+          <a:xfrm>
+            <a:off x="9441379" y="3714468"/>
+            <a:ext cx="2534200" cy="369332"/>
+          </a:xfrm>
+          <a:prstGeom prst="rect">
+            <a:avLst/>
+          </a:prstGeom>
+          <a:noFill/>
+        </p:spPr>
+        <p:txBody>
+          <a:bodyPr wrap="square" rtlCol="0">
+            <a:spAutoFit/>
+          </a:bodyPr>
+          <a:lstStyle/>
+          <a:p>
+            <a:r>
+              <a:rPr lang="it-IT" dirty="0">
+                <a:solidFill>
+                  <a:schemeClr val="bg1"/>
+                </a:solidFill>
+              </a:rPr>
+              <a:t>HashMap</a:t>
+            </a:r>
+            <a:endParaRPr lang="en-US" dirty="0">
+              <a:solidFill>
+                <a:schemeClr val="bg1"/>
+              </a:solidFill>
+            </a:endParaRPr>
+          </a:p>
+        </p:txBody>
+      </p:sp>
+    </p:spTree>
+    <p:extLst>
+      <p:ext uri="{BB962C8B-B14F-4D97-AF65-F5344CB8AC3E}">
+        <p14:creationId xmlns:p14="http://schemas.microsoft.com/office/powerpoint/2010/main" val="2544107809"/>
+      </p:ext>
+    </p:extLst>
+  </p:cSld>
+  <p:clrMapOvr>
+    <a:masterClrMapping/>
+  </p:clrMapOvr>
+</p:sld>
+</file>
+
 <file path=ppt/slides/slide2.xml><?xml version="1.0" encoding="utf-8"?>
 <p:sld xmlns:a="http://schemas.openxmlformats.org/drawingml/2006/main" xmlns:r="http://schemas.openxmlformats.org/officeDocument/2006/relationships" xmlns:p="http://schemas.openxmlformats.org/presentationml/2006/main">
   <p:cSld>
@@ -16602,6 +22383,962 @@
     <p:extLst>
       <p:ext uri="{BB962C8B-B14F-4D97-AF65-F5344CB8AC3E}">
         <p14:creationId xmlns:p14="http://schemas.microsoft.com/office/powerpoint/2010/main" val="665442788"/>
+      </p:ext>
+    </p:extLst>
+  </p:cSld>
+  <p:clrMapOvr>
+    <a:masterClrMapping/>
+  </p:clrMapOvr>
+</p:sld>
+</file>
+
+<file path=ppt/slides/slide20.xml><?xml version="1.0" encoding="utf-8"?>
+<p:sld xmlns:a="http://schemas.openxmlformats.org/drawingml/2006/main" xmlns:r="http://schemas.openxmlformats.org/officeDocument/2006/relationships" xmlns:p="http://schemas.openxmlformats.org/presentationml/2006/main">
+  <p:cSld>
+    <p:spTree>
+      <p:nvGrpSpPr>
+        <p:cNvPr id="1" name=""/>
+        <p:cNvGrpSpPr/>
+        <p:nvPr/>
+      </p:nvGrpSpPr>
+      <p:grpSpPr>
+        <a:xfrm>
+          <a:off x="0" y="0"/>
+          <a:ext cx="0" cy="0"/>
+          <a:chOff x="0" y="0"/>
+          <a:chExt cx="0" cy="0"/>
+        </a:xfrm>
+      </p:grpSpPr>
+      <p:sp>
+        <p:nvSpPr>
+          <p:cNvPr id="2" name="Title 1">
+            <a:extLst>
+              <a:ext uri="{FF2B5EF4-FFF2-40B4-BE49-F238E27FC236}">
+                <a16:creationId xmlns:a16="http://schemas.microsoft.com/office/drawing/2014/main" id="{037ADEC7-96B5-4639-BFBC-D447892BB18C}"/>
+              </a:ext>
+            </a:extLst>
+          </p:cNvPr>
+          <p:cNvSpPr>
+            <a:spLocks noGrp="1"/>
+          </p:cNvSpPr>
+          <p:nvPr>
+            <p:ph type="title"/>
+          </p:nvPr>
+        </p:nvSpPr>
+        <p:spPr>
+          <a:xfrm>
+            <a:off x="924530" y="92766"/>
+            <a:ext cx="10353762" cy="970450"/>
+          </a:xfrm>
+        </p:spPr>
+        <p:txBody>
+          <a:bodyPr/>
+          <a:lstStyle/>
+          <a:p>
+            <a:r>
+              <a:rPr lang="it-IT" dirty="0"/>
+              <a:t>10 Client</a:t>
+            </a:r>
+            <a:endParaRPr lang="en-US" dirty="0"/>
+          </a:p>
+        </p:txBody>
+      </p:sp>
+      <p:pic>
+        <p:nvPicPr>
+          <p:cNvPr id="10" name="Content Placeholder 9" descr="Chart, bar chart&#10;&#10;Description automatically generated">
+            <a:extLst>
+              <a:ext uri="{FF2B5EF4-FFF2-40B4-BE49-F238E27FC236}">
+                <a16:creationId xmlns:a16="http://schemas.microsoft.com/office/drawing/2014/main" id="{0B616DFF-F645-4CC1-9475-3F9089B6352E}"/>
+              </a:ext>
+            </a:extLst>
+          </p:cNvPr>
+          <p:cNvPicPr>
+            <a:picLocks noGrp="1" noChangeAspect="1"/>
+          </p:cNvPicPr>
+          <p:nvPr>
+            <p:ph idx="1"/>
+          </p:nvPr>
+        </p:nvPicPr>
+        <p:blipFill>
+          <a:blip r:embed="rId2"/>
+          <a:stretch>
+            <a:fillRect/>
+          </a:stretch>
+        </p:blipFill>
+        <p:spPr>
+          <a:xfrm>
+            <a:off x="771004" y="991282"/>
+            <a:ext cx="10899775" cy="2858957"/>
+          </a:xfrm>
+        </p:spPr>
+      </p:pic>
+      <p:pic>
+        <p:nvPicPr>
+          <p:cNvPr id="12" name="Picture 11" descr="Chart, bar chart&#10;&#10;Description automatically generated">
+            <a:extLst>
+              <a:ext uri="{FF2B5EF4-FFF2-40B4-BE49-F238E27FC236}">
+                <a16:creationId xmlns:a16="http://schemas.microsoft.com/office/drawing/2014/main" id="{9E710A9D-B1EB-4A78-B1E8-BC49933B49C6}"/>
+              </a:ext>
+            </a:extLst>
+          </p:cNvPr>
+          <p:cNvPicPr>
+            <a:picLocks noChangeAspect="1"/>
+          </p:cNvPicPr>
+          <p:nvPr/>
+        </p:nvPicPr>
+        <p:blipFill>
+          <a:blip r:embed="rId3"/>
+          <a:stretch>
+            <a:fillRect/>
+          </a:stretch>
+        </p:blipFill>
+        <p:spPr>
+          <a:xfrm>
+            <a:off x="771004" y="3726969"/>
+            <a:ext cx="10899775" cy="3038265"/>
+          </a:xfrm>
+          <a:prstGeom prst="rect">
+            <a:avLst/>
+          </a:prstGeom>
+        </p:spPr>
+      </p:pic>
+      <p:sp>
+        <p:nvSpPr>
+          <p:cNvPr id="9" name="TextBox 8">
+            <a:extLst>
+              <a:ext uri="{FF2B5EF4-FFF2-40B4-BE49-F238E27FC236}">
+                <a16:creationId xmlns:a16="http://schemas.microsoft.com/office/drawing/2014/main" id="{FB7FB3A3-21AD-4CC8-B3D4-F6C7D0DE5587}"/>
+              </a:ext>
+            </a:extLst>
+          </p:cNvPr>
+          <p:cNvSpPr txBox="1"/>
+          <p:nvPr/>
+        </p:nvSpPr>
+        <p:spPr>
+          <a:xfrm>
+            <a:off x="9780332" y="3726969"/>
+            <a:ext cx="2534200" cy="369332"/>
+          </a:xfrm>
+          <a:prstGeom prst="rect">
+            <a:avLst/>
+          </a:prstGeom>
+          <a:noFill/>
+        </p:spPr>
+        <p:txBody>
+          <a:bodyPr wrap="square" rtlCol="0">
+            <a:spAutoFit/>
+          </a:bodyPr>
+          <a:lstStyle/>
+          <a:p>
+            <a:r>
+              <a:rPr lang="it-IT" dirty="0">
+                <a:solidFill>
+                  <a:schemeClr val="bg1"/>
+                </a:solidFill>
+              </a:rPr>
+              <a:t>Ricerca Binaria</a:t>
+            </a:r>
+            <a:endParaRPr lang="en-US" dirty="0">
+              <a:solidFill>
+                <a:schemeClr val="bg1"/>
+              </a:solidFill>
+            </a:endParaRPr>
+          </a:p>
+        </p:txBody>
+      </p:sp>
+      <p:sp>
+        <p:nvSpPr>
+          <p:cNvPr id="8" name="TextBox 7">
+            <a:extLst>
+              <a:ext uri="{FF2B5EF4-FFF2-40B4-BE49-F238E27FC236}">
+                <a16:creationId xmlns:a16="http://schemas.microsoft.com/office/drawing/2014/main" id="{F7FF325B-A778-436B-A1BC-489FC8518A59}"/>
+              </a:ext>
+            </a:extLst>
+          </p:cNvPr>
+          <p:cNvSpPr txBox="1"/>
+          <p:nvPr/>
+        </p:nvSpPr>
+        <p:spPr>
+          <a:xfrm>
+            <a:off x="9780332" y="982820"/>
+            <a:ext cx="2534200" cy="369332"/>
+          </a:xfrm>
+          <a:prstGeom prst="rect">
+            <a:avLst/>
+          </a:prstGeom>
+          <a:noFill/>
+        </p:spPr>
+        <p:txBody>
+          <a:bodyPr wrap="square" rtlCol="0">
+            <a:spAutoFit/>
+          </a:bodyPr>
+          <a:lstStyle/>
+          <a:p>
+            <a:r>
+              <a:rPr lang="it-IT" dirty="0">
+                <a:solidFill>
+                  <a:schemeClr val="bg1"/>
+                </a:solidFill>
+              </a:rPr>
+              <a:t>Ricerca Lineare</a:t>
+            </a:r>
+            <a:endParaRPr lang="en-US" dirty="0">
+              <a:solidFill>
+                <a:schemeClr val="bg1"/>
+              </a:solidFill>
+            </a:endParaRPr>
+          </a:p>
+        </p:txBody>
+      </p:sp>
+    </p:spTree>
+    <p:extLst>
+      <p:ext uri="{BB962C8B-B14F-4D97-AF65-F5344CB8AC3E}">
+        <p14:creationId xmlns:p14="http://schemas.microsoft.com/office/powerpoint/2010/main" val="3275782638"/>
+      </p:ext>
+    </p:extLst>
+  </p:cSld>
+  <p:clrMapOvr>
+    <a:masterClrMapping/>
+  </p:clrMapOvr>
+</p:sld>
+</file>
+
+<file path=ppt/slides/slide21.xml><?xml version="1.0" encoding="utf-8"?>
+<p:sld xmlns:a="http://schemas.openxmlformats.org/drawingml/2006/main" xmlns:r="http://schemas.openxmlformats.org/officeDocument/2006/relationships" xmlns:p="http://schemas.openxmlformats.org/presentationml/2006/main">
+  <p:cSld>
+    <p:spTree>
+      <p:nvGrpSpPr>
+        <p:cNvPr id="1" name=""/>
+        <p:cNvGrpSpPr/>
+        <p:nvPr/>
+      </p:nvGrpSpPr>
+      <p:grpSpPr>
+        <a:xfrm>
+          <a:off x="0" y="0"/>
+          <a:ext cx="0" cy="0"/>
+          <a:chOff x="0" y="0"/>
+          <a:chExt cx="0" cy="0"/>
+        </a:xfrm>
+      </p:grpSpPr>
+      <p:sp>
+        <p:nvSpPr>
+          <p:cNvPr id="2" name="Title 1">
+            <a:extLst>
+              <a:ext uri="{FF2B5EF4-FFF2-40B4-BE49-F238E27FC236}">
+                <a16:creationId xmlns:a16="http://schemas.microsoft.com/office/drawing/2014/main" id="{037ADEC7-96B5-4639-BFBC-D447892BB18C}"/>
+              </a:ext>
+            </a:extLst>
+          </p:cNvPr>
+          <p:cNvSpPr>
+            <a:spLocks noGrp="1"/>
+          </p:cNvSpPr>
+          <p:nvPr>
+            <p:ph type="title"/>
+          </p:nvPr>
+        </p:nvSpPr>
+        <p:spPr>
+          <a:xfrm>
+            <a:off x="924530" y="92766"/>
+            <a:ext cx="10353762" cy="970450"/>
+          </a:xfrm>
+        </p:spPr>
+        <p:txBody>
+          <a:bodyPr/>
+          <a:lstStyle/>
+          <a:p>
+            <a:r>
+              <a:rPr lang="it-IT" dirty="0"/>
+              <a:t>10 Client</a:t>
+            </a:r>
+            <a:endParaRPr lang="en-US" dirty="0"/>
+          </a:p>
+        </p:txBody>
+      </p:sp>
+      <p:pic>
+        <p:nvPicPr>
+          <p:cNvPr id="6" name="Content Placeholder 5" descr="Chart, bar chart&#10;&#10;Description automatically generated">
+            <a:extLst>
+              <a:ext uri="{FF2B5EF4-FFF2-40B4-BE49-F238E27FC236}">
+                <a16:creationId xmlns:a16="http://schemas.microsoft.com/office/drawing/2014/main" id="{A0F86BBE-1CAE-446A-AABB-235C90600C69}"/>
+              </a:ext>
+            </a:extLst>
+          </p:cNvPr>
+          <p:cNvPicPr>
+            <a:picLocks noGrp="1" noChangeAspect="1"/>
+          </p:cNvPicPr>
+          <p:nvPr>
+            <p:ph idx="1"/>
+          </p:nvPr>
+        </p:nvPicPr>
+        <p:blipFill>
+          <a:blip r:embed="rId2"/>
+          <a:stretch>
+            <a:fillRect/>
+          </a:stretch>
+        </p:blipFill>
+        <p:spPr>
+          <a:xfrm>
+            <a:off x="790517" y="874342"/>
+            <a:ext cx="10617309" cy="2982041"/>
+          </a:xfrm>
+        </p:spPr>
+      </p:pic>
+      <p:sp>
+        <p:nvSpPr>
+          <p:cNvPr id="8" name="TextBox 7">
+            <a:extLst>
+              <a:ext uri="{FF2B5EF4-FFF2-40B4-BE49-F238E27FC236}">
+                <a16:creationId xmlns:a16="http://schemas.microsoft.com/office/drawing/2014/main" id="{F7FF325B-A778-436B-A1BC-489FC8518A59}"/>
+              </a:ext>
+            </a:extLst>
+          </p:cNvPr>
+          <p:cNvSpPr txBox="1"/>
+          <p:nvPr/>
+        </p:nvSpPr>
+        <p:spPr>
+          <a:xfrm>
+            <a:off x="9750565" y="894543"/>
+            <a:ext cx="2534200" cy="369332"/>
+          </a:xfrm>
+          <a:prstGeom prst="rect">
+            <a:avLst/>
+          </a:prstGeom>
+          <a:noFill/>
+        </p:spPr>
+        <p:txBody>
+          <a:bodyPr wrap="square" rtlCol="0">
+            <a:spAutoFit/>
+          </a:bodyPr>
+          <a:lstStyle/>
+          <a:p>
+            <a:r>
+              <a:rPr lang="it-IT" dirty="0">
+                <a:solidFill>
+                  <a:schemeClr val="bg1"/>
+                </a:solidFill>
+              </a:rPr>
+              <a:t>ArrayList</a:t>
+            </a:r>
+            <a:endParaRPr lang="en-US" dirty="0">
+              <a:solidFill>
+                <a:schemeClr val="bg1"/>
+              </a:solidFill>
+            </a:endParaRPr>
+          </a:p>
+        </p:txBody>
+      </p:sp>
+      <p:pic>
+        <p:nvPicPr>
+          <p:cNvPr id="11" name="Picture 10" descr="Chart, bar chart&#10;&#10;Description automatically generated">
+            <a:extLst>
+              <a:ext uri="{FF2B5EF4-FFF2-40B4-BE49-F238E27FC236}">
+                <a16:creationId xmlns:a16="http://schemas.microsoft.com/office/drawing/2014/main" id="{2B7244BB-F033-43D5-936A-B41FCCF46568}"/>
+              </a:ext>
+            </a:extLst>
+          </p:cNvPr>
+          <p:cNvPicPr>
+            <a:picLocks noChangeAspect="1"/>
+          </p:cNvPicPr>
+          <p:nvPr/>
+        </p:nvPicPr>
+        <p:blipFill>
+          <a:blip r:embed="rId3"/>
+          <a:stretch>
+            <a:fillRect/>
+          </a:stretch>
+        </p:blipFill>
+        <p:spPr>
+          <a:xfrm>
+            <a:off x="784174" y="3819575"/>
+            <a:ext cx="10684149" cy="2945659"/>
+          </a:xfrm>
+          <a:prstGeom prst="rect">
+            <a:avLst/>
+          </a:prstGeom>
+        </p:spPr>
+      </p:pic>
+      <p:sp>
+        <p:nvSpPr>
+          <p:cNvPr id="9" name="TextBox 8">
+            <a:extLst>
+              <a:ext uri="{FF2B5EF4-FFF2-40B4-BE49-F238E27FC236}">
+                <a16:creationId xmlns:a16="http://schemas.microsoft.com/office/drawing/2014/main" id="{FB7FB3A3-21AD-4CC8-B3D4-F6C7D0DE5587}"/>
+              </a:ext>
+            </a:extLst>
+          </p:cNvPr>
+          <p:cNvSpPr txBox="1"/>
+          <p:nvPr/>
+        </p:nvSpPr>
+        <p:spPr>
+          <a:xfrm>
+            <a:off x="9657800" y="3819575"/>
+            <a:ext cx="2534200" cy="369332"/>
+          </a:xfrm>
+          <a:prstGeom prst="rect">
+            <a:avLst/>
+          </a:prstGeom>
+          <a:noFill/>
+        </p:spPr>
+        <p:txBody>
+          <a:bodyPr wrap="square" rtlCol="0">
+            <a:spAutoFit/>
+          </a:bodyPr>
+          <a:lstStyle/>
+          <a:p>
+            <a:r>
+              <a:rPr lang="it-IT" dirty="0">
+                <a:solidFill>
+                  <a:schemeClr val="bg1"/>
+                </a:solidFill>
+              </a:rPr>
+              <a:t>HashMap</a:t>
+            </a:r>
+            <a:endParaRPr lang="en-US" dirty="0">
+              <a:solidFill>
+                <a:schemeClr val="bg1"/>
+              </a:solidFill>
+            </a:endParaRPr>
+          </a:p>
+        </p:txBody>
+      </p:sp>
+    </p:spTree>
+    <p:extLst>
+      <p:ext uri="{BB962C8B-B14F-4D97-AF65-F5344CB8AC3E}">
+        <p14:creationId xmlns:p14="http://schemas.microsoft.com/office/powerpoint/2010/main" val="3452012913"/>
+      </p:ext>
+    </p:extLst>
+  </p:cSld>
+  <p:clrMapOvr>
+    <a:masterClrMapping/>
+  </p:clrMapOvr>
+</p:sld>
+</file>
+
+<file path=ppt/slides/slide22.xml><?xml version="1.0" encoding="utf-8"?>
+<p:sld xmlns:a="http://schemas.openxmlformats.org/drawingml/2006/main" xmlns:r="http://schemas.openxmlformats.org/officeDocument/2006/relationships" xmlns:p="http://schemas.openxmlformats.org/presentationml/2006/main">
+  <p:cSld>
+    <p:bg>
+      <p:bgPr>
+        <a:solidFill>
+          <a:schemeClr val="bg1"/>
+        </a:solidFill>
+        <a:effectLst/>
+      </p:bgPr>
+    </p:bg>
+    <p:spTree>
+      <p:nvGrpSpPr>
+        <p:cNvPr id="1" name=""/>
+        <p:cNvGrpSpPr/>
+        <p:nvPr/>
+      </p:nvGrpSpPr>
+      <p:grpSpPr>
+        <a:xfrm>
+          <a:off x="0" y="0"/>
+          <a:ext cx="0" cy="0"/>
+          <a:chOff x="0" y="0"/>
+          <a:chExt cx="0" cy="0"/>
+        </a:xfrm>
+      </p:grpSpPr>
+      <p:sp>
+        <p:nvSpPr>
+          <p:cNvPr id="61" name="Rectangle 60">
+            <a:extLst>
+              <a:ext uri="{FF2B5EF4-FFF2-40B4-BE49-F238E27FC236}">
+                <a16:creationId xmlns:a16="http://schemas.microsoft.com/office/drawing/2014/main" id="{9527FCEA-6143-4C5E-8C45-8AC9237ADE89}"/>
+              </a:ext>
+              <a:ext uri="{C183D7F6-B498-43B3-948B-1728B52AA6E4}">
+                <adec:decorative xmlns:adec="http://schemas.microsoft.com/office/drawing/2017/decorative" val="1"/>
+              </a:ext>
+            </a:extLst>
+          </p:cNvPr>
+          <p:cNvSpPr>
+            <a:spLocks noGrp="1" noRot="1" noChangeAspect="1" noMove="1" noResize="1" noEditPoints="1" noAdjustHandles="1" noChangeArrowheads="1" noChangeShapeType="1" noTextEdit="1"/>
+          </p:cNvSpPr>
+          <p:nvPr>
+            <p:extLst>
+              <p:ext uri="{386F3935-93C4-4BCD-93E2-E3B085C9AB24}">
+                <p16:designElem xmlns:p16="http://schemas.microsoft.com/office/powerpoint/2015/main" val="1"/>
+              </p:ext>
+            </p:extLst>
+          </p:nvPr>
+        </p:nvSpPr>
+        <p:spPr>
+          <a:xfrm>
+            <a:off x="0" y="0"/>
+            <a:ext cx="12192000" cy="6858000"/>
+          </a:xfrm>
+          <a:prstGeom prst="rect">
+            <a:avLst/>
+          </a:prstGeom>
+          <a:solidFill>
+            <a:schemeClr val="tx1">
+              <a:lumMod val="50000"/>
+              <a:lumOff val="50000"/>
+              <a:alpha val="30000"/>
+            </a:schemeClr>
+          </a:solidFill>
+          <a:ln>
+            <a:noFill/>
+          </a:ln>
+        </p:spPr>
+        <p:style>
+          <a:lnRef idx="2">
+            <a:schemeClr val="accent1">
+              <a:shade val="50000"/>
+            </a:schemeClr>
+          </a:lnRef>
+          <a:fillRef idx="1">
+            <a:schemeClr val="accent1"/>
+          </a:fillRef>
+          <a:effectRef idx="0">
+            <a:schemeClr val="accent1"/>
+          </a:effectRef>
+          <a:fontRef idx="minor">
+            <a:schemeClr val="lt1"/>
+          </a:fontRef>
+        </p:style>
+        <p:txBody>
+          <a:bodyPr rtlCol="0" anchor="ctr"/>
+          <a:lstStyle/>
+          <a:p>
+            <a:pPr algn="ctr"/>
+            <a:endParaRPr lang="en-US"/>
+          </a:p>
+        </p:txBody>
+      </p:sp>
+      <p:sp>
+        <p:nvSpPr>
+          <p:cNvPr id="63" name="Rectangle 62">
+            <a:extLst>
+              <a:ext uri="{FF2B5EF4-FFF2-40B4-BE49-F238E27FC236}">
+                <a16:creationId xmlns:a16="http://schemas.microsoft.com/office/drawing/2014/main" id="{1A9F23AD-7A55-49F3-A3EC-743F47F36B0E}"/>
+              </a:ext>
+              <a:ext uri="{C183D7F6-B498-43B3-948B-1728B52AA6E4}">
+                <adec:decorative xmlns:adec="http://schemas.microsoft.com/office/drawing/2017/decorative" val="1"/>
+              </a:ext>
+            </a:extLst>
+          </p:cNvPr>
+          <p:cNvSpPr>
+            <a:spLocks noGrp="1" noRot="1" noChangeAspect="1" noMove="1" noResize="1" noEditPoints="1" noAdjustHandles="1" noChangeArrowheads="1" noChangeShapeType="1" noTextEdit="1"/>
+          </p:cNvSpPr>
+          <p:nvPr>
+            <p:extLst>
+              <p:ext uri="{386F3935-93C4-4BCD-93E2-E3B085C9AB24}">
+                <p16:designElem xmlns:p16="http://schemas.microsoft.com/office/powerpoint/2015/main" val="1"/>
+              </p:ext>
+            </p:extLst>
+          </p:nvPr>
+        </p:nvSpPr>
+        <p:spPr>
+          <a:xfrm>
+            <a:off x="477012" y="487090"/>
+            <a:ext cx="6741849" cy="5897880"/>
+          </a:xfrm>
+          <a:prstGeom prst="rect">
+            <a:avLst/>
+          </a:prstGeom>
+          <a:solidFill>
+            <a:srgbClr val="FFFFFF"/>
+          </a:solidFill>
+          <a:ln w="19050">
+            <a:solidFill>
+              <a:schemeClr val="tx1">
+                <a:lumMod val="50000"/>
+                <a:lumOff val="50000"/>
+                <a:alpha val="80000"/>
+              </a:schemeClr>
+            </a:solidFill>
+          </a:ln>
+        </p:spPr>
+        <p:style>
+          <a:lnRef idx="2">
+            <a:schemeClr val="accent1">
+              <a:shade val="50000"/>
+            </a:schemeClr>
+          </a:lnRef>
+          <a:fillRef idx="1">
+            <a:schemeClr val="accent1"/>
+          </a:fillRef>
+          <a:effectRef idx="0">
+            <a:schemeClr val="accent1"/>
+          </a:effectRef>
+          <a:fontRef idx="minor">
+            <a:schemeClr val="lt1"/>
+          </a:fontRef>
+        </p:style>
+        <p:txBody>
+          <a:bodyPr rtlCol="0" anchor="ctr"/>
+          <a:lstStyle/>
+          <a:p>
+            <a:pPr algn="ctr"/>
+            <a:endParaRPr lang="en-US"/>
+          </a:p>
+        </p:txBody>
+      </p:sp>
+      <p:sp>
+        <p:nvSpPr>
+          <p:cNvPr id="65" name="Rectangle 64">
+            <a:extLst>
+              <a:ext uri="{FF2B5EF4-FFF2-40B4-BE49-F238E27FC236}">
+                <a16:creationId xmlns:a16="http://schemas.microsoft.com/office/drawing/2014/main" id="{D7D9F91F-72C9-4DB9-ABD0-A8180D8262D5}"/>
+              </a:ext>
+              <a:ext uri="{C183D7F6-B498-43B3-948B-1728B52AA6E4}">
+                <adec:decorative xmlns:adec="http://schemas.microsoft.com/office/drawing/2017/decorative" val="1"/>
+              </a:ext>
+            </a:extLst>
+          </p:cNvPr>
+          <p:cNvSpPr>
+            <a:spLocks noGrp="1" noRot="1" noChangeAspect="1" noMove="1" noResize="1" noEditPoints="1" noAdjustHandles="1" noChangeArrowheads="1" noChangeShapeType="1" noTextEdit="1"/>
+          </p:cNvSpPr>
+          <p:nvPr>
+            <p:extLst>
+              <p:ext uri="{386F3935-93C4-4BCD-93E2-E3B085C9AB24}">
+                <p16:designElem xmlns:p16="http://schemas.microsoft.com/office/powerpoint/2015/main" val="1"/>
+              </p:ext>
+            </p:extLst>
+          </p:nvPr>
+        </p:nvSpPr>
+        <p:spPr>
+          <a:xfrm>
+            <a:off x="7534655" y="480060"/>
+            <a:ext cx="4180332" cy="2788074"/>
+          </a:xfrm>
+          <a:prstGeom prst="rect">
+            <a:avLst/>
+          </a:prstGeom>
+          <a:solidFill>
+            <a:srgbClr val="FFFFFF"/>
+          </a:solidFill>
+          <a:ln w="19050">
+            <a:solidFill>
+              <a:schemeClr val="tx1">
+                <a:lumMod val="50000"/>
+                <a:lumOff val="50000"/>
+                <a:alpha val="80000"/>
+              </a:schemeClr>
+            </a:solidFill>
+          </a:ln>
+        </p:spPr>
+        <p:style>
+          <a:lnRef idx="2">
+            <a:schemeClr val="accent1">
+              <a:shade val="50000"/>
+            </a:schemeClr>
+          </a:lnRef>
+          <a:fillRef idx="1">
+            <a:schemeClr val="accent1"/>
+          </a:fillRef>
+          <a:effectRef idx="0">
+            <a:schemeClr val="accent1"/>
+          </a:effectRef>
+          <a:fontRef idx="minor">
+            <a:schemeClr val="lt1"/>
+          </a:fontRef>
+        </p:style>
+        <p:txBody>
+          <a:bodyPr rtlCol="0" anchor="ctr"/>
+          <a:lstStyle/>
+          <a:p>
+            <a:pPr algn="ctr"/>
+            <a:endParaRPr lang="en-US"/>
+          </a:p>
+        </p:txBody>
+      </p:sp>
+      <p:sp>
+        <p:nvSpPr>
+          <p:cNvPr id="67" name="Rectangle 66">
+            <a:extLst>
+              <a:ext uri="{FF2B5EF4-FFF2-40B4-BE49-F238E27FC236}">
+                <a16:creationId xmlns:a16="http://schemas.microsoft.com/office/drawing/2014/main" id="{BE016956-CE9F-4946-8834-A8BC3529D0F6}"/>
+              </a:ext>
+              <a:ext uri="{C183D7F6-B498-43B3-948B-1728B52AA6E4}">
+                <adec:decorative xmlns:adec="http://schemas.microsoft.com/office/drawing/2017/decorative" val="1"/>
+              </a:ext>
+            </a:extLst>
+          </p:cNvPr>
+          <p:cNvSpPr>
+            <a:spLocks noGrp="1" noRot="1" noChangeAspect="1" noMove="1" noResize="1" noEditPoints="1" noAdjustHandles="1" noChangeArrowheads="1" noChangeShapeType="1" noTextEdit="1"/>
+          </p:cNvSpPr>
+          <p:nvPr>
+            <p:extLst>
+              <p:ext uri="{386F3935-93C4-4BCD-93E2-E3B085C9AB24}">
+                <p16:designElem xmlns:p16="http://schemas.microsoft.com/office/powerpoint/2015/main" val="1"/>
+              </p:ext>
+            </p:extLst>
+          </p:nvPr>
+        </p:nvSpPr>
+        <p:spPr>
+          <a:xfrm>
+            <a:off x="7534655" y="3603670"/>
+            <a:ext cx="4180332" cy="2788074"/>
+          </a:xfrm>
+          <a:prstGeom prst="rect">
+            <a:avLst/>
+          </a:prstGeom>
+          <a:solidFill>
+            <a:srgbClr val="FFFFFF"/>
+          </a:solidFill>
+          <a:ln w="19050">
+            <a:solidFill>
+              <a:schemeClr val="tx1">
+                <a:lumMod val="50000"/>
+                <a:lumOff val="50000"/>
+                <a:alpha val="80000"/>
+              </a:schemeClr>
+            </a:solidFill>
+          </a:ln>
+        </p:spPr>
+        <p:style>
+          <a:lnRef idx="2">
+            <a:schemeClr val="accent1">
+              <a:shade val="50000"/>
+            </a:schemeClr>
+          </a:lnRef>
+          <a:fillRef idx="1">
+            <a:schemeClr val="accent1"/>
+          </a:fillRef>
+          <a:effectRef idx="0">
+            <a:schemeClr val="accent1"/>
+          </a:effectRef>
+          <a:fontRef idx="minor">
+            <a:schemeClr val="lt1"/>
+          </a:fontRef>
+        </p:style>
+        <p:txBody>
+          <a:bodyPr rtlCol="0" anchor="ctr"/>
+          <a:lstStyle/>
+          <a:p>
+            <a:pPr algn="ctr"/>
+            <a:endParaRPr lang="en-US"/>
+          </a:p>
+        </p:txBody>
+      </p:sp>
+      <p:pic>
+        <p:nvPicPr>
+          <p:cNvPr id="26" name="Picture 25" descr="Chart, bar chart&#10;&#10;Description automatically generated">
+            <a:extLst>
+              <a:ext uri="{FF2B5EF4-FFF2-40B4-BE49-F238E27FC236}">
+                <a16:creationId xmlns:a16="http://schemas.microsoft.com/office/drawing/2014/main" id="{2A553743-074D-4226-BBAE-DFCDE08ABDAB}"/>
+              </a:ext>
+            </a:extLst>
+          </p:cNvPr>
+          <p:cNvPicPr>
+            <a:picLocks noChangeAspect="1"/>
+          </p:cNvPicPr>
+          <p:nvPr/>
+        </p:nvPicPr>
+        <p:blipFill>
+          <a:blip r:embed="rId2"/>
+          <a:stretch>
+            <a:fillRect/>
+          </a:stretch>
+        </p:blipFill>
+        <p:spPr>
+          <a:xfrm>
+            <a:off x="608425" y="915195"/>
+            <a:ext cx="6554350" cy="4915762"/>
+          </a:xfrm>
+          <a:prstGeom prst="rect">
+            <a:avLst/>
+          </a:prstGeom>
+        </p:spPr>
+      </p:pic>
+      <p:pic>
+        <p:nvPicPr>
+          <p:cNvPr id="22" name="Picture 21" descr="Chart, bar chart&#10;&#10;Description automatically generated">
+            <a:extLst>
+              <a:ext uri="{FF2B5EF4-FFF2-40B4-BE49-F238E27FC236}">
+                <a16:creationId xmlns:a16="http://schemas.microsoft.com/office/drawing/2014/main" id="{80AA6E08-4B45-4EBE-8AB1-9B8248FFC508}"/>
+              </a:ext>
+            </a:extLst>
+          </p:cNvPr>
+          <p:cNvPicPr>
+            <a:picLocks noChangeAspect="1"/>
+          </p:cNvPicPr>
+          <p:nvPr/>
+        </p:nvPicPr>
+        <p:blipFill>
+          <a:blip r:embed="rId3"/>
+          <a:stretch>
+            <a:fillRect/>
+          </a:stretch>
+        </p:blipFill>
+        <p:spPr>
+          <a:xfrm>
+            <a:off x="7073224" y="3373076"/>
+            <a:ext cx="4726589" cy="3544941"/>
+          </a:xfrm>
+          <a:prstGeom prst="rect">
+            <a:avLst/>
+          </a:prstGeom>
+        </p:spPr>
+      </p:pic>
+      <p:pic>
+        <p:nvPicPr>
+          <p:cNvPr id="24" name="Picture 23" descr="Chart, bar chart&#10;&#10;Description automatically generated">
+            <a:extLst>
+              <a:ext uri="{FF2B5EF4-FFF2-40B4-BE49-F238E27FC236}">
+                <a16:creationId xmlns:a16="http://schemas.microsoft.com/office/drawing/2014/main" id="{51C5CD83-A07B-4FC6-96EB-AD1F3282DB3E}"/>
+              </a:ext>
+            </a:extLst>
+          </p:cNvPr>
+          <p:cNvPicPr>
+            <a:picLocks noChangeAspect="1"/>
+          </p:cNvPicPr>
+          <p:nvPr/>
+        </p:nvPicPr>
+        <p:blipFill>
+          <a:blip r:embed="rId4"/>
+          <a:stretch>
+            <a:fillRect/>
+          </a:stretch>
+        </p:blipFill>
+        <p:spPr>
+          <a:xfrm>
+            <a:off x="7230869" y="-36264"/>
+            <a:ext cx="4556935" cy="3417702"/>
+          </a:xfrm>
+          <a:prstGeom prst="rect">
+            <a:avLst/>
+          </a:prstGeom>
+        </p:spPr>
+      </p:pic>
+      <p:sp>
+        <p:nvSpPr>
+          <p:cNvPr id="27" name="TextBox 26">
+            <a:extLst>
+              <a:ext uri="{FF2B5EF4-FFF2-40B4-BE49-F238E27FC236}">
+                <a16:creationId xmlns:a16="http://schemas.microsoft.com/office/drawing/2014/main" id="{1482715A-27F5-4BB6-AB78-F6B678E97B9E}"/>
+              </a:ext>
+            </a:extLst>
+          </p:cNvPr>
+          <p:cNvSpPr txBox="1"/>
+          <p:nvPr/>
+        </p:nvSpPr>
+        <p:spPr>
+          <a:xfrm>
+            <a:off x="4837043" y="781878"/>
+            <a:ext cx="1072730" cy="369332"/>
+          </a:xfrm>
+          <a:prstGeom prst="rect">
+            <a:avLst/>
+          </a:prstGeom>
+          <a:noFill/>
+        </p:spPr>
+        <p:txBody>
+          <a:bodyPr wrap="none" rtlCol="0">
+            <a:spAutoFit/>
+          </a:bodyPr>
+          <a:lstStyle/>
+          <a:p>
+            <a:r>
+              <a:rPr lang="it-IT" dirty="0">
+                <a:solidFill>
+                  <a:schemeClr val="bg1"/>
+                </a:solidFill>
+              </a:rPr>
+              <a:t>10 Client</a:t>
+            </a:r>
+            <a:endParaRPr lang="en-US" dirty="0">
+              <a:solidFill>
+                <a:schemeClr val="bg1"/>
+              </a:solidFill>
+            </a:endParaRPr>
+          </a:p>
+        </p:txBody>
+      </p:sp>
+      <p:sp>
+        <p:nvSpPr>
+          <p:cNvPr id="47" name="TextBox 46">
+            <a:extLst>
+              <a:ext uri="{FF2B5EF4-FFF2-40B4-BE49-F238E27FC236}">
+                <a16:creationId xmlns:a16="http://schemas.microsoft.com/office/drawing/2014/main" id="{05D2768F-4094-4DF8-9850-E56EEBD98994}"/>
+              </a:ext>
+            </a:extLst>
+          </p:cNvPr>
+          <p:cNvSpPr txBox="1"/>
+          <p:nvPr/>
+        </p:nvSpPr>
+        <p:spPr>
+          <a:xfrm>
+            <a:off x="7534655" y="0"/>
+            <a:ext cx="6096000" cy="369332"/>
+          </a:xfrm>
+          <a:prstGeom prst="rect">
+            <a:avLst/>
+          </a:prstGeom>
+          <a:noFill/>
+        </p:spPr>
+        <p:txBody>
+          <a:bodyPr wrap="square">
+            <a:spAutoFit/>
+          </a:bodyPr>
+          <a:lstStyle/>
+          <a:p>
+            <a:r>
+              <a:rPr lang="it-IT" dirty="0">
+                <a:solidFill>
+                  <a:schemeClr val="bg1"/>
+                </a:solidFill>
+              </a:rPr>
+              <a:t>2 Client</a:t>
+            </a:r>
+            <a:endParaRPr lang="en-US" dirty="0">
+              <a:solidFill>
+                <a:schemeClr val="bg1"/>
+              </a:solidFill>
+            </a:endParaRPr>
+          </a:p>
+        </p:txBody>
+      </p:sp>
+      <p:sp>
+        <p:nvSpPr>
+          <p:cNvPr id="49" name="TextBox 48">
+            <a:extLst>
+              <a:ext uri="{FF2B5EF4-FFF2-40B4-BE49-F238E27FC236}">
+                <a16:creationId xmlns:a16="http://schemas.microsoft.com/office/drawing/2014/main" id="{8D7735A6-7973-4C10-B5BB-E016CD591FCE}"/>
+              </a:ext>
+            </a:extLst>
+          </p:cNvPr>
+          <p:cNvSpPr txBox="1"/>
+          <p:nvPr/>
+        </p:nvSpPr>
+        <p:spPr>
+          <a:xfrm>
+            <a:off x="7828767" y="3475959"/>
+            <a:ext cx="7189938" cy="369332"/>
+          </a:xfrm>
+          <a:prstGeom prst="rect">
+            <a:avLst/>
+          </a:prstGeom>
+          <a:noFill/>
+        </p:spPr>
+        <p:txBody>
+          <a:bodyPr wrap="square">
+            <a:spAutoFit/>
+          </a:bodyPr>
+          <a:lstStyle/>
+          <a:p>
+            <a:r>
+              <a:rPr lang="it-IT" dirty="0">
+                <a:solidFill>
+                  <a:schemeClr val="bg1"/>
+                </a:solidFill>
+              </a:rPr>
+              <a:t>1 Client</a:t>
+            </a:r>
+            <a:endParaRPr lang="en-US" dirty="0">
+              <a:solidFill>
+                <a:schemeClr val="bg1"/>
+              </a:solidFill>
+            </a:endParaRPr>
+          </a:p>
+        </p:txBody>
+      </p:sp>
+    </p:spTree>
+    <p:extLst>
+      <p:ext uri="{BB962C8B-B14F-4D97-AF65-F5344CB8AC3E}">
+        <p14:creationId xmlns:p14="http://schemas.microsoft.com/office/powerpoint/2010/main" val="2337905595"/>
       </p:ext>
     </p:extLst>
   </p:cSld>
@@ -17221,6 +23958,450 @@
 </p:sld>
 </file>
 
+<file path=ppt/slides/slide7.xml><?xml version="1.0" encoding="utf-8"?>
+<p:sld xmlns:a="http://schemas.openxmlformats.org/drawingml/2006/main" xmlns:r="http://schemas.openxmlformats.org/officeDocument/2006/relationships" xmlns:p="http://schemas.openxmlformats.org/presentationml/2006/main">
+  <p:cSld>
+    <p:spTree>
+      <p:nvGrpSpPr>
+        <p:cNvPr id="1" name=""/>
+        <p:cNvGrpSpPr/>
+        <p:nvPr/>
+      </p:nvGrpSpPr>
+      <p:grpSpPr>
+        <a:xfrm>
+          <a:off x="0" y="0"/>
+          <a:ext cx="0" cy="0"/>
+          <a:chOff x="0" y="0"/>
+          <a:chExt cx="0" cy="0"/>
+        </a:xfrm>
+      </p:grpSpPr>
+      <p:sp>
+        <p:nvSpPr>
+          <p:cNvPr id="2" name="Title 1">
+            <a:extLst>
+              <a:ext uri="{FF2B5EF4-FFF2-40B4-BE49-F238E27FC236}">
+                <a16:creationId xmlns:a16="http://schemas.microsoft.com/office/drawing/2014/main" id="{7DD32C14-5207-40DE-B058-F0AA20B876AC}"/>
+              </a:ext>
+            </a:extLst>
+          </p:cNvPr>
+          <p:cNvSpPr>
+            <a:spLocks noGrp="1"/>
+          </p:cNvSpPr>
+          <p:nvPr>
+            <p:ph type="title"/>
+          </p:nvPr>
+        </p:nvSpPr>
+        <p:spPr/>
+        <p:txBody>
+          <a:bodyPr/>
+          <a:lstStyle/>
+          <a:p>
+            <a:r>
+              <a:rPr lang="it-IT" dirty="0"/>
+              <a:t>Pianificazione del collaudo</a:t>
+            </a:r>
+            <a:endParaRPr lang="en-US" dirty="0"/>
+          </a:p>
+        </p:txBody>
+      </p:sp>
+      <p:sp>
+        <p:nvSpPr>
+          <p:cNvPr id="3" name="Content Placeholder 2">
+            <a:extLst>
+              <a:ext uri="{FF2B5EF4-FFF2-40B4-BE49-F238E27FC236}">
+                <a16:creationId xmlns:a16="http://schemas.microsoft.com/office/drawing/2014/main" id="{B30822F1-D0A9-4EBC-AC4F-7741805E7D73}"/>
+              </a:ext>
+            </a:extLst>
+          </p:cNvPr>
+          <p:cNvSpPr>
+            <a:spLocks noGrp="1"/>
+          </p:cNvSpPr>
+          <p:nvPr>
+            <p:ph idx="1"/>
+          </p:nvPr>
+        </p:nvSpPr>
+        <p:spPr/>
+        <p:txBody>
+          <a:bodyPr>
+            <a:normAutofit/>
+          </a:bodyPr>
+          <a:lstStyle/>
+          <a:p>
+            <a:pPr marL="0" indent="0" algn="ctr">
+              <a:buNone/>
+            </a:pPr>
+            <a:r>
+              <a:rPr lang="it-IT" sz="3000" b="1" dirty="0"/>
+              <a:t>Controllo degli argomenti:</a:t>
+            </a:r>
+          </a:p>
+          <a:p>
+            <a:pPr marL="457200" indent="-457200">
+              <a:buFont typeface="+mj-lt"/>
+              <a:buAutoNum type="arabicPeriod"/>
+            </a:pPr>
+            <a:r>
+              <a:rPr lang="it-IT" sz="2000" dirty="0"/>
+              <a:t>Cosa succede se passo un path non corretto?</a:t>
+            </a:r>
+          </a:p>
+          <a:p>
+            <a:pPr marL="457200" indent="-457200">
+              <a:buFont typeface="+mj-lt"/>
+              <a:buAutoNum type="arabicPeriod"/>
+            </a:pPr>
+            <a:r>
+              <a:rPr lang="it-IT" sz="2000" dirty="0"/>
+              <a:t>Cosa succede se passo path di file inesistenti?</a:t>
+            </a:r>
+          </a:p>
+          <a:p>
+            <a:pPr marL="457200" indent="-457200">
+              <a:buFont typeface="+mj-lt"/>
+              <a:buAutoNum type="arabicPeriod"/>
+            </a:pPr>
+            <a:r>
+              <a:rPr lang="it-IT" sz="2000" dirty="0"/>
+              <a:t>Cosa succede se non passo nessun nome di file?</a:t>
+            </a:r>
+          </a:p>
+          <a:p>
+            <a:pPr marL="457200" indent="-457200">
+              <a:buFont typeface="+mj-lt"/>
+              <a:buAutoNum type="arabicPeriod"/>
+            </a:pPr>
+            <a:r>
+              <a:rPr lang="it-IT" sz="2000" dirty="0"/>
+              <a:t>Cosa succede se non passo argomenti?</a:t>
+            </a:r>
+          </a:p>
+          <a:p>
+            <a:pPr marL="457200" indent="-457200">
+              <a:buFont typeface="+mj-lt"/>
+              <a:buAutoNum type="arabicPeriod"/>
+            </a:pPr>
+            <a:r>
+              <a:rPr lang="it-IT" sz="2000" dirty="0"/>
+              <a:t>Cosa succede se non passo porte troppo grandi/piccole?</a:t>
+            </a:r>
+          </a:p>
+          <a:p>
+            <a:pPr marL="0" indent="0">
+              <a:buNone/>
+            </a:pPr>
+            <a:endParaRPr lang="it-IT" sz="2000" dirty="0"/>
+          </a:p>
+          <a:p>
+            <a:pPr marL="0" indent="0" algn="ctr">
+              <a:buNone/>
+            </a:pPr>
+            <a:r>
+              <a:rPr lang="it-IT" sz="3000" dirty="0"/>
+              <a:t>Ma per quanto riguarda l’efficienza?</a:t>
+            </a:r>
+          </a:p>
+        </p:txBody>
+      </p:sp>
+    </p:spTree>
+    <p:extLst>
+      <p:ext uri="{BB962C8B-B14F-4D97-AF65-F5344CB8AC3E}">
+        <p14:creationId xmlns:p14="http://schemas.microsoft.com/office/powerpoint/2010/main" val="554526383"/>
+      </p:ext>
+    </p:extLst>
+  </p:cSld>
+  <p:clrMapOvr>
+    <a:masterClrMapping/>
+  </p:clrMapOvr>
+</p:sld>
+</file>
+
+<file path=ppt/slides/slide8.xml><?xml version="1.0" encoding="utf-8"?>
+<p:sld xmlns:a="http://schemas.openxmlformats.org/drawingml/2006/main" xmlns:r="http://schemas.openxmlformats.org/officeDocument/2006/relationships" xmlns:p="http://schemas.openxmlformats.org/presentationml/2006/main">
+  <p:cSld>
+    <p:spTree>
+      <p:nvGrpSpPr>
+        <p:cNvPr id="1" name=""/>
+        <p:cNvGrpSpPr/>
+        <p:nvPr/>
+      </p:nvGrpSpPr>
+      <p:grpSpPr>
+        <a:xfrm>
+          <a:off x="0" y="0"/>
+          <a:ext cx="0" cy="0"/>
+          <a:chOff x="0" y="0"/>
+          <a:chExt cx="0" cy="0"/>
+        </a:xfrm>
+      </p:grpSpPr>
+      <p:sp>
+        <p:nvSpPr>
+          <p:cNvPr id="2" name="Title 1">
+            <a:extLst>
+              <a:ext uri="{FF2B5EF4-FFF2-40B4-BE49-F238E27FC236}">
+                <a16:creationId xmlns:a16="http://schemas.microsoft.com/office/drawing/2014/main" id="{AD2FA0A0-D703-4FB0-ACD6-B66148002477}"/>
+              </a:ext>
+            </a:extLst>
+          </p:cNvPr>
+          <p:cNvSpPr>
+            <a:spLocks noGrp="1"/>
+          </p:cNvSpPr>
+          <p:nvPr>
+            <p:ph type="title"/>
+          </p:nvPr>
+        </p:nvSpPr>
+        <p:spPr/>
+        <p:txBody>
+          <a:bodyPr/>
+          <a:lstStyle/>
+          <a:p>
+            <a:r>
+              <a:rPr lang="it-IT" dirty="0"/>
+              <a:t>Progettazione orientata all’efficienza</a:t>
+            </a:r>
+            <a:endParaRPr lang="en-US" dirty="0"/>
+          </a:p>
+        </p:txBody>
+      </p:sp>
+      <p:sp>
+        <p:nvSpPr>
+          <p:cNvPr id="3" name="Content Placeholder 2">
+            <a:extLst>
+              <a:ext uri="{FF2B5EF4-FFF2-40B4-BE49-F238E27FC236}">
+                <a16:creationId xmlns:a16="http://schemas.microsoft.com/office/drawing/2014/main" id="{773B13A0-AD3C-4E5A-B36D-CE398F25BF29}"/>
+              </a:ext>
+            </a:extLst>
+          </p:cNvPr>
+          <p:cNvSpPr>
+            <a:spLocks noGrp="1"/>
+          </p:cNvSpPr>
+          <p:nvPr>
+            <p:ph idx="1"/>
+          </p:nvPr>
+        </p:nvSpPr>
+        <p:spPr/>
+        <p:txBody>
+          <a:bodyPr>
+            <a:normAutofit lnSpcReduction="10000"/>
+          </a:bodyPr>
+          <a:lstStyle/>
+          <a:p>
+            <a:pPr marL="36900" indent="0" algn="ctr">
+              <a:buNone/>
+            </a:pPr>
+            <a:r>
+              <a:rPr lang="it-IT" sz="3000" dirty="0"/>
+              <a:t>Qual’è la migliore Data Structure (e algoritmo di ricerca) per gestire la coppia </a:t>
+            </a:r>
+          </a:p>
+          <a:p>
+            <a:pPr marL="36900" indent="0" algn="ctr">
+              <a:buNone/>
+            </a:pPr>
+            <a:r>
+              <a:rPr lang="it-IT" sz="3000" dirty="0"/>
+              <a:t>File – Porta</a:t>
+            </a:r>
+          </a:p>
+          <a:p>
+            <a:pPr marL="551250" indent="-514350" algn="ctr">
+              <a:buFont typeface="+mj-lt"/>
+              <a:buAutoNum type="arabicPeriod"/>
+            </a:pPr>
+            <a:r>
+              <a:rPr lang="it-IT" sz="3000" dirty="0"/>
+              <a:t>Array paralleli con ricerca lineare</a:t>
+            </a:r>
+          </a:p>
+          <a:p>
+            <a:pPr marL="551250" indent="-514350" algn="ctr">
+              <a:buFont typeface="+mj-lt"/>
+              <a:buAutoNum type="arabicPeriod"/>
+            </a:pPr>
+            <a:r>
+              <a:rPr lang="it-IT" sz="3000" dirty="0"/>
+              <a:t>Array paralleli con ricerca binaria</a:t>
+            </a:r>
+          </a:p>
+          <a:p>
+            <a:pPr marL="551250" indent="-514350" algn="ctr">
+              <a:buFont typeface="+mj-lt"/>
+              <a:buAutoNum type="arabicPeriod"/>
+            </a:pPr>
+            <a:r>
+              <a:rPr lang="it-IT" sz="3000" dirty="0"/>
+              <a:t>ArrayList paralleli</a:t>
+            </a:r>
+            <a:endParaRPr lang="en-US" sz="3000" dirty="0"/>
+          </a:p>
+          <a:p>
+            <a:pPr marL="551250" indent="-514350" algn="ctr">
+              <a:buFont typeface="+mj-lt"/>
+              <a:buAutoNum type="arabicPeriod"/>
+            </a:pPr>
+            <a:r>
+              <a:rPr lang="it-IT" sz="3000" dirty="0"/>
+              <a:t>HashMap</a:t>
+            </a:r>
+            <a:endParaRPr lang="en-US" sz="3000" dirty="0"/>
+          </a:p>
+          <a:p>
+            <a:pPr marL="551250" indent="-514350" algn="ctr">
+              <a:buFont typeface="+mj-lt"/>
+              <a:buAutoNum type="arabicPeriod"/>
+            </a:pPr>
+            <a:endParaRPr lang="en-US" sz="3000" dirty="0"/>
+          </a:p>
+          <a:p>
+            <a:pPr marL="551250" indent="-514350" algn="ctr">
+              <a:buFont typeface="+mj-lt"/>
+              <a:buAutoNum type="arabicPeriod"/>
+            </a:pPr>
+            <a:endParaRPr lang="it-IT" sz="3000" dirty="0"/>
+          </a:p>
+          <a:p>
+            <a:pPr marL="551250" indent="-514350" algn="ctr">
+              <a:buFont typeface="+mj-lt"/>
+              <a:buAutoNum type="arabicPeriod"/>
+            </a:pPr>
+            <a:endParaRPr lang="en-US" sz="3000" dirty="0"/>
+          </a:p>
+        </p:txBody>
+      </p:sp>
+    </p:spTree>
+    <p:extLst>
+      <p:ext uri="{BB962C8B-B14F-4D97-AF65-F5344CB8AC3E}">
+        <p14:creationId xmlns:p14="http://schemas.microsoft.com/office/powerpoint/2010/main" val="1762420673"/>
+      </p:ext>
+    </p:extLst>
+  </p:cSld>
+  <p:clrMapOvr>
+    <a:masterClrMapping/>
+  </p:clrMapOvr>
+</p:sld>
+</file>
+
+<file path=ppt/slides/slide9.xml><?xml version="1.0" encoding="utf-8"?>
+<p:sld xmlns:a="http://schemas.openxmlformats.org/drawingml/2006/main" xmlns:r="http://schemas.openxmlformats.org/officeDocument/2006/relationships" xmlns:p="http://schemas.openxmlformats.org/presentationml/2006/main">
+  <p:cSld>
+    <p:spTree>
+      <p:nvGrpSpPr>
+        <p:cNvPr id="1" name=""/>
+        <p:cNvGrpSpPr/>
+        <p:nvPr/>
+      </p:nvGrpSpPr>
+      <p:grpSpPr>
+        <a:xfrm>
+          <a:off x="0" y="0"/>
+          <a:ext cx="0" cy="0"/>
+          <a:chOff x="0" y="0"/>
+          <a:chExt cx="0" cy="0"/>
+        </a:xfrm>
+      </p:grpSpPr>
+      <p:sp>
+        <p:nvSpPr>
+          <p:cNvPr id="2" name="Title 1">
+            <a:extLst>
+              <a:ext uri="{FF2B5EF4-FFF2-40B4-BE49-F238E27FC236}">
+                <a16:creationId xmlns:a16="http://schemas.microsoft.com/office/drawing/2014/main" id="{6039CC0C-53DC-4C6C-BEC6-A026955E2CA4}"/>
+              </a:ext>
+            </a:extLst>
+          </p:cNvPr>
+          <p:cNvSpPr>
+            <a:spLocks noGrp="1"/>
+          </p:cNvSpPr>
+          <p:nvPr>
+            <p:ph type="title"/>
+          </p:nvPr>
+        </p:nvSpPr>
+        <p:spPr/>
+        <p:txBody>
+          <a:bodyPr>
+            <a:normAutofit/>
+          </a:bodyPr>
+          <a:lstStyle/>
+          <a:p>
+            <a:r>
+              <a:rPr lang="it-IT" sz="4000" dirty="0"/>
+              <a:t>Array paralleli con ricerca lineare</a:t>
+            </a:r>
+            <a:endParaRPr lang="en-US" dirty="0"/>
+          </a:p>
+        </p:txBody>
+      </p:sp>
+      <p:sp>
+        <p:nvSpPr>
+          <p:cNvPr id="3" name="Content Placeholder 2">
+            <a:extLst>
+              <a:ext uri="{FF2B5EF4-FFF2-40B4-BE49-F238E27FC236}">
+                <a16:creationId xmlns:a16="http://schemas.microsoft.com/office/drawing/2014/main" id="{3589AEBD-8EFB-4BF2-A3A3-EDF2308D4351}"/>
+              </a:ext>
+            </a:extLst>
+          </p:cNvPr>
+          <p:cNvSpPr>
+            <a:spLocks noGrp="1"/>
+          </p:cNvSpPr>
+          <p:nvPr>
+            <p:ph idx="1"/>
+          </p:nvPr>
+        </p:nvSpPr>
+        <p:spPr/>
+        <p:txBody>
+          <a:bodyPr/>
+          <a:lstStyle/>
+          <a:p>
+            <a:pPr marL="36900" indent="0" algn="ctr">
+              <a:buNone/>
+            </a:pPr>
+            <a:r>
+              <a:rPr lang="it-IT" dirty="0"/>
+              <a:t>Due array, files e ports controllo in un ciclo for fino a quando non trovo il path i-esimo</a:t>
+            </a:r>
+            <a:endParaRPr lang="en-US" dirty="0"/>
+          </a:p>
+        </p:txBody>
+      </p:sp>
+      <p:pic>
+        <p:nvPicPr>
+          <p:cNvPr id="5" name="Picture 4" descr="Text&#10;&#10;Description automatically generated">
+            <a:extLst>
+              <a:ext uri="{FF2B5EF4-FFF2-40B4-BE49-F238E27FC236}">
+                <a16:creationId xmlns:a16="http://schemas.microsoft.com/office/drawing/2014/main" id="{BCBA5076-325F-4ABD-85A1-4889ECD9387A}"/>
+              </a:ext>
+            </a:extLst>
+          </p:cNvPr>
+          <p:cNvPicPr>
+            <a:picLocks noChangeAspect="1"/>
+          </p:cNvPicPr>
+          <p:nvPr/>
+        </p:nvPicPr>
+        <p:blipFill>
+          <a:blip r:embed="rId2"/>
+          <a:stretch>
+            <a:fillRect/>
+          </a:stretch>
+        </p:blipFill>
+        <p:spPr>
+          <a:xfrm>
+            <a:off x="4088941" y="2603226"/>
+            <a:ext cx="4003470" cy="2317195"/>
+          </a:xfrm>
+          <a:prstGeom prst="rect">
+            <a:avLst/>
+          </a:prstGeom>
+        </p:spPr>
+      </p:pic>
+    </p:spTree>
+    <p:extLst>
+      <p:ext uri="{BB962C8B-B14F-4D97-AF65-F5344CB8AC3E}">
+        <p14:creationId xmlns:p14="http://schemas.microsoft.com/office/powerpoint/2010/main" val="2744282747"/>
+      </p:ext>
+    </p:extLst>
+  </p:cSld>
+  <p:clrMapOvr>
+    <a:masterClrMapping/>
+  </p:clrMapOvr>
+</p:sld>
+</file>
+
 <file path=ppt/theme/theme1.xml><?xml version="1.0" encoding="utf-8"?>
 <a:theme xmlns:a="http://schemas.openxmlformats.org/drawingml/2006/main" name="Slate">
   <a:themeElements>
